--- a/materials/slides/ch03-class-and-object-up-4.pptx
+++ b/materials/slides/ch03-class-and-object-up-4.pptx
@@ -149,10 +149,25 @@
   </p:defaultTextStyle>
   <p:extLst>
     <p:ext uri="{EFAFB233-063F-42B5-8137-9DF3F51BA10A}">
-      <p15:sldGuideLst xmlns="" xmlns:p15="http://schemas.microsoft.com/office/powerpoint/2012/main"/>
+      <p15:sldGuideLst xmlns:p15="http://schemas.microsoft.com/office/powerpoint/2012/main">
+        <p15:guide id="1" orient="horz" pos="2160">
+          <p15:clr>
+            <a:srgbClr val="A4A3A4"/>
+          </p15:clr>
+        </p15:guide>
+        <p15:guide id="2" pos="3839">
+          <p15:clr>
+            <a:srgbClr val="A4A3A4"/>
+          </p15:clr>
+        </p15:guide>
+      </p15:sldGuideLst>
     </p:ext>
   </p:extLst>
 </p:presentation>
+</file>
+
+<file path=ppt/revisionInfo.xml><?xml version="1.0" encoding="utf-8"?>
+<p1510:revInfo xmlns:a="http://schemas.openxmlformats.org/drawingml/2006/main" xmlns:r="http://schemas.openxmlformats.org/officeDocument/2006/relationships" xmlns:p1510="http://schemas.microsoft.com/office/powerpoint/2015/10/main"/>
 </file>
 
 <file path=ppt/notesMasters/notesMaster1.xml><?xml version="1.0" encoding="utf-8"?>
@@ -237,7 +252,7 @@
           <a:p>
             <a:fld id="{1AC763DE-CC84-4058-BD62-4687DC7FF9D4}" type="datetimeFigureOut">
               <a:rPr lang="zh-CN" altLang="en-US" smtClean="0"/>
-              <a:t>2017/8/19</a:t>
+              <a:t>2017/9/6</a:t>
             </a:fld>
             <a:endParaRPr lang="zh-CN" altLang="en-US"/>
           </a:p>
@@ -301,38 +316,37 @@
           <a:p>
             <a:pPr lvl="0"/>
             <a:r>
-              <a:rPr lang="zh-CN" altLang="en-US" smtClean="0"/>
+              <a:rPr lang="zh-CN" altLang="en-US"/>
               <a:t>编辑母版文本样式</a:t>
             </a:r>
           </a:p>
           <a:p>
             <a:pPr lvl="1"/>
             <a:r>
-              <a:rPr lang="zh-CN" altLang="en-US" smtClean="0"/>
+              <a:rPr lang="zh-CN" altLang="en-US"/>
               <a:t>第二级</a:t>
             </a:r>
           </a:p>
           <a:p>
             <a:pPr lvl="2"/>
             <a:r>
-              <a:rPr lang="zh-CN" altLang="en-US" smtClean="0"/>
+              <a:rPr lang="zh-CN" altLang="en-US"/>
               <a:t>第三级</a:t>
             </a:r>
           </a:p>
           <a:p>
             <a:pPr lvl="3"/>
             <a:r>
-              <a:rPr lang="zh-CN" altLang="en-US" smtClean="0"/>
+              <a:rPr lang="zh-CN" altLang="en-US"/>
               <a:t>第四级</a:t>
             </a:r>
           </a:p>
           <a:p>
             <a:pPr lvl="4"/>
             <a:r>
-              <a:rPr lang="zh-CN" altLang="en-US" smtClean="0"/>
+              <a:rPr lang="zh-CN" altLang="en-US"/>
               <a:t>第五级</a:t>
             </a:r>
-            <a:endParaRPr lang="zh-CN" altLang="en-US"/>
           </a:p>
         </p:txBody>
       </p:sp>
@@ -553,7 +567,7 @@
           </a:lstStyle>
           <a:p>
             <a:r>
-              <a:rPr lang="zh-CN" altLang="en-US" smtClean="0"/>
+              <a:rPr lang="zh-CN" altLang="en-US"/>
               <a:t>单击此处编辑母版标题样式</a:t>
             </a:r>
             <a:endParaRPr lang="en-US" dirty="0"/>
@@ -623,35 +637,35 @@
           <a:p>
             <a:pPr lvl="0"/>
             <a:r>
-              <a:rPr lang="zh-CN" altLang="en-US" smtClean="0"/>
+              <a:rPr lang="zh-CN" altLang="en-US"/>
               <a:t>编辑母版文本样式</a:t>
             </a:r>
           </a:p>
           <a:p>
             <a:pPr lvl="1"/>
             <a:r>
-              <a:rPr lang="zh-CN" altLang="en-US" smtClean="0"/>
+              <a:rPr lang="zh-CN" altLang="en-US"/>
               <a:t>第二级</a:t>
             </a:r>
           </a:p>
           <a:p>
             <a:pPr lvl="2"/>
             <a:r>
-              <a:rPr lang="zh-CN" altLang="en-US" smtClean="0"/>
+              <a:rPr lang="zh-CN" altLang="en-US"/>
               <a:t>第三级</a:t>
             </a:r>
           </a:p>
           <a:p>
             <a:pPr lvl="3"/>
             <a:r>
-              <a:rPr lang="zh-CN" altLang="en-US" smtClean="0"/>
+              <a:rPr lang="zh-CN" altLang="en-US"/>
               <a:t>第四级</a:t>
             </a:r>
           </a:p>
           <a:p>
             <a:pPr lvl="4"/>
             <a:r>
-              <a:rPr lang="zh-CN" altLang="en-US" smtClean="0"/>
+              <a:rPr lang="zh-CN" altLang="en-US"/>
               <a:t>第五级</a:t>
             </a:r>
             <a:endParaRPr lang="en-US" dirty="0"/>
@@ -905,13 +919,6 @@
   <p:clrMapOvr>
     <a:masterClrMapping/>
   </p:clrMapOvr>
-  <p:timing>
-    <p:tnLst>
-      <p:par>
-        <p:cTn id="1" dur="indefinite" restart="never" nodeType="tmRoot"/>
-      </p:par>
-    </p:tnLst>
-  </p:timing>
 </p:sldLayout>
 </file>
 
@@ -957,7 +964,7 @@
           </a:lstStyle>
           <a:p>
             <a:r>
-              <a:rPr lang="zh-CN" altLang="en-US" smtClean="0"/>
+              <a:rPr lang="zh-CN" altLang="en-US"/>
               <a:t>单击此处编辑母版标题样式</a:t>
             </a:r>
             <a:endParaRPr lang="en-US" dirty="0"/>
@@ -1014,35 +1021,35 @@
           <a:p>
             <a:pPr lvl="0"/>
             <a:r>
-              <a:rPr lang="zh-CN" altLang="en-US" smtClean="0"/>
+              <a:rPr lang="zh-CN" altLang="en-US"/>
               <a:t>编辑母版文本样式</a:t>
             </a:r>
           </a:p>
           <a:p>
             <a:pPr lvl="1"/>
             <a:r>
-              <a:rPr lang="zh-CN" altLang="en-US" smtClean="0"/>
+              <a:rPr lang="zh-CN" altLang="en-US"/>
               <a:t>第二级</a:t>
             </a:r>
           </a:p>
           <a:p>
             <a:pPr lvl="2"/>
             <a:r>
-              <a:rPr lang="zh-CN" altLang="en-US" smtClean="0"/>
+              <a:rPr lang="zh-CN" altLang="en-US"/>
               <a:t>第三级</a:t>
             </a:r>
           </a:p>
           <a:p>
             <a:pPr lvl="3"/>
             <a:r>
-              <a:rPr lang="zh-CN" altLang="en-US" smtClean="0"/>
+              <a:rPr lang="zh-CN" altLang="en-US"/>
               <a:t>第四级</a:t>
             </a:r>
           </a:p>
           <a:p>
             <a:pPr lvl="4"/>
             <a:r>
-              <a:rPr lang="zh-CN" altLang="en-US" smtClean="0"/>
+              <a:rPr lang="zh-CN" altLang="en-US"/>
               <a:t>第五级</a:t>
             </a:r>
             <a:endParaRPr lang="en-US" dirty="0"/>
@@ -1108,7 +1115,7 @@
           <a:p>
             <a:pPr lvl="0"/>
             <a:r>
-              <a:rPr lang="zh-CN" altLang="en-US" smtClean="0"/>
+              <a:rPr lang="zh-CN" altLang="en-US"/>
               <a:t>编辑母版文本样式</a:t>
             </a:r>
           </a:p>
@@ -1299,13 +1306,6 @@
   <p:clrMapOvr>
     <a:masterClrMapping/>
   </p:clrMapOvr>
-  <p:timing>
-    <p:tnLst>
-      <p:par>
-        <p:cTn id="1" dur="indefinite" restart="never" nodeType="tmRoot"/>
-      </p:par>
-    </p:tnLst>
-  </p:timing>
 </p:sldLayout>
 </file>
 
@@ -1351,7 +1351,7 @@
           </a:lstStyle>
           <a:p>
             <a:r>
-              <a:rPr lang="zh-CN" altLang="en-US" smtClean="0"/>
+              <a:rPr lang="zh-CN" altLang="en-US"/>
               <a:t>单击此处编辑母版标题样式</a:t>
             </a:r>
             <a:endParaRPr lang="en-US" dirty="0"/>
@@ -1416,7 +1416,7 @@
           </a:lstStyle>
           <a:p>
             <a:r>
-              <a:rPr lang="zh-CN" altLang="en-US" smtClean="0"/>
+              <a:rPr lang="zh-CN" altLang="en-US"/>
               <a:t>单击图标添加图片</a:t>
             </a:r>
             <a:endParaRPr lang="en-US" dirty="0"/>
@@ -1482,7 +1482,7 @@
           <a:p>
             <a:pPr lvl="0"/>
             <a:r>
-              <a:rPr lang="zh-CN" altLang="en-US" smtClean="0"/>
+              <a:rPr lang="zh-CN" altLang="en-US"/>
               <a:t>编辑母版文本样式</a:t>
             </a:r>
           </a:p>
@@ -1673,13 +1673,6 @@
   <p:clrMapOvr>
     <a:masterClrMapping/>
   </p:clrMapOvr>
-  <p:timing>
-    <p:tnLst>
-      <p:par>
-        <p:cTn id="1" dur="indefinite" restart="never" nodeType="tmRoot"/>
-      </p:par>
-    </p:tnLst>
-  </p:timing>
 </p:sldLayout>
 </file>
 
@@ -1716,7 +1709,7 @@
           <a:lstStyle/>
           <a:p>
             <a:r>
-              <a:rPr lang="zh-CN" altLang="en-US" smtClean="0"/>
+              <a:rPr lang="zh-CN" altLang="en-US"/>
               <a:t>单击此处编辑母版标题样式</a:t>
             </a:r>
             <a:endParaRPr lang="en-US" dirty="0"/>
@@ -1740,35 +1733,35 @@
           <a:p>
             <a:pPr lvl="0"/>
             <a:r>
-              <a:rPr lang="zh-CN" altLang="en-US" smtClean="0"/>
+              <a:rPr lang="zh-CN" altLang="en-US"/>
               <a:t>编辑母版文本样式</a:t>
             </a:r>
           </a:p>
           <a:p>
             <a:pPr lvl="1"/>
             <a:r>
-              <a:rPr lang="zh-CN" altLang="en-US" smtClean="0"/>
+              <a:rPr lang="zh-CN" altLang="en-US"/>
               <a:t>第二级</a:t>
             </a:r>
           </a:p>
           <a:p>
             <a:pPr lvl="2"/>
             <a:r>
-              <a:rPr lang="zh-CN" altLang="en-US" smtClean="0"/>
+              <a:rPr lang="zh-CN" altLang="en-US"/>
               <a:t>第三级</a:t>
             </a:r>
           </a:p>
           <a:p>
             <a:pPr lvl="3"/>
             <a:r>
-              <a:rPr lang="zh-CN" altLang="en-US" smtClean="0"/>
+              <a:rPr lang="zh-CN" altLang="en-US"/>
               <a:t>第四级</a:t>
             </a:r>
           </a:p>
           <a:p>
             <a:pPr lvl="4"/>
             <a:r>
-              <a:rPr lang="zh-CN" altLang="en-US" smtClean="0"/>
+              <a:rPr lang="zh-CN" altLang="en-US"/>
               <a:t>第五级</a:t>
             </a:r>
             <a:endParaRPr lang="en-US" dirty="0"/>
@@ -1960,13 +1953,6 @@
   <p:clrMapOvr>
     <a:masterClrMapping/>
   </p:clrMapOvr>
-  <p:timing>
-    <p:tnLst>
-      <p:par>
-        <p:cTn id="1" dur="indefinite" restart="never" nodeType="tmRoot"/>
-      </p:par>
-    </p:tnLst>
-  </p:timing>
 </p:sldLayout>
 </file>
 
@@ -2008,7 +1994,7 @@
           <a:lstStyle/>
           <a:p>
             <a:r>
-              <a:rPr lang="zh-CN" altLang="en-US" smtClean="0"/>
+              <a:rPr lang="zh-CN" altLang="en-US"/>
               <a:t>单击此处编辑母版标题样式</a:t>
             </a:r>
             <a:endParaRPr lang="en-US" dirty="0"/>
@@ -2037,35 +2023,35 @@
           <a:p>
             <a:pPr lvl="0"/>
             <a:r>
-              <a:rPr lang="zh-CN" altLang="en-US" smtClean="0"/>
+              <a:rPr lang="zh-CN" altLang="en-US"/>
               <a:t>编辑母版文本样式</a:t>
             </a:r>
           </a:p>
           <a:p>
             <a:pPr lvl="1"/>
             <a:r>
-              <a:rPr lang="zh-CN" altLang="en-US" smtClean="0"/>
+              <a:rPr lang="zh-CN" altLang="en-US"/>
               <a:t>第二级</a:t>
             </a:r>
           </a:p>
           <a:p>
             <a:pPr lvl="2"/>
             <a:r>
-              <a:rPr lang="zh-CN" altLang="en-US" smtClean="0"/>
+              <a:rPr lang="zh-CN" altLang="en-US"/>
               <a:t>第三级</a:t>
             </a:r>
           </a:p>
           <a:p>
             <a:pPr lvl="3"/>
             <a:r>
-              <a:rPr lang="zh-CN" altLang="en-US" smtClean="0"/>
+              <a:rPr lang="zh-CN" altLang="en-US"/>
               <a:t>第四级</a:t>
             </a:r>
           </a:p>
           <a:p>
             <a:pPr lvl="4"/>
             <a:r>
-              <a:rPr lang="zh-CN" altLang="en-US" smtClean="0"/>
+              <a:rPr lang="zh-CN" altLang="en-US"/>
               <a:t>第五级</a:t>
             </a:r>
             <a:endParaRPr lang="en-US" dirty="0"/>
@@ -2257,13 +2243,6 @@
   <p:clrMapOvr>
     <a:masterClrMapping/>
   </p:clrMapOvr>
-  <p:timing>
-    <p:tnLst>
-      <p:par>
-        <p:cTn id="1" dur="indefinite" restart="never" nodeType="tmRoot"/>
-      </p:par>
-    </p:tnLst>
-  </p:timing>
 </p:sldLayout>
 </file>
 
@@ -2581,7 +2560,7 @@
           <a:lstStyle/>
           <a:p>
             <a:r>
-              <a:rPr lang="zh-CN" altLang="en-US" sz="2400" b="0" dirty="0" smtClean="0">
+              <a:rPr lang="zh-CN" altLang="en-US" sz="2400" b="0" dirty="0">
                 <a:solidFill>
                   <a:schemeClr val="accent5">
                     <a:lumMod val="50000"/>
@@ -2593,7 +2572,7 @@
               <a:t>基础课教研室</a:t>
             </a:r>
             <a:r>
-              <a:rPr lang="en-US" altLang="zh-CN" sz="2400" b="0" dirty="0" smtClean="0">
+              <a:rPr lang="en-US" altLang="zh-CN" sz="2400" b="0" dirty="0">
                 <a:solidFill>
                   <a:schemeClr val="accent5">
                     <a:lumMod val="50000"/>
@@ -2605,7 +2584,7 @@
               <a:t>C++ </a:t>
             </a:r>
             <a:r>
-              <a:rPr lang="zh-CN" altLang="en-US" sz="2400" b="0" dirty="0" smtClean="0">
+              <a:rPr lang="zh-CN" altLang="en-US" sz="2400" b="0" dirty="0">
                 <a:solidFill>
                   <a:schemeClr val="accent5">
                     <a:lumMod val="50000"/>
@@ -2616,15 +2595,6 @@
               </a:rPr>
               <a:t>课程组</a:t>
             </a:r>
-            <a:endParaRPr lang="zh-CN" altLang="en-US" sz="2400" b="0" dirty="0">
-              <a:solidFill>
-                <a:schemeClr val="accent5">
-                  <a:lumMod val="50000"/>
-                </a:schemeClr>
-              </a:solidFill>
-              <a:latin typeface="微软雅黑" panose="020B0503020204020204" pitchFamily="34" charset="-122"/>
-              <a:ea typeface="微软雅黑" panose="020B0503020204020204" pitchFamily="34" charset="-122"/>
-            </a:endParaRPr>
           </a:p>
         </p:txBody>
       </p:sp>
@@ -2914,7 +2884,7 @@
           <a:lstStyle/>
           <a:p>
             <a:r>
-              <a:rPr lang="en-US" altLang="zh-CN" sz="16000" b="1" smtClean="0">
+              <a:rPr lang="en-US" altLang="zh-CN" sz="16000" b="1">
                 <a:solidFill>
                   <a:srgbClr val="0073AB"/>
                 </a:solidFill>
@@ -3002,7 +2972,7 @@
           <a:p>
             <a:pPr lvl="0"/>
             <a:r>
-              <a:rPr lang="zh-CN" altLang="en-US" dirty="0" smtClean="0"/>
+              <a:rPr lang="zh-CN" altLang="en-US" dirty="0"/>
               <a:t>编辑母版文本样式</a:t>
             </a:r>
           </a:p>
@@ -3018,13 +2988,6 @@
   <p:clrMapOvr>
     <a:masterClrMapping/>
   </p:clrMapOvr>
-  <p:timing>
-    <p:tnLst>
-      <p:par>
-        <p:cTn id="1" dur="indefinite" restart="never" nodeType="tmRoot"/>
-      </p:par>
-    </p:tnLst>
-  </p:timing>
 </p:sldLayout>
 </file>
 
@@ -3593,7 +3556,7 @@
           <a:lstStyle/>
           <a:p>
             <a:r>
-              <a:rPr lang="en-US" altLang="zh-CN" sz="13000" b="1" dirty="0" smtClean="0">
+              <a:rPr lang="en-US" altLang="zh-CN" sz="13000" b="1" dirty="0">
                 <a:solidFill>
                   <a:srgbClr val="2EA7E0"/>
                 </a:solidFill>
@@ -10295,7 +10258,7 @@
           </a:lstStyle>
           <a:p>
             <a:r>
-              <a:rPr lang="zh-CN" altLang="en-US" smtClean="0"/>
+              <a:rPr lang="zh-CN" altLang="en-US"/>
               <a:t>单击此处编辑母版标题样式</a:t>
             </a:r>
             <a:endParaRPr lang="en-US" dirty="0"/>
@@ -10360,7 +10323,7 @@
           </a:lstStyle>
           <a:p>
             <a:r>
-              <a:rPr lang="zh-CN" altLang="en-US" smtClean="0"/>
+              <a:rPr lang="zh-CN" altLang="en-US"/>
               <a:t>单击以编辑母版副标题样式</a:t>
             </a:r>
             <a:endParaRPr lang="en-US" dirty="0"/>
@@ -10384,7 +10347,7 @@
           <a:p>
             <a:fld id="{C764DE79-268F-4C1A-8933-263129D2AF90}" type="datetimeFigureOut">
               <a:rPr lang="en-US" dirty="0"/>
-              <a:t>8/19/2017</a:t>
+              <a:t>9/6/2017</a:t>
             </a:fld>
             <a:endParaRPr lang="en-US" dirty="0"/>
           </a:p>
@@ -10556,13 +10519,6 @@
   <p:clrMapOvr>
     <a:masterClrMapping/>
   </p:clrMapOvr>
-  <p:timing>
-    <p:tnLst>
-      <p:par>
-        <p:cTn id="1" dur="indefinite" restart="never" nodeType="tmRoot"/>
-      </p:par>
-    </p:tnLst>
-  </p:timing>
   <p:hf hdr="0" dt="0"/>
 </p:sldLayout>
 </file>
@@ -10609,7 +10565,7 @@
           </a:lstStyle>
           <a:p>
             <a:r>
-              <a:rPr lang="zh-CN" altLang="en-US" smtClean="0"/>
+              <a:rPr lang="zh-CN" altLang="en-US"/>
               <a:t>单击此处编辑母版标题样式</a:t>
             </a:r>
             <a:endParaRPr lang="en-US" dirty="0"/>
@@ -10729,7 +10685,7 @@
           <a:p>
             <a:pPr lvl="0"/>
             <a:r>
-              <a:rPr lang="zh-CN" altLang="en-US" smtClean="0"/>
+              <a:rPr lang="zh-CN" altLang="en-US"/>
               <a:t>编辑母版文本样式</a:t>
             </a:r>
           </a:p>
@@ -10920,13 +10876,6 @@
   <p:clrMapOvr>
     <a:masterClrMapping/>
   </p:clrMapOvr>
-  <p:timing>
-    <p:tnLst>
-      <p:par>
-        <p:cTn id="1" dur="indefinite" restart="never" nodeType="tmRoot"/>
-      </p:par>
-    </p:tnLst>
-  </p:timing>
 </p:sldLayout>
 </file>
 
@@ -10963,7 +10912,7 @@
           <a:lstStyle/>
           <a:p>
             <a:r>
-              <a:rPr lang="zh-CN" altLang="en-US" smtClean="0"/>
+              <a:rPr lang="zh-CN" altLang="en-US"/>
               <a:t>单击此处编辑母版标题样式</a:t>
             </a:r>
             <a:endParaRPr lang="en-US" dirty="0"/>
@@ -10992,35 +10941,35 @@
           <a:p>
             <a:pPr lvl="0"/>
             <a:r>
-              <a:rPr lang="zh-CN" altLang="en-US" smtClean="0"/>
+              <a:rPr lang="zh-CN" altLang="en-US"/>
               <a:t>编辑母版文本样式</a:t>
             </a:r>
           </a:p>
           <a:p>
             <a:pPr lvl="1"/>
             <a:r>
-              <a:rPr lang="zh-CN" altLang="en-US" smtClean="0"/>
+              <a:rPr lang="zh-CN" altLang="en-US"/>
               <a:t>第二级</a:t>
             </a:r>
           </a:p>
           <a:p>
             <a:pPr lvl="2"/>
             <a:r>
-              <a:rPr lang="zh-CN" altLang="en-US" smtClean="0"/>
+              <a:rPr lang="zh-CN" altLang="en-US"/>
               <a:t>第三级</a:t>
             </a:r>
           </a:p>
           <a:p>
             <a:pPr lvl="3"/>
             <a:r>
-              <a:rPr lang="zh-CN" altLang="en-US" smtClean="0"/>
+              <a:rPr lang="zh-CN" altLang="en-US"/>
               <a:t>第四级</a:t>
             </a:r>
           </a:p>
           <a:p>
             <a:pPr lvl="4"/>
             <a:r>
-              <a:rPr lang="zh-CN" altLang="en-US" smtClean="0"/>
+              <a:rPr lang="zh-CN" altLang="en-US"/>
               <a:t>第五级</a:t>
             </a:r>
             <a:endParaRPr lang="en-US" dirty="0"/>
@@ -11049,35 +10998,35 @@
           <a:p>
             <a:pPr lvl="0"/>
             <a:r>
-              <a:rPr lang="zh-CN" altLang="en-US" smtClean="0"/>
+              <a:rPr lang="zh-CN" altLang="en-US"/>
               <a:t>编辑母版文本样式</a:t>
             </a:r>
           </a:p>
           <a:p>
             <a:pPr lvl="1"/>
             <a:r>
-              <a:rPr lang="zh-CN" altLang="en-US" smtClean="0"/>
+              <a:rPr lang="zh-CN" altLang="en-US"/>
               <a:t>第二级</a:t>
             </a:r>
           </a:p>
           <a:p>
             <a:pPr lvl="2"/>
             <a:r>
-              <a:rPr lang="zh-CN" altLang="en-US" smtClean="0"/>
+              <a:rPr lang="zh-CN" altLang="en-US"/>
               <a:t>第三级</a:t>
             </a:r>
           </a:p>
           <a:p>
             <a:pPr lvl="3"/>
             <a:r>
-              <a:rPr lang="zh-CN" altLang="en-US" smtClean="0"/>
+              <a:rPr lang="zh-CN" altLang="en-US"/>
               <a:t>第四级</a:t>
             </a:r>
           </a:p>
           <a:p>
             <a:pPr lvl="4"/>
             <a:r>
-              <a:rPr lang="zh-CN" altLang="en-US" smtClean="0"/>
+              <a:rPr lang="zh-CN" altLang="en-US"/>
               <a:t>第五级</a:t>
             </a:r>
             <a:endParaRPr lang="en-US" dirty="0"/>
@@ -11269,13 +11218,6 @@
   <p:clrMapOvr>
     <a:masterClrMapping/>
   </p:clrMapOvr>
-  <p:timing>
-    <p:tnLst>
-      <p:par>
-        <p:cTn id="1" dur="indefinite" restart="never" nodeType="tmRoot"/>
-      </p:par>
-    </p:tnLst>
-  </p:timing>
 </p:sldLayout>
 </file>
 
@@ -11317,7 +11259,7 @@
           <a:lstStyle/>
           <a:p>
             <a:r>
-              <a:rPr lang="zh-CN" altLang="en-US" smtClean="0"/>
+              <a:rPr lang="zh-CN" altLang="en-US"/>
               <a:t>单击此处编辑母版标题样式</a:t>
             </a:r>
             <a:endParaRPr lang="en-US" dirty="0"/>
@@ -11383,7 +11325,7 @@
           <a:p>
             <a:pPr lvl="0"/>
             <a:r>
-              <a:rPr lang="zh-CN" altLang="en-US" smtClean="0"/>
+              <a:rPr lang="zh-CN" altLang="en-US"/>
               <a:t>编辑母版文本样式</a:t>
             </a:r>
           </a:p>
@@ -11411,35 +11353,35 @@
           <a:p>
             <a:pPr lvl="0"/>
             <a:r>
-              <a:rPr lang="zh-CN" altLang="en-US" smtClean="0"/>
+              <a:rPr lang="zh-CN" altLang="en-US"/>
               <a:t>编辑母版文本样式</a:t>
             </a:r>
           </a:p>
           <a:p>
             <a:pPr lvl="1"/>
             <a:r>
-              <a:rPr lang="zh-CN" altLang="en-US" smtClean="0"/>
+              <a:rPr lang="zh-CN" altLang="en-US"/>
               <a:t>第二级</a:t>
             </a:r>
           </a:p>
           <a:p>
             <a:pPr lvl="2"/>
             <a:r>
-              <a:rPr lang="zh-CN" altLang="en-US" smtClean="0"/>
+              <a:rPr lang="zh-CN" altLang="en-US"/>
               <a:t>第三级</a:t>
             </a:r>
           </a:p>
           <a:p>
             <a:pPr lvl="3"/>
             <a:r>
-              <a:rPr lang="zh-CN" altLang="en-US" smtClean="0"/>
+              <a:rPr lang="zh-CN" altLang="en-US"/>
               <a:t>第四级</a:t>
             </a:r>
           </a:p>
           <a:p>
             <a:pPr lvl="4"/>
             <a:r>
-              <a:rPr lang="zh-CN" altLang="en-US" smtClean="0"/>
+              <a:rPr lang="zh-CN" altLang="en-US"/>
               <a:t>第五级</a:t>
             </a:r>
             <a:endParaRPr lang="en-US" dirty="0"/>
@@ -11505,7 +11447,7 @@
           <a:p>
             <a:pPr lvl="0"/>
             <a:r>
-              <a:rPr lang="zh-CN" altLang="en-US" smtClean="0"/>
+              <a:rPr lang="zh-CN" altLang="en-US"/>
               <a:t>编辑母版文本样式</a:t>
             </a:r>
           </a:p>
@@ -11533,35 +11475,35 @@
           <a:p>
             <a:pPr lvl="0"/>
             <a:r>
-              <a:rPr lang="zh-CN" altLang="en-US" smtClean="0"/>
+              <a:rPr lang="zh-CN" altLang="en-US"/>
               <a:t>编辑母版文本样式</a:t>
             </a:r>
           </a:p>
           <a:p>
             <a:pPr lvl="1"/>
             <a:r>
-              <a:rPr lang="zh-CN" altLang="en-US" smtClean="0"/>
+              <a:rPr lang="zh-CN" altLang="en-US"/>
               <a:t>第二级</a:t>
             </a:r>
           </a:p>
           <a:p>
             <a:pPr lvl="2"/>
             <a:r>
-              <a:rPr lang="zh-CN" altLang="en-US" smtClean="0"/>
+              <a:rPr lang="zh-CN" altLang="en-US"/>
               <a:t>第三级</a:t>
             </a:r>
           </a:p>
           <a:p>
             <a:pPr lvl="3"/>
             <a:r>
-              <a:rPr lang="zh-CN" altLang="en-US" smtClean="0"/>
+              <a:rPr lang="zh-CN" altLang="en-US"/>
               <a:t>第四级</a:t>
             </a:r>
           </a:p>
           <a:p>
             <a:pPr lvl="4"/>
             <a:r>
-              <a:rPr lang="zh-CN" altLang="en-US" smtClean="0"/>
+              <a:rPr lang="zh-CN" altLang="en-US"/>
               <a:t>第五级</a:t>
             </a:r>
             <a:endParaRPr lang="en-US" dirty="0"/>
@@ -11753,13 +11695,6 @@
   <p:clrMapOvr>
     <a:masterClrMapping/>
   </p:clrMapOvr>
-  <p:timing>
-    <p:tnLst>
-      <p:par>
-        <p:cTn id="1" dur="indefinite" restart="never" nodeType="tmRoot"/>
-      </p:par>
-    </p:tnLst>
-  </p:timing>
 </p:sldLayout>
 </file>
 
@@ -11796,7 +11731,7 @@
           <a:lstStyle/>
           <a:p>
             <a:r>
-              <a:rPr lang="zh-CN" altLang="en-US" smtClean="0"/>
+              <a:rPr lang="zh-CN" altLang="en-US"/>
               <a:t>单击此处编辑母版标题样式</a:t>
             </a:r>
             <a:endParaRPr lang="en-US" dirty="0"/>
@@ -11988,13 +11923,6 @@
   <p:clrMapOvr>
     <a:masterClrMapping/>
   </p:clrMapOvr>
-  <p:timing>
-    <p:tnLst>
-      <p:par>
-        <p:cTn id="1" dur="indefinite" restart="never" nodeType="tmRoot"/>
-      </p:par>
-    </p:tnLst>
-  </p:timing>
 </p:sldLayout>
 </file>
 
@@ -12200,13 +12128,6 @@
   <p:clrMapOvr>
     <a:masterClrMapping/>
   </p:clrMapOvr>
-  <p:timing>
-    <p:tnLst>
-      <p:par>
-        <p:cTn id="1" dur="indefinite" restart="never" nodeType="tmRoot"/>
-      </p:par>
-    </p:tnLst>
-  </p:timing>
 </p:sldLayout>
 </file>
 
@@ -12281,7 +12202,7 @@
           <a:lstStyle/>
           <a:p>
             <a:r>
-              <a:rPr lang="zh-CN" altLang="en-US" smtClean="0"/>
+              <a:rPr lang="zh-CN" altLang="en-US"/>
               <a:t>单击此处编辑母版标题样式</a:t>
             </a:r>
             <a:endParaRPr lang="en-US" dirty="0"/>
@@ -12315,35 +12236,35 @@
           <a:p>
             <a:pPr lvl="0"/>
             <a:r>
-              <a:rPr lang="zh-CN" altLang="en-US" smtClean="0"/>
+              <a:rPr lang="zh-CN" altLang="en-US"/>
               <a:t>编辑母版文本样式</a:t>
             </a:r>
           </a:p>
           <a:p>
             <a:pPr lvl="1"/>
             <a:r>
-              <a:rPr lang="zh-CN" altLang="en-US" smtClean="0"/>
+              <a:rPr lang="zh-CN" altLang="en-US"/>
               <a:t>第二级</a:t>
             </a:r>
           </a:p>
           <a:p>
             <a:pPr lvl="2"/>
             <a:r>
-              <a:rPr lang="zh-CN" altLang="en-US" smtClean="0"/>
+              <a:rPr lang="zh-CN" altLang="en-US"/>
               <a:t>第三级</a:t>
             </a:r>
           </a:p>
           <a:p>
             <a:pPr lvl="3"/>
             <a:r>
-              <a:rPr lang="zh-CN" altLang="en-US" smtClean="0"/>
+              <a:rPr lang="zh-CN" altLang="en-US"/>
               <a:t>第四级</a:t>
             </a:r>
           </a:p>
           <a:p>
             <a:pPr lvl="4"/>
             <a:r>
-              <a:rPr lang="zh-CN" altLang="en-US" smtClean="0"/>
+              <a:rPr lang="zh-CN" altLang="en-US"/>
               <a:t>第五级</a:t>
             </a:r>
             <a:endParaRPr lang="en-US" dirty="0"/>
@@ -12385,7 +12306,7 @@
           <a:p>
             <a:fld id="{C764DE79-268F-4C1A-8933-263129D2AF90}" type="datetimeFigureOut">
               <a:rPr lang="en-US" dirty="0"/>
-              <a:t>8/19/2017</a:t>
+              <a:t>9/6/2017</a:t>
             </a:fld>
             <a:endParaRPr lang="en-US" dirty="0"/>
           </a:p>
@@ -12646,13 +12567,6 @@
     <p:sldLayoutId id="2147483671" r:id="rId12"/>
     <p:sldLayoutId id="2147483672" r:id="rId13"/>
   </p:sldLayoutIdLst>
-  <p:timing>
-    <p:tnLst>
-      <p:par>
-        <p:cTn id="1" dur="indefinite" restart="never" nodeType="tmRoot"/>
-      </p:par>
-    </p:tnLst>
-  </p:timing>
   <p:hf hdr="0" dt="0"/>
   <p:txStyles>
     <p:titleStyle>
@@ -12975,26 +12889,9 @@
           <a:lstStyle/>
           <a:p>
             <a:r>
-              <a:rPr lang="zh-CN" altLang="en-US" smtClean="0"/>
-              <a:t>第</a:t>
-            </a:r>
-            <a:r>
               <a:rPr lang="zh-CN" altLang="en-US"/>
-              <a:t>七</a:t>
-            </a:r>
-            <a:r>
-              <a:rPr lang="zh-CN" altLang="en-US" smtClean="0"/>
-              <a:t>讲 </a:t>
-            </a:r>
-            <a:r>
-              <a:rPr lang="zh-CN" altLang="en-US"/>
-              <a:t>类和对象</a:t>
-            </a:r>
-            <a:r>
-              <a:rPr lang="zh-CN" altLang="en-US" smtClean="0"/>
-              <a:t>（三）</a:t>
-            </a:r>
-            <a:endParaRPr lang="zh-CN" altLang="en-US"/>
+              <a:t>第七讲 类和对象（三）</a:t>
+            </a:r>
           </a:p>
         </p:txBody>
       </p:sp>
@@ -13008,13 +12905,6 @@
   <p:clrMapOvr>
     <a:masterClrMapping/>
   </p:clrMapOvr>
-  <p:timing>
-    <p:tnLst>
-      <p:par>
-        <p:cTn id="1" dur="indefinite" restart="never" nodeType="tmRoot"/>
-      </p:par>
-    </p:tnLst>
-  </p:timing>
 </p:sld>
 </file>
 
@@ -13095,7 +12985,7 @@
               </a:lnSpc>
             </a:pPr>
             <a:r>
-              <a:rPr lang="zh-CN" altLang="en-US" sz="3200" smtClean="0">
+              <a:rPr lang="zh-CN" altLang="en-US" sz="3200">
                 <a:solidFill>
                   <a:srgbClr val="C00000"/>
                 </a:solidFill>
@@ -13103,7 +12993,7 @@
               <a:t>静态数据成员属于类而不属于具体的对象</a:t>
             </a:r>
             <a:r>
-              <a:rPr lang="zh-CN" altLang="en-US" sz="3200" smtClean="0">
+              <a:rPr lang="zh-CN" altLang="en-US" sz="3200">
                 <a:solidFill>
                   <a:schemeClr val="tx1">
                     <a:lumMod val="75000"/>
@@ -13114,7 +13004,7 @@
               <a:t>，为</a:t>
             </a:r>
             <a:r>
-              <a:rPr lang="zh-CN" altLang="en-US" sz="3200" smtClean="0">
+              <a:rPr lang="zh-CN" altLang="en-US" sz="3200">
                 <a:solidFill>
                   <a:srgbClr val="C00000"/>
                 </a:solidFill>
@@ -13122,7 +13012,7 @@
               <a:t>不同对象共有</a:t>
             </a:r>
             <a:r>
-              <a:rPr lang="zh-CN" altLang="en-US" sz="3200" smtClean="0">
+              <a:rPr lang="zh-CN" altLang="en-US" sz="3200">
                 <a:solidFill>
                   <a:schemeClr val="tx1">
                     <a:lumMod val="75000"/>
@@ -13133,7 +13023,7 @@
               <a:t>因此，</a:t>
             </a:r>
             <a:r>
-              <a:rPr lang="zh-CN" altLang="en-US" sz="3200" smtClean="0">
+              <a:rPr lang="zh-CN" altLang="en-US" sz="3200">
                 <a:solidFill>
                   <a:srgbClr val="C00000"/>
                 </a:solidFill>
@@ -13141,7 +13031,7 @@
               <a:t>公有</a:t>
             </a:r>
             <a:r>
-              <a:rPr lang="zh-CN" altLang="en-US" sz="3200" smtClean="0">
+              <a:rPr lang="zh-CN" altLang="en-US" sz="3200">
                 <a:solidFill>
                   <a:schemeClr val="tx1">
                     <a:lumMod val="75000"/>
@@ -13151,14 +13041,6 @@
               </a:rPr>
               <a:t>静态数据成员在类外的访问方式有两种：</a:t>
             </a:r>
-            <a:endParaRPr lang="zh-CN" altLang="en-US" sz="3200">
-              <a:solidFill>
-                <a:schemeClr val="tx1">
-                  <a:lumMod val="75000"/>
-                  <a:lumOff val="25000"/>
-                </a:schemeClr>
-              </a:solidFill>
-            </a:endParaRPr>
           </a:p>
         </p:txBody>
       </p:sp>
@@ -13254,13 +13136,6 @@
               </a:rPr>
               <a:t>公有静态数据成员</a:t>
             </a:r>
-            <a:r>
-              <a:rPr lang="en-US" altLang="zh-CN" sz="2800" b="1">
-                <a:latin typeface="微软雅黑" panose="020B0503020204020204" pitchFamily="34" charset="-122"/>
-                <a:ea typeface="微软雅黑" panose="020B0503020204020204" pitchFamily="34" charset="-122"/>
-              </a:rPr>
-              <a:t/>
-            </a:r>
             <a:br>
               <a:rPr lang="en-US" altLang="zh-CN" sz="2800" b="1">
                 <a:latin typeface="微软雅黑" panose="020B0503020204020204" pitchFamily="34" charset="-122"/>
@@ -13525,21 +13400,8 @@
                   <a:srgbClr val="C00000"/>
                 </a:solidFill>
               </a:rPr>
-              <a:t>静态数据成员可被其所在类的任何成员函数直接</a:t>
-            </a:r>
-            <a:r>
-              <a:rPr lang="zh-CN" altLang="en-US" sz="3200" smtClean="0">
-                <a:solidFill>
-                  <a:srgbClr val="C00000"/>
-                </a:solidFill>
-              </a:rPr>
-              <a:t>引用。</a:t>
-            </a:r>
-            <a:endParaRPr lang="zh-CN" altLang="en-US" sz="3200">
-              <a:solidFill>
-                <a:srgbClr val="C00000"/>
-              </a:solidFill>
-            </a:endParaRPr>
+              <a:t>静态数据成员可被其所在类的任何成员函数直接引用。</a:t>
+            </a:r>
           </a:p>
         </p:txBody>
       </p:sp>
@@ -13760,13 +13622,6 @@
   <p:clrMapOvr>
     <a:masterClrMapping/>
   </p:clrMapOvr>
-  <p:timing>
-    <p:tnLst>
-      <p:par>
-        <p:cTn id="1" dur="indefinite" restart="never" nodeType="tmRoot"/>
-      </p:par>
-    </p:tnLst>
-  </p:timing>
 </p:sld>
 </file>
 
@@ -13855,73 +13710,7 @@
                   </a:schemeClr>
                 </a:solidFill>
               </a:rPr>
-              <a:t>静态数据</a:t>
-            </a:r>
-            <a:r>
-              <a:rPr lang="zh-CN" altLang="en-US" sz="3600" smtClean="0">
-                <a:solidFill>
-                  <a:schemeClr val="tx1">
-                    <a:lumMod val="75000"/>
-                    <a:lumOff val="25000"/>
-                  </a:schemeClr>
-                </a:solidFill>
-              </a:rPr>
-              <a:t>成员在程序启动时</a:t>
-            </a:r>
-            <a:r>
-              <a:rPr lang="zh-CN" altLang="en-US" sz="3600">
-                <a:solidFill>
-                  <a:schemeClr val="tx1">
-                    <a:lumMod val="75000"/>
-                    <a:lumOff val="25000"/>
-                  </a:schemeClr>
-                </a:solidFill>
-              </a:rPr>
-              <a:t>开辟内存单元，占据全局</a:t>
-            </a:r>
-            <a:r>
-              <a:rPr lang="zh-CN" altLang="en-US" sz="3600" smtClean="0">
-                <a:solidFill>
-                  <a:schemeClr val="tx1">
-                    <a:lumMod val="75000"/>
-                    <a:lumOff val="25000"/>
-                  </a:schemeClr>
-                </a:solidFill>
-              </a:rPr>
-              <a:t>区</a:t>
-            </a:r>
-            <a:r>
-              <a:rPr lang="zh-CN" altLang="en-US" sz="3600">
-                <a:solidFill>
-                  <a:schemeClr val="tx1">
-                    <a:lumMod val="75000"/>
-                    <a:lumOff val="25000"/>
-                  </a:schemeClr>
-                </a:solidFill>
-              </a:rPr>
-              <a:t>，</a:t>
-            </a:r>
-            <a:r>
-              <a:rPr lang="zh-CN" altLang="en-US" sz="3600" smtClean="0">
-                <a:solidFill>
-                  <a:schemeClr val="tx1">
-                    <a:lumMod val="75000"/>
-                    <a:lumOff val="25000"/>
-                  </a:schemeClr>
-                </a:solidFill>
-              </a:rPr>
-              <a:t>类</a:t>
-            </a:r>
-            <a:r>
-              <a:rPr lang="zh-CN" altLang="en-US" sz="3600">
-                <a:solidFill>
-                  <a:schemeClr val="tx1">
-                    <a:lumMod val="75000"/>
-                    <a:lumOff val="25000"/>
-                  </a:schemeClr>
-                </a:solidFill>
-              </a:rPr>
-              <a:t>的对象创建前就能使用。</a:t>
+              <a:t>静态数据成员在程序启动时开辟内存单元，占据全局区，类的对象创建前就能使用。</a:t>
             </a:r>
           </a:p>
           <a:p>
@@ -13954,13 +13743,6 @@
   <p:clrMapOvr>
     <a:masterClrMapping/>
   </p:clrMapOvr>
-  <p:timing>
-    <p:tnLst>
-      <p:par>
-        <p:cTn id="1" dur="indefinite" restart="never" nodeType="tmRoot"/>
-      </p:par>
-    </p:tnLst>
-  </p:timing>
 </p:sld>
 </file>
 
@@ -14060,7 +13842,7 @@
               <a:buNone/>
             </a:pPr>
             <a:r>
-              <a:rPr lang="zh-CN" altLang="en-US" sz="3200" smtClean="0">
+              <a:rPr lang="zh-CN" altLang="en-US" sz="3200">
                 <a:solidFill>
                   <a:schemeClr val="tx1">
                     <a:lumMod val="75000"/>
@@ -14071,20 +13853,12 @@
               <a:t>        </a:t>
             </a:r>
             <a:r>
-              <a:rPr lang="zh-CN" altLang="en-US" sz="3200" smtClean="0">
+              <a:rPr lang="zh-CN" altLang="en-US" sz="3200">
                 <a:solidFill>
                   <a:srgbClr val="C00000"/>
                 </a:solidFill>
               </a:rPr>
-              <a:t>各</a:t>
-            </a:r>
-            <a:r>
-              <a:rPr lang="zh-CN" altLang="en-US" sz="3200">
-                <a:solidFill>
-                  <a:srgbClr val="C00000"/>
-                </a:solidFill>
-              </a:rPr>
-              <a:t>对象之间的数据有了沟通的渠道，实现了数据的共享</a:t>
+              <a:t>各对象之间的数据有了沟通的渠道，实现了数据的共享</a:t>
             </a:r>
             <a:r>
               <a:rPr lang="zh-CN" altLang="en-US" sz="3200">
@@ -14132,13 +13906,6 @@
   <p:clrMapOvr>
     <a:masterClrMapping/>
   </p:clrMapOvr>
-  <p:timing>
-    <p:tnLst>
-      <p:par>
-        <p:cTn id="1" dur="indefinite" restart="never" nodeType="tmRoot"/>
-      </p:par>
-    </p:tnLst>
-  </p:timing>
 </p:sld>
 </file>
 
@@ -14219,15 +13986,15 @@
               </a:lnSpc>
             </a:pPr>
             <a:r>
-              <a:rPr lang="zh-CN" altLang="en-US" sz="3200">
-                <a:solidFill>
-                  <a:schemeClr val="tx1">
-                    <a:lumMod val="75000"/>
-                    <a:lumOff val="25000"/>
-                  </a:schemeClr>
-                </a:solidFill>
-              </a:rPr>
-              <a:t>静态数据成员应用举例：统计创建对象的个数</a:t>
+              <a:rPr lang="zh-CN" altLang="en-US" sz="3200" dirty="0">
+                <a:solidFill>
+                  <a:schemeClr val="tx1">
+                    <a:lumMod val="75000"/>
+                    <a:lumOff val="25000"/>
+                  </a:schemeClr>
+                </a:solidFill>
+              </a:rPr>
+              <a:t>静态数据成员应用举例：统计创建对象的个数。</a:t>
             </a:r>
           </a:p>
         </p:txBody>
@@ -14573,16 +14340,6 @@
               </a:rPr>
               <a:t>    {    </a:t>
             </a:r>
-            <a:endParaRPr lang="en-US" altLang="zh-CN" sz="2000" b="1" smtClean="0">
-              <a:solidFill>
-                <a:schemeClr val="tx1">
-                  <a:lumMod val="75000"/>
-                  <a:lumOff val="25000"/>
-                </a:schemeClr>
-              </a:solidFill>
-              <a:latin typeface="Consolas" panose="020B0609020204030204" pitchFamily="49" charset="0"/>
-              <a:cs typeface="Courier New" pitchFamily="49" charset="0"/>
-            </a:endParaRPr>
           </a:p>
           <a:p>
             <a:pPr>
@@ -14602,44 +14359,8 @@
                 <a:latin typeface="Consolas" panose="020B0609020204030204" pitchFamily="49" charset="0"/>
                 <a:cs typeface="Courier New" pitchFamily="49" charset="0"/>
               </a:rPr>
-              <a:t> </a:t>
-            </a:r>
-            <a:r>
-              <a:rPr lang="en-US" altLang="zh-CN" sz="2000" b="1" smtClean="0">
-                <a:solidFill>
-                  <a:schemeClr val="tx1">
-                    <a:lumMod val="75000"/>
-                    <a:lumOff val="25000"/>
-                  </a:schemeClr>
-                </a:solidFill>
-                <a:latin typeface="Consolas" panose="020B0609020204030204" pitchFamily="49" charset="0"/>
-                <a:cs typeface="Courier New" pitchFamily="49" charset="0"/>
-              </a:rPr>
-              <a:t>       s_iCount-</a:t>
-            </a:r>
-            <a:r>
-              <a:rPr lang="en-US" altLang="zh-CN" sz="2000" b="1">
-                <a:solidFill>
-                  <a:schemeClr val="tx1">
-                    <a:lumMod val="75000"/>
-                    <a:lumOff val="25000"/>
-                  </a:schemeClr>
-                </a:solidFill>
-                <a:latin typeface="Consolas" panose="020B0609020204030204" pitchFamily="49" charset="0"/>
-                <a:cs typeface="Courier New" pitchFamily="49" charset="0"/>
-              </a:rPr>
-              <a:t>-;  </a:t>
-            </a:r>
-            <a:endParaRPr lang="en-US" altLang="zh-CN" sz="2000" b="1" smtClean="0">
-              <a:solidFill>
-                <a:schemeClr val="tx1">
-                  <a:lumMod val="75000"/>
-                  <a:lumOff val="25000"/>
-                </a:schemeClr>
-              </a:solidFill>
-              <a:latin typeface="Consolas" panose="020B0609020204030204" pitchFamily="49" charset="0"/>
-              <a:cs typeface="Courier New" pitchFamily="49" charset="0"/>
-            </a:endParaRPr>
+              <a:t>        s_iCount--;  </a:t>
+            </a:r>
           </a:p>
           <a:p>
             <a:pPr>
@@ -14659,31 +14380,8 @@
                 <a:latin typeface="Consolas" panose="020B0609020204030204" pitchFamily="49" charset="0"/>
                 <a:cs typeface="Courier New" pitchFamily="49" charset="0"/>
               </a:rPr>
-              <a:t> </a:t>
-            </a:r>
-            <a:r>
-              <a:rPr lang="en-US" altLang="zh-CN" sz="2000" b="1" smtClean="0">
-                <a:solidFill>
-                  <a:schemeClr val="tx1">
-                    <a:lumMod val="75000"/>
-                    <a:lumOff val="25000"/>
-                  </a:schemeClr>
-                </a:solidFill>
-                <a:latin typeface="Consolas" panose="020B0609020204030204" pitchFamily="49" charset="0"/>
-                <a:cs typeface="Courier New" pitchFamily="49" charset="0"/>
-              </a:rPr>
-              <a:t>   }</a:t>
-            </a:r>
-            <a:endParaRPr lang="en-US" altLang="zh-CN" sz="2000" b="1">
-              <a:solidFill>
-                <a:schemeClr val="tx1">
-                  <a:lumMod val="75000"/>
-                  <a:lumOff val="25000"/>
-                </a:schemeClr>
-              </a:solidFill>
-              <a:latin typeface="Consolas" panose="020B0609020204030204" pitchFamily="49" charset="0"/>
-              <a:cs typeface="Courier New" pitchFamily="49" charset="0"/>
-            </a:endParaRPr>
+              <a:t>    }</a:t>
+            </a:r>
           </a:p>
           <a:p>
             <a:pPr>
@@ -14703,31 +14401,8 @@
                 <a:latin typeface="Consolas" panose="020B0609020204030204" pitchFamily="49" charset="0"/>
                 <a:cs typeface="Courier New" pitchFamily="49" charset="0"/>
               </a:rPr>
-              <a:t>    void printCount</a:t>
-            </a:r>
-            <a:r>
-              <a:rPr lang="en-US" altLang="zh-CN" sz="2000" b="1" smtClean="0">
-                <a:solidFill>
-                  <a:schemeClr val="tx1">
-                    <a:lumMod val="75000"/>
-                    <a:lumOff val="25000"/>
-                  </a:schemeClr>
-                </a:solidFill>
-                <a:latin typeface="Consolas" panose="020B0609020204030204" pitchFamily="49" charset="0"/>
-                <a:cs typeface="Courier New" pitchFamily="49" charset="0"/>
-              </a:rPr>
-              <a:t>()</a:t>
-            </a:r>
-            <a:endParaRPr lang="en-US" altLang="zh-CN" sz="2000" b="1">
-              <a:solidFill>
-                <a:schemeClr val="tx1">
-                  <a:lumMod val="75000"/>
-                  <a:lumOff val="25000"/>
-                </a:schemeClr>
-              </a:solidFill>
-              <a:latin typeface="Consolas" panose="020B0609020204030204" pitchFamily="49" charset="0"/>
-              <a:cs typeface="Courier New" pitchFamily="49" charset="0"/>
-            </a:endParaRPr>
+              <a:t>    void printCount()</a:t>
+            </a:r>
           </a:p>
           <a:p>
             <a:pPr>
@@ -14747,20 +14422,7 @@
                 <a:latin typeface="Consolas" panose="020B0609020204030204" pitchFamily="49" charset="0"/>
                 <a:cs typeface="Courier New" pitchFamily="49" charset="0"/>
               </a:rPr>
-              <a:t>    </a:t>
-            </a:r>
-            <a:r>
-              <a:rPr lang="en-US" altLang="zh-CN" sz="2000" b="1" smtClean="0">
-                <a:solidFill>
-                  <a:schemeClr val="tx1">
-                    <a:lumMod val="75000"/>
-                    <a:lumOff val="25000"/>
-                  </a:schemeClr>
-                </a:solidFill>
-                <a:latin typeface="Consolas" panose="020B0609020204030204" pitchFamily="49" charset="0"/>
-                <a:cs typeface="Courier New" pitchFamily="49" charset="0"/>
-              </a:rPr>
-              <a:t>{    </a:t>
+              <a:t>    {    </a:t>
             </a:r>
           </a:p>
           <a:p>
@@ -14781,46 +14443,7 @@
                 <a:latin typeface="Consolas" panose="020B0609020204030204" pitchFamily="49" charset="0"/>
                 <a:cs typeface="Courier New" pitchFamily="49" charset="0"/>
               </a:rPr>
-              <a:t> </a:t>
-            </a:r>
-            <a:r>
-              <a:rPr lang="en-US" altLang="zh-CN" sz="2000" b="1" smtClean="0">
-                <a:solidFill>
-                  <a:schemeClr val="tx1">
-                    <a:lumMod val="75000"/>
-                    <a:lumOff val="25000"/>
-                  </a:schemeClr>
-                </a:solidFill>
-                <a:latin typeface="Consolas" panose="020B0609020204030204" pitchFamily="49" charset="0"/>
-                <a:cs typeface="Courier New" pitchFamily="49" charset="0"/>
-              </a:rPr>
-              <a:t>       cout </a:t>
-            </a:r>
-            <a:r>
-              <a:rPr lang="en-US" altLang="zh-CN" sz="2000" b="1">
-                <a:solidFill>
-                  <a:schemeClr val="tx1">
-                    <a:lumMod val="75000"/>
-                    <a:lumOff val="25000"/>
-                  </a:schemeClr>
-                </a:solidFill>
-                <a:latin typeface="Consolas" panose="020B0609020204030204" pitchFamily="49" charset="0"/>
-                <a:cs typeface="Courier New" pitchFamily="49" charset="0"/>
-              </a:rPr>
-              <a:t>&lt;&lt; "Student Count = " &lt;&lt; s_iCount &lt;&lt; endl</a:t>
-            </a:r>
-            <a:r>
-              <a:rPr lang="en-US" altLang="zh-CN" sz="2000" b="1" smtClean="0">
-                <a:solidFill>
-                  <a:schemeClr val="tx1">
-                    <a:lumMod val="75000"/>
-                    <a:lumOff val="25000"/>
-                  </a:schemeClr>
-                </a:solidFill>
-                <a:latin typeface="Consolas" panose="020B0609020204030204" pitchFamily="49" charset="0"/>
-                <a:cs typeface="Courier New" pitchFamily="49" charset="0"/>
-              </a:rPr>
-              <a:t>; </a:t>
+              <a:t>        cout &lt;&lt; "Student Count = " &lt;&lt; s_iCount &lt;&lt; endl; </a:t>
             </a:r>
           </a:p>
           <a:p>
@@ -14841,31 +14464,8 @@
                 <a:latin typeface="Consolas" panose="020B0609020204030204" pitchFamily="49" charset="0"/>
                 <a:cs typeface="Courier New" pitchFamily="49" charset="0"/>
               </a:rPr>
-              <a:t> </a:t>
-            </a:r>
-            <a:r>
-              <a:rPr lang="en-US" altLang="zh-CN" sz="2000" b="1" smtClean="0">
-                <a:solidFill>
-                  <a:schemeClr val="tx1">
-                    <a:lumMod val="75000"/>
-                    <a:lumOff val="25000"/>
-                  </a:schemeClr>
-                </a:solidFill>
-                <a:latin typeface="Consolas" panose="020B0609020204030204" pitchFamily="49" charset="0"/>
-                <a:cs typeface="Courier New" pitchFamily="49" charset="0"/>
-              </a:rPr>
-              <a:t>   }</a:t>
-            </a:r>
-            <a:endParaRPr lang="en-US" altLang="zh-CN" sz="2000" b="1">
-              <a:solidFill>
-                <a:schemeClr val="tx1">
-                  <a:lumMod val="75000"/>
-                  <a:lumOff val="25000"/>
-                </a:schemeClr>
-              </a:solidFill>
-              <a:latin typeface="Consolas" panose="020B0609020204030204" pitchFamily="49" charset="0"/>
-              <a:cs typeface="Courier New" pitchFamily="49" charset="0"/>
-            </a:endParaRPr>
+              <a:t>    }</a:t>
+            </a:r>
           </a:p>
         </p:txBody>
       </p:sp>
@@ -15007,58 +14607,6 @@
               </a:lnSpc>
               <a:defRPr/>
             </a:pPr>
-            <a:endParaRPr lang="en-US" altLang="zh-CN" sz="2000" b="1" smtClean="0">
-              <a:solidFill>
-                <a:schemeClr val="tx1">
-                  <a:lumMod val="75000"/>
-                  <a:lumOff val="25000"/>
-                </a:schemeClr>
-              </a:solidFill>
-              <a:latin typeface="Consolas" panose="020B0609020204030204" pitchFamily="49" charset="0"/>
-              <a:cs typeface="Courier New" pitchFamily="49" charset="0"/>
-            </a:endParaRPr>
-          </a:p>
-          <a:p>
-            <a:pPr>
-              <a:lnSpc>
-                <a:spcPts val="2000"/>
-              </a:lnSpc>
-              <a:defRPr/>
-            </a:pPr>
-            <a:r>
-              <a:rPr lang="en-US" altLang="zh-CN" sz="2000" b="1" smtClean="0">
-                <a:solidFill>
-                  <a:schemeClr val="tx1">
-                    <a:lumMod val="75000"/>
-                    <a:lumOff val="25000"/>
-                  </a:schemeClr>
-                </a:solidFill>
-                <a:latin typeface="Consolas" panose="020B0609020204030204" pitchFamily="49" charset="0"/>
-                <a:cs typeface="Courier New" pitchFamily="49" charset="0"/>
-              </a:rPr>
-              <a:t>int </a:t>
-            </a:r>
-            <a:r>
-              <a:rPr lang="en-US" altLang="zh-CN" sz="2000" b="1">
-                <a:solidFill>
-                  <a:schemeClr val="tx1">
-                    <a:lumMod val="75000"/>
-                    <a:lumOff val="25000"/>
-                  </a:schemeClr>
-                </a:solidFill>
-                <a:latin typeface="Consolas" panose="020B0609020204030204" pitchFamily="49" charset="0"/>
-                <a:cs typeface="Courier New" pitchFamily="49" charset="0"/>
-              </a:rPr>
-              <a:t>Student::s_iCount = 0;</a:t>
-            </a:r>
-          </a:p>
-          <a:p>
-            <a:pPr>
-              <a:lnSpc>
-                <a:spcPts val="2000"/>
-              </a:lnSpc>
-              <a:defRPr/>
-            </a:pPr>
             <a:endParaRPr lang="en-US" altLang="zh-CN" sz="2000" b="1">
               <a:solidFill>
                 <a:schemeClr val="tx1">
@@ -15088,7 +14636,7 @@
                 <a:latin typeface="Consolas" panose="020B0609020204030204" pitchFamily="49" charset="0"/>
                 <a:cs typeface="Courier New" pitchFamily="49" charset="0"/>
               </a:rPr>
-              <a:t>int main(void)</a:t>
+              <a:t>int Student::s_iCount = 0;</a:t>
             </a:r>
           </a:p>
           <a:p>
@@ -15098,228 +14646,6 @@
               </a:lnSpc>
               <a:defRPr/>
             </a:pPr>
-            <a:r>
-              <a:rPr lang="en-US" altLang="zh-CN" sz="2000" b="1">
-                <a:solidFill>
-                  <a:schemeClr val="tx1">
-                    <a:lumMod val="75000"/>
-                    <a:lumOff val="25000"/>
-                  </a:schemeClr>
-                </a:solidFill>
-                <a:latin typeface="Consolas" panose="020B0609020204030204" pitchFamily="49" charset="0"/>
-                <a:cs typeface="Courier New" pitchFamily="49" charset="0"/>
-              </a:rPr>
-              <a:t>{</a:t>
-            </a:r>
-          </a:p>
-          <a:p>
-            <a:pPr>
-              <a:lnSpc>
-                <a:spcPts val="2000"/>
-              </a:lnSpc>
-              <a:defRPr/>
-            </a:pPr>
-            <a:r>
-              <a:rPr lang="en-US" altLang="zh-CN" sz="2000" b="1">
-                <a:solidFill>
-                  <a:schemeClr val="tx1">
-                    <a:lumMod val="75000"/>
-                    <a:lumOff val="25000"/>
-                  </a:schemeClr>
-                </a:solidFill>
-                <a:latin typeface="Consolas" panose="020B0609020204030204" pitchFamily="49" charset="0"/>
-                <a:cs typeface="Courier New" pitchFamily="49" charset="0"/>
-              </a:rPr>
-              <a:t>    Student stu1("</a:t>
-            </a:r>
-            <a:r>
-              <a:rPr lang="zh-CN" altLang="en-US" sz="2000" b="1">
-                <a:solidFill>
-                  <a:schemeClr val="tx1">
-                    <a:lumMod val="75000"/>
-                    <a:lumOff val="25000"/>
-                  </a:schemeClr>
-                </a:solidFill>
-                <a:latin typeface="Consolas" panose="020B0609020204030204" pitchFamily="49" charset="0"/>
-                <a:cs typeface="Courier New" pitchFamily="49" charset="0"/>
-              </a:rPr>
-              <a:t>关羽</a:t>
-            </a:r>
-            <a:r>
-              <a:rPr lang="en-US" altLang="zh-CN" sz="2000" b="1">
-                <a:solidFill>
-                  <a:schemeClr val="tx1">
-                    <a:lumMod val="75000"/>
-                    <a:lumOff val="25000"/>
-                  </a:schemeClr>
-                </a:solidFill>
-                <a:latin typeface="Consolas" panose="020B0609020204030204" pitchFamily="49" charset="0"/>
-                <a:cs typeface="Courier New" pitchFamily="49" charset="0"/>
-              </a:rPr>
-              <a:t>");</a:t>
-            </a:r>
-          </a:p>
-          <a:p>
-            <a:pPr>
-              <a:lnSpc>
-                <a:spcPts val="2000"/>
-              </a:lnSpc>
-              <a:defRPr/>
-            </a:pPr>
-            <a:r>
-              <a:rPr lang="en-US" altLang="zh-CN" sz="2000" b="1">
-                <a:solidFill>
-                  <a:schemeClr val="tx1">
-                    <a:lumMod val="75000"/>
-                    <a:lumOff val="25000"/>
-                  </a:schemeClr>
-                </a:solidFill>
-                <a:latin typeface="Consolas" panose="020B0609020204030204" pitchFamily="49" charset="0"/>
-                <a:cs typeface="Courier New" pitchFamily="49" charset="0"/>
-              </a:rPr>
-              <a:t>    Student stu2("</a:t>
-            </a:r>
-            <a:r>
-              <a:rPr lang="zh-CN" altLang="en-US" sz="2000" b="1">
-                <a:solidFill>
-                  <a:schemeClr val="tx1">
-                    <a:lumMod val="75000"/>
-                    <a:lumOff val="25000"/>
-                  </a:schemeClr>
-                </a:solidFill>
-                <a:latin typeface="Consolas" panose="020B0609020204030204" pitchFamily="49" charset="0"/>
-                <a:cs typeface="Courier New" pitchFamily="49" charset="0"/>
-              </a:rPr>
-              <a:t>张飞</a:t>
-            </a:r>
-            <a:r>
-              <a:rPr lang="en-US" altLang="zh-CN" sz="2000" b="1">
-                <a:solidFill>
-                  <a:schemeClr val="tx1">
-                    <a:lumMod val="75000"/>
-                    <a:lumOff val="25000"/>
-                  </a:schemeClr>
-                </a:solidFill>
-                <a:latin typeface="Consolas" panose="020B0609020204030204" pitchFamily="49" charset="0"/>
-                <a:cs typeface="Courier New" pitchFamily="49" charset="0"/>
-              </a:rPr>
-              <a:t>");</a:t>
-            </a:r>
-          </a:p>
-          <a:p>
-            <a:pPr>
-              <a:lnSpc>
-                <a:spcPts val="2000"/>
-              </a:lnSpc>
-              <a:defRPr/>
-            </a:pPr>
-            <a:r>
-              <a:rPr lang="en-US" altLang="zh-CN" sz="2000" b="1">
-                <a:solidFill>
-                  <a:schemeClr val="tx1">
-                    <a:lumMod val="75000"/>
-                    <a:lumOff val="25000"/>
-                  </a:schemeClr>
-                </a:solidFill>
-                <a:latin typeface="Consolas" panose="020B0609020204030204" pitchFamily="49" charset="0"/>
-                <a:cs typeface="Courier New" pitchFamily="49" charset="0"/>
-              </a:rPr>
-              <a:t>    Student * pStu = new Student("</a:t>
-            </a:r>
-            <a:r>
-              <a:rPr lang="zh-CN" altLang="en-US" sz="2000" b="1">
-                <a:solidFill>
-                  <a:schemeClr val="tx1">
-                    <a:lumMod val="75000"/>
-                    <a:lumOff val="25000"/>
-                  </a:schemeClr>
-                </a:solidFill>
-                <a:latin typeface="Consolas" panose="020B0609020204030204" pitchFamily="49" charset="0"/>
-                <a:cs typeface="Courier New" pitchFamily="49" charset="0"/>
-              </a:rPr>
-              <a:t>刘备</a:t>
-            </a:r>
-            <a:r>
-              <a:rPr lang="en-US" altLang="zh-CN" sz="2000" b="1">
-                <a:solidFill>
-                  <a:schemeClr val="tx1">
-                    <a:lumMod val="75000"/>
-                    <a:lumOff val="25000"/>
-                  </a:schemeClr>
-                </a:solidFill>
-                <a:latin typeface="Consolas" panose="020B0609020204030204" pitchFamily="49" charset="0"/>
-                <a:cs typeface="Courier New" pitchFamily="49" charset="0"/>
-              </a:rPr>
-              <a:t>");</a:t>
-            </a:r>
-          </a:p>
-          <a:p>
-            <a:pPr>
-              <a:lnSpc>
-                <a:spcPts val="2000"/>
-              </a:lnSpc>
-              <a:defRPr/>
-            </a:pPr>
-            <a:r>
-              <a:rPr lang="en-US" altLang="zh-CN" sz="2000" b="1">
-                <a:solidFill>
-                  <a:schemeClr val="tx1">
-                    <a:lumMod val="75000"/>
-                    <a:lumOff val="25000"/>
-                  </a:schemeClr>
-                </a:solidFill>
-                <a:latin typeface="Consolas" panose="020B0609020204030204" pitchFamily="49" charset="0"/>
-                <a:cs typeface="Courier New" pitchFamily="49" charset="0"/>
-              </a:rPr>
-              <a:t>    stu1.printCount</a:t>
-            </a:r>
-            <a:r>
-              <a:rPr lang="en-US" altLang="zh-CN" sz="2000" b="1" smtClean="0">
-                <a:solidFill>
-                  <a:schemeClr val="tx1">
-                    <a:lumMod val="75000"/>
-                    <a:lumOff val="25000"/>
-                  </a:schemeClr>
-                </a:solidFill>
-                <a:latin typeface="Consolas" panose="020B0609020204030204" pitchFamily="49" charset="0"/>
-                <a:cs typeface="Courier New" pitchFamily="49" charset="0"/>
-              </a:rPr>
-              <a:t>();</a:t>
-            </a:r>
-          </a:p>
-          <a:p>
-            <a:pPr>
-              <a:lnSpc>
-                <a:spcPts val="2000"/>
-              </a:lnSpc>
-              <a:defRPr/>
-            </a:pPr>
-            <a:r>
-              <a:rPr lang="en-US" altLang="zh-CN" sz="2000" b="1">
-                <a:solidFill>
-                  <a:schemeClr val="tx1">
-                    <a:lumMod val="75000"/>
-                    <a:lumOff val="25000"/>
-                  </a:schemeClr>
-                </a:solidFill>
-                <a:latin typeface="Consolas" panose="020B0609020204030204" pitchFamily="49" charset="0"/>
-                <a:cs typeface="Courier New" pitchFamily="49" charset="0"/>
-              </a:rPr>
-              <a:t> </a:t>
-            </a:r>
-            <a:r>
-              <a:rPr lang="en-US" altLang="zh-CN" sz="2000" b="1" smtClean="0">
-                <a:solidFill>
-                  <a:schemeClr val="tx1">
-                    <a:lumMod val="75000"/>
-                    <a:lumOff val="25000"/>
-                  </a:schemeClr>
-                </a:solidFill>
-                <a:latin typeface="Consolas" panose="020B0609020204030204" pitchFamily="49" charset="0"/>
-                <a:cs typeface="Courier New" pitchFamily="49" charset="0"/>
-              </a:rPr>
-              <a:t>   delete pStu;</a:t>
-            </a:r>
             <a:endParaRPr lang="en-US" altLang="zh-CN" sz="2000" b="1">
               <a:solidFill>
                 <a:schemeClr val="tx1">
@@ -15330,6 +14656,231 @@
               <a:latin typeface="Consolas" panose="020B0609020204030204" pitchFamily="49" charset="0"/>
               <a:cs typeface="Courier New" pitchFamily="49" charset="0"/>
             </a:endParaRPr>
+          </a:p>
+          <a:p>
+            <a:pPr>
+              <a:lnSpc>
+                <a:spcPts val="2000"/>
+              </a:lnSpc>
+              <a:defRPr/>
+            </a:pPr>
+            <a:r>
+              <a:rPr lang="en-US" altLang="zh-CN" sz="2000" b="1">
+                <a:solidFill>
+                  <a:schemeClr val="tx1">
+                    <a:lumMod val="75000"/>
+                    <a:lumOff val="25000"/>
+                  </a:schemeClr>
+                </a:solidFill>
+                <a:latin typeface="Consolas" panose="020B0609020204030204" pitchFamily="49" charset="0"/>
+                <a:cs typeface="Courier New" pitchFamily="49" charset="0"/>
+              </a:rPr>
+              <a:t>int main(void)</a:t>
+            </a:r>
+          </a:p>
+          <a:p>
+            <a:pPr>
+              <a:lnSpc>
+                <a:spcPts val="2000"/>
+              </a:lnSpc>
+              <a:defRPr/>
+            </a:pPr>
+            <a:r>
+              <a:rPr lang="en-US" altLang="zh-CN" sz="2000" b="1">
+                <a:solidFill>
+                  <a:schemeClr val="tx1">
+                    <a:lumMod val="75000"/>
+                    <a:lumOff val="25000"/>
+                  </a:schemeClr>
+                </a:solidFill>
+                <a:latin typeface="Consolas" panose="020B0609020204030204" pitchFamily="49" charset="0"/>
+                <a:cs typeface="Courier New" pitchFamily="49" charset="0"/>
+              </a:rPr>
+              <a:t>{</a:t>
+            </a:r>
+          </a:p>
+          <a:p>
+            <a:pPr>
+              <a:lnSpc>
+                <a:spcPts val="2000"/>
+              </a:lnSpc>
+              <a:defRPr/>
+            </a:pPr>
+            <a:r>
+              <a:rPr lang="en-US" altLang="zh-CN" sz="2000" b="1">
+                <a:solidFill>
+                  <a:schemeClr val="tx1">
+                    <a:lumMod val="75000"/>
+                    <a:lumOff val="25000"/>
+                  </a:schemeClr>
+                </a:solidFill>
+                <a:latin typeface="Consolas" panose="020B0609020204030204" pitchFamily="49" charset="0"/>
+                <a:cs typeface="Courier New" pitchFamily="49" charset="0"/>
+              </a:rPr>
+              <a:t>    Student stu1("</a:t>
+            </a:r>
+            <a:r>
+              <a:rPr lang="zh-CN" altLang="en-US" sz="2000" b="1">
+                <a:solidFill>
+                  <a:schemeClr val="tx1">
+                    <a:lumMod val="75000"/>
+                    <a:lumOff val="25000"/>
+                  </a:schemeClr>
+                </a:solidFill>
+                <a:latin typeface="Consolas" panose="020B0609020204030204" pitchFamily="49" charset="0"/>
+                <a:cs typeface="Courier New" pitchFamily="49" charset="0"/>
+              </a:rPr>
+              <a:t>关羽</a:t>
+            </a:r>
+            <a:r>
+              <a:rPr lang="en-US" altLang="zh-CN" sz="2000" b="1">
+                <a:solidFill>
+                  <a:schemeClr val="tx1">
+                    <a:lumMod val="75000"/>
+                    <a:lumOff val="25000"/>
+                  </a:schemeClr>
+                </a:solidFill>
+                <a:latin typeface="Consolas" panose="020B0609020204030204" pitchFamily="49" charset="0"/>
+                <a:cs typeface="Courier New" pitchFamily="49" charset="0"/>
+              </a:rPr>
+              <a:t>");</a:t>
+            </a:r>
+          </a:p>
+          <a:p>
+            <a:pPr>
+              <a:lnSpc>
+                <a:spcPts val="2000"/>
+              </a:lnSpc>
+              <a:defRPr/>
+            </a:pPr>
+            <a:r>
+              <a:rPr lang="en-US" altLang="zh-CN" sz="2000" b="1">
+                <a:solidFill>
+                  <a:schemeClr val="tx1">
+                    <a:lumMod val="75000"/>
+                    <a:lumOff val="25000"/>
+                  </a:schemeClr>
+                </a:solidFill>
+                <a:latin typeface="Consolas" panose="020B0609020204030204" pitchFamily="49" charset="0"/>
+                <a:cs typeface="Courier New" pitchFamily="49" charset="0"/>
+              </a:rPr>
+              <a:t>    Student stu2("</a:t>
+            </a:r>
+            <a:r>
+              <a:rPr lang="zh-CN" altLang="en-US" sz="2000" b="1">
+                <a:solidFill>
+                  <a:schemeClr val="tx1">
+                    <a:lumMod val="75000"/>
+                    <a:lumOff val="25000"/>
+                  </a:schemeClr>
+                </a:solidFill>
+                <a:latin typeface="Consolas" panose="020B0609020204030204" pitchFamily="49" charset="0"/>
+                <a:cs typeface="Courier New" pitchFamily="49" charset="0"/>
+              </a:rPr>
+              <a:t>张飞</a:t>
+            </a:r>
+            <a:r>
+              <a:rPr lang="en-US" altLang="zh-CN" sz="2000" b="1">
+                <a:solidFill>
+                  <a:schemeClr val="tx1">
+                    <a:lumMod val="75000"/>
+                    <a:lumOff val="25000"/>
+                  </a:schemeClr>
+                </a:solidFill>
+                <a:latin typeface="Consolas" panose="020B0609020204030204" pitchFamily="49" charset="0"/>
+                <a:cs typeface="Courier New" pitchFamily="49" charset="0"/>
+              </a:rPr>
+              <a:t>");</a:t>
+            </a:r>
+          </a:p>
+          <a:p>
+            <a:pPr>
+              <a:lnSpc>
+                <a:spcPts val="2000"/>
+              </a:lnSpc>
+              <a:defRPr/>
+            </a:pPr>
+            <a:r>
+              <a:rPr lang="en-US" altLang="zh-CN" sz="2000" b="1">
+                <a:solidFill>
+                  <a:schemeClr val="tx1">
+                    <a:lumMod val="75000"/>
+                    <a:lumOff val="25000"/>
+                  </a:schemeClr>
+                </a:solidFill>
+                <a:latin typeface="Consolas" panose="020B0609020204030204" pitchFamily="49" charset="0"/>
+                <a:cs typeface="Courier New" pitchFamily="49" charset="0"/>
+              </a:rPr>
+              <a:t>    Student * pStu = new Student("</a:t>
+            </a:r>
+            <a:r>
+              <a:rPr lang="zh-CN" altLang="en-US" sz="2000" b="1">
+                <a:solidFill>
+                  <a:schemeClr val="tx1">
+                    <a:lumMod val="75000"/>
+                    <a:lumOff val="25000"/>
+                  </a:schemeClr>
+                </a:solidFill>
+                <a:latin typeface="Consolas" panose="020B0609020204030204" pitchFamily="49" charset="0"/>
+                <a:cs typeface="Courier New" pitchFamily="49" charset="0"/>
+              </a:rPr>
+              <a:t>刘备</a:t>
+            </a:r>
+            <a:r>
+              <a:rPr lang="en-US" altLang="zh-CN" sz="2000" b="1">
+                <a:solidFill>
+                  <a:schemeClr val="tx1">
+                    <a:lumMod val="75000"/>
+                    <a:lumOff val="25000"/>
+                  </a:schemeClr>
+                </a:solidFill>
+                <a:latin typeface="Consolas" panose="020B0609020204030204" pitchFamily="49" charset="0"/>
+                <a:cs typeface="Courier New" pitchFamily="49" charset="0"/>
+              </a:rPr>
+              <a:t>");</a:t>
+            </a:r>
+          </a:p>
+          <a:p>
+            <a:pPr>
+              <a:lnSpc>
+                <a:spcPts val="2000"/>
+              </a:lnSpc>
+              <a:defRPr/>
+            </a:pPr>
+            <a:r>
+              <a:rPr lang="en-US" altLang="zh-CN" sz="2000" b="1">
+                <a:solidFill>
+                  <a:schemeClr val="tx1">
+                    <a:lumMod val="75000"/>
+                    <a:lumOff val="25000"/>
+                  </a:schemeClr>
+                </a:solidFill>
+                <a:latin typeface="Consolas" panose="020B0609020204030204" pitchFamily="49" charset="0"/>
+                <a:cs typeface="Courier New" pitchFamily="49" charset="0"/>
+              </a:rPr>
+              <a:t>    stu1.printCount();</a:t>
+            </a:r>
+          </a:p>
+          <a:p>
+            <a:pPr>
+              <a:lnSpc>
+                <a:spcPts val="2000"/>
+              </a:lnSpc>
+              <a:defRPr/>
+            </a:pPr>
+            <a:r>
+              <a:rPr lang="en-US" altLang="zh-CN" sz="2000" b="1">
+                <a:solidFill>
+                  <a:schemeClr val="tx1">
+                    <a:lumMod val="75000"/>
+                    <a:lumOff val="25000"/>
+                  </a:schemeClr>
+                </a:solidFill>
+                <a:latin typeface="Consolas" panose="020B0609020204030204" pitchFamily="49" charset="0"/>
+                <a:cs typeface="Courier New" pitchFamily="49" charset="0"/>
+              </a:rPr>
+              <a:t>    delete pStu;</a:t>
+            </a:r>
           </a:p>
           <a:p>
             <a:pPr>
@@ -15450,13 +15001,6 @@
   <p:clrMapOvr>
     <a:masterClrMapping/>
   </p:clrMapOvr>
-  <p:timing>
-    <p:tnLst>
-      <p:par>
-        <p:cTn id="1" dur="indefinite" restart="never" nodeType="tmRoot"/>
-      </p:par>
-    </p:tnLst>
-  </p:timing>
 </p:sld>
 </file>
 
@@ -15503,10 +15047,9 @@
               <a:t>- </a:t>
             </a:r>
             <a:r>
-              <a:rPr lang="zh-CN" altLang="en-US" smtClean="0"/>
+              <a:rPr lang="zh-CN" altLang="en-US"/>
               <a:t>静态成员函数</a:t>
             </a:r>
-            <a:endParaRPr lang="zh-CN" altLang="en-US"/>
           </a:p>
         </p:txBody>
       </p:sp>
@@ -15546,7 +15089,7 @@
               </a:buClr>
             </a:pPr>
             <a:r>
-              <a:rPr lang="zh-CN" altLang="en-US" sz="3200" b="1" smtClean="0">
+              <a:rPr lang="zh-CN" altLang="en-US" sz="3200" b="1">
                 <a:solidFill>
                   <a:schemeClr val="tx1">
                     <a:lumMod val="75000"/>
@@ -15587,18 +15130,7 @@
                   </a:schemeClr>
                 </a:solidFill>
               </a:rPr>
-              <a:t>      </a:t>
-            </a:r>
-            <a:r>
-              <a:rPr lang="zh-CN" altLang="en-US" sz="3200" smtClean="0">
-                <a:solidFill>
-                  <a:schemeClr val="tx1">
-                    <a:lumMod val="75000"/>
-                    <a:lumOff val="25000"/>
-                  </a:schemeClr>
-                </a:solidFill>
-              </a:rPr>
-              <a:t>  用</a:t>
+              <a:t>        用</a:t>
             </a:r>
             <a:r>
               <a:rPr lang="en-US" altLang="zh-CN" sz="3200" b="1">
@@ -15629,19 +15161,9 @@
                   </a:schemeClr>
                 </a:solidFill>
               </a:rPr>
-              <a:t>成员</a:t>
-            </a:r>
-            <a:r>
-              <a:rPr lang="zh-CN" altLang="en-US" sz="3200" b="1" smtClean="0">
-                <a:solidFill>
-                  <a:schemeClr val="accent1">
-                    <a:lumMod val="50000"/>
-                  </a:schemeClr>
-                </a:solidFill>
-              </a:rPr>
-              <a:t>函数</a:t>
-            </a:r>
-            <a:endParaRPr lang="en-US" altLang="zh-CN" sz="3200" b="1" smtClean="0">
+              <a:t>成员函数</a:t>
+            </a:r>
+            <a:endParaRPr lang="en-US" altLang="zh-CN" sz="3200" b="1">
               <a:solidFill>
                 <a:schemeClr val="accent1">
                   <a:lumMod val="50000"/>
@@ -15659,7 +15181,7 @@
               </a:spcBef>
               <a:buNone/>
             </a:pPr>
-            <a:endParaRPr lang="en-US" altLang="zh-CN" sz="2400" smtClean="0">
+            <a:endParaRPr lang="en-US" altLang="zh-CN" sz="2400">
               <a:solidFill>
                 <a:schemeClr val="tx1">
                   <a:lumMod val="75000"/>
@@ -15698,18 +15220,6 @@
               <a:buNone/>
             </a:pPr>
             <a:r>
-              <a:rPr lang="zh-CN" altLang="en-US" sz="3200" smtClean="0">
-                <a:solidFill>
-                  <a:schemeClr val="tx1">
-                    <a:lumMod val="75000"/>
-                    <a:lumOff val="25000"/>
-                  </a:schemeClr>
-                </a:solidFill>
-                <a:cs typeface="Courier New" pitchFamily="49" charset="0"/>
-              </a:rPr>
-              <a:t>        类</a:t>
-            </a:r>
-            <a:r>
               <a:rPr lang="zh-CN" altLang="en-US" sz="3200">
                 <a:solidFill>
                   <a:schemeClr val="tx1">
@@ -15719,7 +15229,7 @@
                 </a:solidFill>
                 <a:cs typeface="Courier New" pitchFamily="49" charset="0"/>
               </a:rPr>
-              <a:t>体外实现时不能加</a:t>
+              <a:t>        类体外实现时不能加</a:t>
             </a:r>
             <a:r>
               <a:rPr lang="en-US" altLang="zh-CN" sz="3200">
@@ -15755,17 +15265,6 @@
               </a:buClr>
             </a:pPr>
             <a:r>
-              <a:rPr lang="zh-CN" altLang="en-US" sz="3200" b="1" smtClean="0">
-                <a:solidFill>
-                  <a:schemeClr val="tx1">
-                    <a:lumMod val="75000"/>
-                    <a:lumOff val="25000"/>
-                  </a:schemeClr>
-                </a:solidFill>
-              </a:rPr>
-              <a:t>访问</a:t>
-            </a:r>
-            <a:r>
               <a:rPr lang="zh-CN" altLang="en-US" sz="3200" b="1">
                 <a:solidFill>
                   <a:schemeClr val="tx1">
@@ -15774,7 +15273,7 @@
                   </a:schemeClr>
                 </a:solidFill>
               </a:rPr>
-              <a:t>方式</a:t>
+              <a:t>访问方式</a:t>
             </a:r>
             <a:r>
               <a:rPr lang="en-US" altLang="zh-CN" sz="3200">
@@ -15817,27 +15316,8 @@
                   </a:schemeClr>
                 </a:solidFill>
               </a:rPr>
-              <a:t>属于类类型的而不属于具体</a:t>
-            </a:r>
-            <a:r>
-              <a:rPr lang="zh-CN" altLang="en-US" sz="3200" smtClean="0">
-                <a:solidFill>
-                  <a:schemeClr val="tx1">
-                    <a:lumMod val="75000"/>
-                    <a:lumOff val="25000"/>
-                  </a:schemeClr>
-                </a:solidFill>
-              </a:rPr>
-              <a:t>对象</a:t>
-            </a:r>
-            <a:endParaRPr lang="zh-CN" altLang="en-US" sz="3200">
-              <a:solidFill>
-                <a:schemeClr val="tx1">
-                  <a:lumMod val="75000"/>
-                  <a:lumOff val="25000"/>
-                </a:schemeClr>
-              </a:solidFill>
-            </a:endParaRPr>
+              <a:t>属于类类型的而不属于具体对象</a:t>
+            </a:r>
           </a:p>
         </p:txBody>
       </p:sp>
@@ -16265,13 +15745,6 @@
   <p:clrMapOvr>
     <a:masterClrMapping/>
   </p:clrMapOvr>
-  <p:timing>
-    <p:tnLst>
-      <p:par>
-        <p:cTn id="1" dur="indefinite" restart="never" nodeType="tmRoot"/>
-      </p:par>
-    </p:tnLst>
-  </p:timing>
 </p:sld>
 </file>
 
@@ -16318,10 +15791,9 @@
               <a:t>- </a:t>
             </a:r>
             <a:r>
-              <a:rPr lang="zh-CN" altLang="en-US" smtClean="0"/>
+              <a:rPr lang="zh-CN" altLang="en-US"/>
               <a:t>静态成员函数</a:t>
             </a:r>
-            <a:endParaRPr lang="zh-CN" altLang="en-US"/>
           </a:p>
         </p:txBody>
       </p:sp>
@@ -16361,7 +15833,7 @@
               </a:buClr>
             </a:pPr>
             <a:r>
-              <a:rPr lang="zh-CN" altLang="en-US" sz="3200" b="1" smtClean="0">
+              <a:rPr lang="zh-CN" altLang="en-US" sz="3200" b="1">
                 <a:solidFill>
                   <a:schemeClr val="tx1">
                     <a:lumMod val="75000"/>
@@ -16417,29 +15889,7 @@
                   </a:schemeClr>
                 </a:solidFill>
               </a:rPr>
-              <a:t>：静态数据成员可直接被普通成员访问。</a:t>
-            </a:r>
-            <a:r>
-              <a:rPr lang="zh-CN" altLang="en-US" sz="3200" smtClean="0">
-                <a:solidFill>
-                  <a:schemeClr val="tx1">
-                    <a:lumMod val="75000"/>
-                    <a:lumOff val="25000"/>
-                  </a:schemeClr>
-                </a:solidFill>
-              </a:rPr>
-              <a:t>那么静态</a:t>
-            </a:r>
-            <a:r>
-              <a:rPr lang="zh-CN" altLang="en-US" sz="3200">
-                <a:solidFill>
-                  <a:schemeClr val="tx1">
-                    <a:lumMod val="75000"/>
-                    <a:lumOff val="25000"/>
-                  </a:schemeClr>
-                </a:solidFill>
-              </a:rPr>
-              <a:t>成员函数有什么意义呢？</a:t>
+              <a:t>：静态数据成员可直接被普通成员访问。那么静态成员函数有什么意义呢？</a:t>
             </a:r>
           </a:p>
           <a:p>
@@ -16495,18 +15945,18 @@
                   </a:schemeClr>
                 </a:solidFill>
               </a:rPr>
-              <a:t>在对象创建之前静态成员就</a:t>
-            </a:r>
-            <a:r>
-              <a:rPr lang="zh-CN" altLang="en-US" sz="3200" smtClean="0">
-                <a:solidFill>
-                  <a:schemeClr val="tx1">
-                    <a:lumMod val="75000"/>
-                    <a:lumOff val="25000"/>
-                  </a:schemeClr>
-                </a:solidFill>
-              </a:rPr>
-              <a:t>可以</a:t>
+              <a:t>在对象创建之前静态成员就可以访问了，如果把</a:t>
+            </a:r>
+            <a:r>
+              <a:rPr lang="en-US" altLang="zh-CN" sz="3200">
+                <a:solidFill>
+                  <a:schemeClr val="tx1">
+                    <a:lumMod val="75000"/>
+                    <a:lumOff val="25000"/>
+                  </a:schemeClr>
+                </a:solidFill>
+              </a:rPr>
+              <a:t>static int s_iCount;</a:t>
             </a:r>
             <a:r>
               <a:rPr lang="zh-CN" altLang="en-US" sz="3200">
@@ -16517,7 +15967,7 @@
                   </a:schemeClr>
                 </a:solidFill>
               </a:rPr>
-              <a:t>访问了，如果把</a:t>
+              <a:t>设为</a:t>
             </a:r>
             <a:r>
               <a:rPr lang="en-US" altLang="zh-CN" sz="3200">
@@ -16528,7 +15978,7 @@
                   </a:schemeClr>
                 </a:solidFill>
               </a:rPr>
-              <a:t>static int s_iCount;</a:t>
+              <a:t>private</a:t>
             </a:r>
             <a:r>
               <a:rPr lang="zh-CN" altLang="en-US" sz="3200">
@@ -16539,7 +15989,7 @@
                   </a:schemeClr>
                 </a:solidFill>
               </a:rPr>
-              <a:t>设为</a:t>
+              <a:t>，在创建对象前设法访问静态成员</a:t>
             </a:r>
             <a:r>
               <a:rPr lang="en-US" altLang="zh-CN" sz="3200">
@@ -16550,54 +16000,10 @@
                   </a:schemeClr>
                 </a:solidFill>
               </a:rPr>
-              <a:t>private</a:t>
+              <a:t>s_iCount</a:t>
             </a:r>
             <a:r>
               <a:rPr lang="zh-CN" altLang="en-US" sz="3200">
-                <a:solidFill>
-                  <a:schemeClr val="tx1">
-                    <a:lumMod val="75000"/>
-                    <a:lumOff val="25000"/>
-                  </a:schemeClr>
-                </a:solidFill>
-              </a:rPr>
-              <a:t>，</a:t>
-            </a:r>
-            <a:r>
-              <a:rPr lang="zh-CN" altLang="en-US" sz="3200" smtClean="0">
-                <a:solidFill>
-                  <a:schemeClr val="tx1">
-                    <a:lumMod val="75000"/>
-                    <a:lumOff val="25000"/>
-                  </a:schemeClr>
-                </a:solidFill>
-              </a:rPr>
-              <a:t>在创建</a:t>
-            </a:r>
-            <a:r>
-              <a:rPr lang="zh-CN" altLang="en-US" sz="3200">
-                <a:solidFill>
-                  <a:schemeClr val="tx1">
-                    <a:lumMod val="75000"/>
-                    <a:lumOff val="25000"/>
-                  </a:schemeClr>
-                </a:solidFill>
-              </a:rPr>
-              <a:t>对象前设法访问静态成员</a:t>
-            </a:r>
-            <a:r>
-              <a:rPr lang="en-US" altLang="zh-CN" sz="3200" smtClean="0">
-                <a:solidFill>
-                  <a:schemeClr val="tx1">
-                    <a:lumMod val="75000"/>
-                    <a:lumOff val="25000"/>
-                  </a:schemeClr>
-                </a:solidFill>
-              </a:rPr>
-              <a:t>s_iCount</a:t>
-            </a:r>
-            <a:r>
-              <a:rPr lang="zh-CN" altLang="en-US" sz="3200" smtClean="0">
                 <a:solidFill>
                   <a:schemeClr val="tx1">
                     <a:lumMod val="75000"/>
@@ -16628,13 +16034,6 @@
   <p:clrMapOvr>
     <a:masterClrMapping/>
   </p:clrMapOvr>
-  <p:timing>
-    <p:tnLst>
-      <p:par>
-        <p:cTn id="1" dur="indefinite" restart="never" nodeType="tmRoot"/>
-      </p:par>
-    </p:tnLst>
-  </p:timing>
 </p:sld>
 </file>
 
@@ -16681,10 +16080,9 @@
               <a:t>- </a:t>
             </a:r>
             <a:r>
-              <a:rPr lang="zh-CN" altLang="en-US" smtClean="0"/>
+              <a:rPr lang="zh-CN" altLang="en-US"/>
               <a:t>静态成员函数</a:t>
             </a:r>
-            <a:endParaRPr lang="zh-CN" altLang="en-US"/>
           </a:p>
         </p:txBody>
       </p:sp>
@@ -16724,7 +16122,7 @@
               </a:buClr>
             </a:pPr>
             <a:r>
-              <a:rPr lang="zh-CN" altLang="en-US" sz="3200" b="1" smtClean="0">
+              <a:rPr lang="zh-CN" altLang="en-US" sz="3200" b="1">
                 <a:solidFill>
                   <a:schemeClr val="tx1">
                     <a:lumMod val="75000"/>
@@ -16734,14 +16132,6 @@
               </a:rPr>
               <a:t>特点</a:t>
             </a:r>
-            <a:endParaRPr lang="zh-CN" altLang="en-US" sz="3200" b="1">
-              <a:solidFill>
-                <a:schemeClr val="tx1">
-                  <a:lumMod val="75000"/>
-                  <a:lumOff val="25000"/>
-                </a:schemeClr>
-              </a:solidFill>
-            </a:endParaRPr>
           </a:p>
           <a:p>
             <a:pPr lvl="1">
@@ -16787,73 +16177,7 @@
                   </a:schemeClr>
                 </a:solidFill>
               </a:rPr>
-              <a:t>（</a:t>
-            </a:r>
-            <a:r>
-              <a:rPr lang="zh-CN" altLang="en-US" sz="3200" smtClean="0">
-                <a:solidFill>
-                  <a:schemeClr val="tx1">
-                    <a:lumMod val="75000"/>
-                    <a:lumOff val="25000"/>
-                  </a:schemeClr>
-                </a:solidFill>
-              </a:rPr>
-              <a:t>包括</a:t>
-            </a:r>
-            <a:r>
-              <a:rPr lang="zh-CN" altLang="en-US" sz="3200">
-                <a:solidFill>
-                  <a:schemeClr val="tx1">
-                    <a:lumMod val="75000"/>
-                    <a:lumOff val="25000"/>
-                  </a:schemeClr>
-                </a:solidFill>
-              </a:rPr>
-              <a:t>静态</a:t>
-            </a:r>
-            <a:r>
-              <a:rPr lang="zh-CN" altLang="en-US" sz="3200" smtClean="0">
-                <a:solidFill>
-                  <a:schemeClr val="tx1">
-                    <a:lumMod val="75000"/>
-                    <a:lumOff val="25000"/>
-                  </a:schemeClr>
-                </a:solidFill>
-              </a:rPr>
-              <a:t>数据</a:t>
-            </a:r>
-            <a:r>
-              <a:rPr lang="zh-CN" altLang="en-US" sz="3200">
-                <a:solidFill>
-                  <a:schemeClr val="tx1">
-                    <a:lumMod val="75000"/>
-                    <a:lumOff val="25000"/>
-                  </a:schemeClr>
-                </a:solidFill>
-              </a:rPr>
-              <a:t>成员</a:t>
-            </a:r>
-            <a:r>
-              <a:rPr lang="zh-CN" altLang="en-US" sz="3200" smtClean="0">
-                <a:solidFill>
-                  <a:schemeClr val="tx1">
-                    <a:lumMod val="75000"/>
-                    <a:lumOff val="25000"/>
-                  </a:schemeClr>
-                </a:solidFill>
-              </a:rPr>
-              <a:t>和静态成员</a:t>
-            </a:r>
-            <a:r>
-              <a:rPr lang="zh-CN" altLang="en-US" sz="3200">
-                <a:solidFill>
-                  <a:schemeClr val="tx1">
-                    <a:lumMod val="75000"/>
-                    <a:lumOff val="25000"/>
-                  </a:schemeClr>
-                </a:solidFill>
-              </a:rPr>
-              <a:t>函数）</a:t>
+              <a:t>（包括静态数据成员和静态成员函数）</a:t>
             </a:r>
           </a:p>
           <a:p>
@@ -17012,27 +16336,8 @@
                   </a:schemeClr>
                 </a:solidFill>
               </a:rPr>
-              <a:t>（先记住</a:t>
-            </a:r>
-            <a:r>
-              <a:rPr lang="zh-CN" altLang="en-US" sz="3200" smtClean="0">
-                <a:solidFill>
-                  <a:schemeClr val="tx1">
-                    <a:lumMod val="75000"/>
-                    <a:lumOff val="25000"/>
-                  </a:schemeClr>
-                </a:solidFill>
-              </a:rPr>
-              <a:t>）</a:t>
-            </a:r>
-            <a:endParaRPr lang="zh-CN" altLang="en-US" sz="3200">
-              <a:solidFill>
-                <a:schemeClr val="tx1">
-                  <a:lumMod val="75000"/>
-                  <a:lumOff val="25000"/>
-                </a:schemeClr>
-              </a:solidFill>
-            </a:endParaRPr>
+              <a:t>（先记住）</a:t>
+            </a:r>
           </a:p>
         </p:txBody>
       </p:sp>
@@ -17046,13 +16351,6 @@
   <p:clrMapOvr>
     <a:masterClrMapping/>
   </p:clrMapOvr>
-  <p:timing>
-    <p:tnLst>
-      <p:par>
-        <p:cTn id="1" dur="indefinite" restart="never" nodeType="tmRoot"/>
-      </p:par>
-    </p:tnLst>
-  </p:timing>
 </p:sld>
 </file>
 
@@ -17226,31 +16524,8 @@
                 <a:latin typeface="Consolas" panose="020B0609020204030204" pitchFamily="49" charset="0"/>
                 <a:cs typeface="Courier New" pitchFamily="49" charset="0"/>
               </a:rPr>
-              <a:t>class </a:t>
-            </a:r>
-            <a:r>
-              <a:rPr lang="en-US" altLang="zh-CN" sz="2200" b="1" dirty="0" smtClean="0">
-                <a:solidFill>
-                  <a:schemeClr val="tx1">
-                    <a:lumMod val="75000"/>
-                    <a:lumOff val="25000"/>
-                  </a:schemeClr>
-                </a:solidFill>
-                <a:latin typeface="Consolas" panose="020B0609020204030204" pitchFamily="49" charset="0"/>
-                <a:cs typeface="Courier New" pitchFamily="49" charset="0"/>
-              </a:rPr>
-              <a:t>Student {</a:t>
-            </a:r>
-            <a:endParaRPr lang="en-US" altLang="zh-CN" sz="2200" b="1" dirty="0">
-              <a:solidFill>
-                <a:schemeClr val="tx1">
-                  <a:lumMod val="75000"/>
-                  <a:lumOff val="25000"/>
-                </a:schemeClr>
-              </a:solidFill>
-              <a:latin typeface="Consolas" panose="020B0609020204030204" pitchFamily="49" charset="0"/>
-              <a:cs typeface="Courier New" pitchFamily="49" charset="0"/>
-            </a:endParaRPr>
+              <a:t>class Student {</a:t>
+            </a:r>
           </a:p>
           <a:p>
             <a:pPr>
@@ -17327,19 +16602,6 @@
               <a:t>某某某</a:t>
             </a:r>
             <a:r>
-              <a:rPr lang="en-US" altLang="zh-CN" sz="2200" b="1" dirty="0" smtClean="0">
-                <a:solidFill>
-                  <a:schemeClr val="tx1">
-                    <a:lumMod val="75000"/>
-                    <a:lumOff val="25000"/>
-                  </a:schemeClr>
-                </a:solidFill>
-                <a:latin typeface="Consolas" panose="020B0609020204030204" pitchFamily="49" charset="0"/>
-                <a:cs typeface="Courier New" pitchFamily="49" charset="0"/>
-              </a:rPr>
-              <a:t>") </a:t>
-            </a:r>
-            <a:r>
               <a:rPr lang="en-US" altLang="zh-CN" sz="2200" b="1" dirty="0">
                 <a:solidFill>
                   <a:schemeClr val="tx1">
@@ -17350,7 +16612,7 @@
                 <a:latin typeface="Consolas" panose="020B0609020204030204" pitchFamily="49" charset="0"/>
                 <a:cs typeface="Courier New" pitchFamily="49" charset="0"/>
               </a:rPr>
-              <a:t>{</a:t>
+              <a:t>") {</a:t>
             </a:r>
           </a:p>
           <a:p>
@@ -17500,20 +16762,7 @@
                 <a:latin typeface="Consolas" panose="020B0609020204030204" pitchFamily="49" charset="0"/>
                 <a:cs typeface="Courier New" pitchFamily="49" charset="0"/>
               </a:rPr>
-              <a:t>    ~Student</a:t>
-            </a:r>
-            <a:r>
-              <a:rPr lang="en-US" altLang="zh-CN" sz="2200" b="1" dirty="0" smtClean="0">
-                <a:solidFill>
-                  <a:schemeClr val="tx1">
-                    <a:lumMod val="75000"/>
-                    <a:lumOff val="25000"/>
-                  </a:schemeClr>
-                </a:solidFill>
-                <a:latin typeface="Consolas" panose="020B0609020204030204" pitchFamily="49" charset="0"/>
-                <a:cs typeface="Courier New" pitchFamily="49" charset="0"/>
-              </a:rPr>
-              <a:t>() {    </a:t>
+              <a:t>    ~Student() {    </a:t>
             </a:r>
           </a:p>
           <a:p>
@@ -17531,23 +16780,10 @@
                 <a:latin typeface="Consolas" panose="020B0609020204030204" pitchFamily="49" charset="0"/>
                 <a:cs typeface="Courier New" pitchFamily="49" charset="0"/>
               </a:rPr>
-              <a:t> </a:t>
-            </a:r>
-            <a:r>
-              <a:rPr lang="en-US" altLang="zh-CN" sz="2200" b="1" dirty="0" smtClean="0">
-                <a:solidFill>
-                  <a:schemeClr val="tx1">
-                    <a:lumMod val="75000"/>
-                    <a:lumOff val="25000"/>
-                  </a:schemeClr>
-                </a:solidFill>
-                <a:latin typeface="Consolas" panose="020B0609020204030204" pitchFamily="49" charset="0"/>
-                <a:cs typeface="Courier New" pitchFamily="49" charset="0"/>
-              </a:rPr>
-              <a:t>       </a:t>
-            </a:r>
-            <a:r>
-              <a:rPr lang="en-US" altLang="zh-CN" sz="2200" b="1" dirty="0" err="1" smtClean="0">
+              <a:t>        </a:t>
+            </a:r>
+            <a:r>
+              <a:rPr lang="en-US" altLang="zh-CN" sz="2200" b="1" dirty="0" err="1">
                 <a:solidFill>
                   <a:schemeClr val="tx1">
                     <a:lumMod val="75000"/>
@@ -17560,19 +16796,6 @@
               <a:t>s_iCount</a:t>
             </a:r>
             <a:r>
-              <a:rPr lang="en-US" altLang="zh-CN" sz="2200" b="1" dirty="0" smtClean="0">
-                <a:solidFill>
-                  <a:schemeClr val="tx1">
-                    <a:lumMod val="75000"/>
-                    <a:lumOff val="25000"/>
-                  </a:schemeClr>
-                </a:solidFill>
-                <a:latin typeface="Consolas" panose="020B0609020204030204" pitchFamily="49" charset="0"/>
-                <a:cs typeface="Courier New" pitchFamily="49" charset="0"/>
-              </a:rPr>
-              <a:t>-</a:t>
-            </a:r>
-            <a:r>
               <a:rPr lang="en-US" altLang="zh-CN" sz="2200" b="1" dirty="0">
                 <a:solidFill>
                   <a:schemeClr val="tx1">
@@ -17583,18 +16806,8 @@
                 <a:latin typeface="Consolas" panose="020B0609020204030204" pitchFamily="49" charset="0"/>
                 <a:cs typeface="Courier New" pitchFamily="49" charset="0"/>
               </a:rPr>
-              <a:t>-;  </a:t>
-            </a:r>
-            <a:endParaRPr lang="en-US" altLang="zh-CN" sz="2200" b="1" dirty="0" smtClean="0">
-              <a:solidFill>
-                <a:schemeClr val="tx1">
-                  <a:lumMod val="75000"/>
-                  <a:lumOff val="25000"/>
-                </a:schemeClr>
-              </a:solidFill>
-              <a:latin typeface="Consolas" panose="020B0609020204030204" pitchFamily="49" charset="0"/>
-              <a:cs typeface="Courier New" pitchFamily="49" charset="0"/>
-            </a:endParaRPr>
+              <a:t>--;  </a:t>
+            </a:r>
           </a:p>
           <a:p>
             <a:pPr>
@@ -17611,31 +16824,8 @@
                 <a:latin typeface="Consolas" panose="020B0609020204030204" pitchFamily="49" charset="0"/>
                 <a:cs typeface="Courier New" pitchFamily="49" charset="0"/>
               </a:rPr>
-              <a:t> </a:t>
-            </a:r>
-            <a:r>
-              <a:rPr lang="en-US" altLang="zh-CN" sz="2200" b="1" dirty="0" smtClean="0">
-                <a:solidFill>
-                  <a:schemeClr val="tx1">
-                    <a:lumMod val="75000"/>
-                    <a:lumOff val="25000"/>
-                  </a:schemeClr>
-                </a:solidFill>
-                <a:latin typeface="Consolas" panose="020B0609020204030204" pitchFamily="49" charset="0"/>
-                <a:cs typeface="Courier New" pitchFamily="49" charset="0"/>
-              </a:rPr>
-              <a:t>   }</a:t>
-            </a:r>
-            <a:endParaRPr lang="en-US" altLang="zh-CN" sz="2200" b="1" dirty="0">
-              <a:solidFill>
-                <a:schemeClr val="tx1">
-                  <a:lumMod val="75000"/>
-                  <a:lumOff val="25000"/>
-                </a:schemeClr>
-              </a:solidFill>
-              <a:latin typeface="Consolas" panose="020B0609020204030204" pitchFamily="49" charset="0"/>
-              <a:cs typeface="Courier New" pitchFamily="49" charset="0"/>
-            </a:endParaRPr>
+              <a:t>    }</a:t>
+            </a:r>
           </a:p>
           <a:p>
             <a:pPr>
@@ -17655,7 +16845,7 @@
               <a:t>    </a:t>
             </a:r>
             <a:r>
-              <a:rPr lang="en-US" altLang="zh-CN" sz="2200" b="1" dirty="0" smtClean="0">
+              <a:rPr lang="en-US" altLang="zh-CN" sz="2200" b="1" dirty="0">
                 <a:solidFill>
                   <a:srgbClr val="C00000"/>
                 </a:solidFill>
@@ -17675,7 +16865,7 @@
               <a:t>printCount</a:t>
             </a:r>
             <a:r>
-              <a:rPr lang="en-US" altLang="zh-CN" sz="2200" b="1" dirty="0" smtClean="0">
+              <a:rPr lang="en-US" altLang="zh-CN" sz="2200" b="1" dirty="0">
                 <a:solidFill>
                   <a:srgbClr val="C00000"/>
                 </a:solidFill>
@@ -17689,7 +16879,7 @@
             <a:pPr>
               <a:defRPr/>
             </a:pPr>
-            <a:endParaRPr lang="en-US" altLang="zh-CN" sz="2200" b="1" dirty="0" smtClean="0">
+            <a:endParaRPr lang="en-US" altLang="zh-CN" sz="2200" b="1" dirty="0">
               <a:solidFill>
                 <a:schemeClr val="tx1">
                   <a:lumMod val="75000"/>
@@ -17897,7 +17087,7 @@
               <a:defRPr/>
             </a:pPr>
             <a:r>
-              <a:rPr lang="en-US" altLang="zh-CN" sz="2200" b="1" dirty="0" smtClean="0">
+              <a:rPr lang="en-US" altLang="zh-CN" sz="2200" b="1" dirty="0">
                 <a:solidFill>
                   <a:srgbClr val="C00000"/>
                 </a:solidFill>
@@ -17907,7 +17097,7 @@
               <a:t>void Student::</a:t>
             </a:r>
             <a:r>
-              <a:rPr lang="en-US" altLang="zh-CN" sz="2200" b="1" dirty="0" err="1" smtClean="0">
+              <a:rPr lang="en-US" altLang="zh-CN" sz="2200" b="1" dirty="0" err="1">
                 <a:solidFill>
                   <a:srgbClr val="C00000"/>
                 </a:solidFill>
@@ -17917,7 +17107,7 @@
               <a:t>printCount</a:t>
             </a:r>
             <a:r>
-              <a:rPr lang="en-US" altLang="zh-CN" sz="2200" b="1" dirty="0" smtClean="0">
+              <a:rPr lang="en-US" altLang="zh-CN" sz="2200" b="1" dirty="0">
                 <a:solidFill>
                   <a:srgbClr val="C00000"/>
                 </a:solidFill>
@@ -17927,7 +17117,7 @@
               <a:t>() </a:t>
             </a:r>
             <a:r>
-              <a:rPr lang="en-US" altLang="zh-CN" sz="2200" b="1" dirty="0" smtClean="0">
+              <a:rPr lang="en-US" altLang="zh-CN" sz="2200" b="1" dirty="0">
                 <a:solidFill>
                   <a:schemeClr val="tx1">
                     <a:lumMod val="75000"/>
@@ -17939,23 +17129,13 @@
               </a:rPr>
               <a:t>{    </a:t>
             </a:r>
-            <a:endParaRPr lang="en-US" altLang="zh-CN" sz="2200" b="1" dirty="0">
-              <a:solidFill>
-                <a:schemeClr val="tx1">
-                  <a:lumMod val="75000"/>
-                  <a:lumOff val="25000"/>
-                </a:schemeClr>
-              </a:solidFill>
-              <a:latin typeface="Consolas" panose="020B0609020204030204" pitchFamily="49" charset="0"/>
-              <a:cs typeface="Courier New" pitchFamily="49" charset="0"/>
-            </a:endParaRPr>
           </a:p>
           <a:p>
             <a:pPr>
               <a:defRPr/>
             </a:pPr>
             <a:r>
-              <a:rPr lang="en-US" altLang="zh-CN" sz="2200" b="1" dirty="0" smtClean="0">
+              <a:rPr lang="en-US" altLang="zh-CN" sz="2200" b="1" dirty="0">
                 <a:solidFill>
                   <a:schemeClr val="tx1">
                     <a:lumMod val="75000"/>
@@ -17968,7 +17148,7 @@
               <a:t>    </a:t>
             </a:r>
             <a:r>
-              <a:rPr lang="en-US" altLang="zh-CN" sz="2200" b="1" dirty="0" err="1" smtClean="0">
+              <a:rPr lang="en-US" altLang="zh-CN" sz="2200" b="1" dirty="0" err="1">
                 <a:solidFill>
                   <a:schemeClr val="tx1">
                     <a:lumMod val="75000"/>
@@ -17981,19 +17161,6 @@
               <a:t>cout</a:t>
             </a:r>
             <a:r>
-              <a:rPr lang="en-US" altLang="zh-CN" sz="2200" b="1" dirty="0" smtClean="0">
-                <a:solidFill>
-                  <a:schemeClr val="tx1">
-                    <a:lumMod val="75000"/>
-                    <a:lumOff val="25000"/>
-                  </a:schemeClr>
-                </a:solidFill>
-                <a:latin typeface="Consolas" panose="020B0609020204030204" pitchFamily="49" charset="0"/>
-                <a:cs typeface="Courier New" pitchFamily="49" charset="0"/>
-              </a:rPr>
-              <a:t> </a:t>
-            </a:r>
-            <a:r>
               <a:rPr lang="en-US" altLang="zh-CN" sz="2200" b="1" dirty="0">
                 <a:solidFill>
                   <a:schemeClr val="tx1">
@@ -18004,7 +17171,7 @@
                 <a:latin typeface="Consolas" panose="020B0609020204030204" pitchFamily="49" charset="0"/>
                 <a:cs typeface="Courier New" pitchFamily="49" charset="0"/>
               </a:rPr>
-              <a:t>&lt;&lt; "Student Count = " &lt;&lt; </a:t>
+              <a:t> &lt;&lt; "Student Count = " &lt;&lt; </a:t>
             </a:r>
             <a:r>
               <a:rPr lang="en-US" altLang="zh-CN" sz="2200" b="1" dirty="0" err="1">
@@ -18064,7 +17231,7 @@
               <a:defRPr/>
             </a:pPr>
             <a:r>
-              <a:rPr lang="en-US" altLang="zh-CN" sz="2200" b="1" dirty="0" smtClean="0">
+              <a:rPr lang="en-US" altLang="zh-CN" sz="2200" b="1" dirty="0">
                 <a:solidFill>
                   <a:schemeClr val="tx1">
                     <a:lumMod val="75000"/>
@@ -18082,7 +17249,7 @@
               <a:defRPr/>
             </a:pPr>
             <a:r>
-              <a:rPr lang="en-US" altLang="zh-CN" sz="2200" b="1" dirty="0" err="1" smtClean="0">
+              <a:rPr lang="en-US" altLang="zh-CN" sz="2200" b="1" dirty="0" err="1">
                 <a:solidFill>
                   <a:schemeClr val="tx1">
                     <a:lumMod val="75000"/>
@@ -18095,19 +17262,6 @@
               <a:t>int</a:t>
             </a:r>
             <a:r>
-              <a:rPr lang="en-US" altLang="zh-CN" sz="2200" b="1" dirty="0" smtClean="0">
-                <a:solidFill>
-                  <a:schemeClr val="tx1">
-                    <a:lumMod val="75000"/>
-                    <a:lumOff val="25000"/>
-                  </a:schemeClr>
-                </a:solidFill>
-                <a:latin typeface="Consolas" panose="020B0609020204030204" pitchFamily="49" charset="0"/>
-                <a:cs typeface="Courier New" pitchFamily="49" charset="0"/>
-              </a:rPr>
-              <a:t> </a:t>
-            </a:r>
-            <a:r>
               <a:rPr lang="en-US" altLang="zh-CN" sz="2200" b="1" dirty="0">
                 <a:solidFill>
                   <a:schemeClr val="tx1">
@@ -18118,7 +17272,7 @@
                 <a:latin typeface="Consolas" panose="020B0609020204030204" pitchFamily="49" charset="0"/>
                 <a:cs typeface="Courier New" pitchFamily="49" charset="0"/>
               </a:rPr>
-              <a:t>Student::</a:t>
+              <a:t> Student::</a:t>
             </a:r>
             <a:r>
               <a:rPr lang="en-US" altLang="zh-CN" sz="2200" b="1" dirty="0" err="1">
@@ -18152,7 +17306,7 @@
               <a:defRPr/>
             </a:pPr>
             <a:r>
-              <a:rPr lang="en-US" altLang="zh-CN" sz="2200" b="1" dirty="0" err="1" smtClean="0">
+              <a:rPr lang="en-US" altLang="zh-CN" sz="2200" b="1" dirty="0" err="1">
                 <a:solidFill>
                   <a:schemeClr val="tx1">
                     <a:lumMod val="75000"/>
@@ -18165,19 +17319,6 @@
               <a:t>int</a:t>
             </a:r>
             <a:r>
-              <a:rPr lang="en-US" altLang="zh-CN" sz="2200" b="1" dirty="0" smtClean="0">
-                <a:solidFill>
-                  <a:schemeClr val="tx1">
-                    <a:lumMod val="75000"/>
-                    <a:lumOff val="25000"/>
-                  </a:schemeClr>
-                </a:solidFill>
-                <a:latin typeface="Consolas" panose="020B0609020204030204" pitchFamily="49" charset="0"/>
-                <a:cs typeface="Courier New" pitchFamily="49" charset="0"/>
-              </a:rPr>
-              <a:t> </a:t>
-            </a:r>
-            <a:r>
               <a:rPr lang="en-US" altLang="zh-CN" sz="2200" b="1" dirty="0">
                 <a:solidFill>
                   <a:schemeClr val="tx1">
@@ -18188,20 +17329,7 @@
                 <a:latin typeface="Consolas" panose="020B0609020204030204" pitchFamily="49" charset="0"/>
                 <a:cs typeface="Courier New" pitchFamily="49" charset="0"/>
               </a:rPr>
-              <a:t>main(void</a:t>
-            </a:r>
-            <a:r>
-              <a:rPr lang="en-US" altLang="zh-CN" sz="2200" b="1" dirty="0" smtClean="0">
-                <a:solidFill>
-                  <a:schemeClr val="tx1">
-                    <a:lumMod val="75000"/>
-                    <a:lumOff val="25000"/>
-                  </a:schemeClr>
-                </a:solidFill>
-                <a:latin typeface="Consolas" panose="020B0609020204030204" pitchFamily="49" charset="0"/>
-                <a:cs typeface="Courier New" pitchFamily="49" charset="0"/>
-              </a:rPr>
-              <a:t>) {</a:t>
+              <a:t> main(void) {</a:t>
             </a:r>
           </a:p>
           <a:p>
@@ -18219,20 +17347,7 @@
                 <a:latin typeface="Consolas" panose="020B0609020204030204" pitchFamily="49" charset="0"/>
                 <a:cs typeface="Courier New" pitchFamily="49" charset="0"/>
               </a:rPr>
-              <a:t> </a:t>
-            </a:r>
-            <a:r>
-              <a:rPr lang="en-US" altLang="zh-CN" sz="2200" b="1" dirty="0" smtClean="0">
-                <a:solidFill>
-                  <a:schemeClr val="tx1">
-                    <a:lumMod val="75000"/>
-                    <a:lumOff val="25000"/>
-                  </a:schemeClr>
-                </a:solidFill>
-                <a:latin typeface="Consolas" panose="020B0609020204030204" pitchFamily="49" charset="0"/>
-                <a:cs typeface="Courier New" pitchFamily="49" charset="0"/>
-              </a:rPr>
-              <a:t>   </a:t>
+              <a:t>    </a:t>
             </a:r>
             <a:r>
               <a:rPr lang="en-US" altLang="zh-CN" sz="2200" b="1" dirty="0">
@@ -18438,20 +17553,7 @@
                 <a:latin typeface="Consolas" panose="020B0609020204030204" pitchFamily="49" charset="0"/>
                 <a:cs typeface="Courier New" pitchFamily="49" charset="0"/>
               </a:rPr>
-              <a:t>    stu1.printCount</a:t>
-            </a:r>
-            <a:r>
-              <a:rPr lang="en-US" altLang="zh-CN" sz="2200" b="1" dirty="0" smtClean="0">
-                <a:solidFill>
-                  <a:schemeClr val="tx1">
-                    <a:lumMod val="75000"/>
-                    <a:lumOff val="25000"/>
-                  </a:schemeClr>
-                </a:solidFill>
-                <a:latin typeface="Consolas" panose="020B0609020204030204" pitchFamily="49" charset="0"/>
-                <a:cs typeface="Courier New" pitchFamily="49" charset="0"/>
-              </a:rPr>
-              <a:t>();</a:t>
+              <a:t>    stu1.printCount();</a:t>
             </a:r>
           </a:p>
           <a:p>
@@ -18469,23 +17571,10 @@
                 <a:latin typeface="Consolas" panose="020B0609020204030204" pitchFamily="49" charset="0"/>
                 <a:cs typeface="Courier New" pitchFamily="49" charset="0"/>
               </a:rPr>
-              <a:t> </a:t>
-            </a:r>
-            <a:r>
-              <a:rPr lang="en-US" altLang="zh-CN" sz="2200" b="1" dirty="0" smtClean="0">
-                <a:solidFill>
-                  <a:schemeClr val="tx1">
-                    <a:lumMod val="75000"/>
-                    <a:lumOff val="25000"/>
-                  </a:schemeClr>
-                </a:solidFill>
-                <a:latin typeface="Consolas" panose="020B0609020204030204" pitchFamily="49" charset="0"/>
-                <a:cs typeface="Courier New" pitchFamily="49" charset="0"/>
-              </a:rPr>
-              <a:t>   delete </a:t>
-            </a:r>
-            <a:r>
-              <a:rPr lang="en-US" altLang="zh-CN" sz="2200" b="1" dirty="0" err="1" smtClean="0">
+              <a:t>    delete </a:t>
+            </a:r>
+            <a:r>
+              <a:rPr lang="en-US" altLang="zh-CN" sz="2200" b="1" dirty="0" err="1">
                 <a:solidFill>
                   <a:schemeClr val="tx1">
                     <a:lumMod val="75000"/>
@@ -18498,7 +17587,7 @@
               <a:t>pStu</a:t>
             </a:r>
             <a:r>
-              <a:rPr lang="en-US" altLang="zh-CN" sz="2200" b="1" dirty="0" smtClean="0">
+              <a:rPr lang="en-US" altLang="zh-CN" sz="2200" b="1" dirty="0">
                 <a:solidFill>
                   <a:schemeClr val="tx1">
                     <a:lumMod val="75000"/>
@@ -18510,16 +17599,6 @@
               </a:rPr>
               <a:t>;</a:t>
             </a:r>
-            <a:endParaRPr lang="en-US" altLang="zh-CN" sz="2200" b="1" dirty="0">
-              <a:solidFill>
-                <a:schemeClr val="tx1">
-                  <a:lumMod val="75000"/>
-                  <a:lumOff val="25000"/>
-                </a:schemeClr>
-              </a:solidFill>
-              <a:latin typeface="Consolas" panose="020B0609020204030204" pitchFamily="49" charset="0"/>
-              <a:cs typeface="Courier New" pitchFamily="49" charset="0"/>
-            </a:endParaRPr>
           </a:p>
           <a:p>
             <a:pPr>
@@ -18631,13 +17710,6 @@
   <p:clrMapOvr>
     <a:masterClrMapping/>
   </p:clrMapOvr>
-  <p:timing>
-    <p:tnLst>
-      <p:par>
-        <p:cTn id="1" dur="indefinite" restart="never" nodeType="tmRoot"/>
-      </p:par>
-    </p:tnLst>
-  </p:timing>
 </p:sld>
 </file>
 
@@ -18684,10 +17756,9 @@
               <a:t>- </a:t>
             </a:r>
             <a:r>
-              <a:rPr lang="zh-CN" altLang="en-US" smtClean="0"/>
+              <a:rPr lang="zh-CN" altLang="en-US"/>
               <a:t>静态成员函数</a:t>
             </a:r>
-            <a:endParaRPr lang="zh-CN" altLang="en-US"/>
           </a:p>
         </p:txBody>
       </p:sp>
@@ -18774,27 +17845,8 @@
                   </a:schemeClr>
                 </a:solidFill>
               </a:rPr>
-              <a:t>非静态成员函数可以访问本类中的任何</a:t>
-            </a:r>
-            <a:r>
-              <a:rPr lang="zh-CN" altLang="en-US" sz="3600" smtClean="0">
-                <a:solidFill>
-                  <a:schemeClr val="tx1">
-                    <a:lumMod val="75000"/>
-                    <a:lumOff val="25000"/>
-                  </a:schemeClr>
-                </a:solidFill>
-              </a:rPr>
-              <a:t>成员</a:t>
-            </a:r>
-            <a:endParaRPr lang="zh-CN" altLang="en-US" sz="3600">
-              <a:solidFill>
-                <a:schemeClr val="tx1">
-                  <a:lumMod val="75000"/>
-                  <a:lumOff val="25000"/>
-                </a:schemeClr>
-              </a:solidFill>
-            </a:endParaRPr>
+              <a:t>非静态成员函数可以访问本类中的任何成员</a:t>
+            </a:r>
           </a:p>
           <a:p>
             <a:pPr lvl="1">
@@ -18832,17 +17884,6 @@
               </a:rPr>
               <a:t>。</a:t>
             </a:r>
-            <a:r>
-              <a:rPr lang="zh-CN" altLang="en-US" sz="2800" b="1">
-                <a:solidFill>
-                  <a:schemeClr val="tx1">
-                    <a:lumMod val="75000"/>
-                    <a:lumOff val="25000"/>
-                  </a:schemeClr>
-                </a:solidFill>
-              </a:rPr>
-              <a:t/>
-            </a:r>
             <a:br>
               <a:rPr lang="zh-CN" altLang="en-US" sz="2800" b="1">
                 <a:solidFill>
@@ -18897,13 +17938,6 @@
   <p:clrMapOvr>
     <a:masterClrMapping/>
   </p:clrMapOvr>
-  <p:timing>
-    <p:tnLst>
-      <p:par>
-        <p:cTn id="1" dur="indefinite" restart="never" nodeType="tmRoot"/>
-      </p:par>
-    </p:tnLst>
-  </p:timing>
 </p:sld>
 </file>
 
@@ -18974,19 +18008,6 @@
             <a:lstStyle/>
             <a:p>
               <a:r>
-                <a:rPr lang="zh-CN" altLang="en-US" sz="2400" b="1" kern="0" smtClean="0">
-                  <a:solidFill>
-                    <a:schemeClr val="tx1">
-                      <a:lumMod val="65000"/>
-                      <a:lumOff val="35000"/>
-                    </a:schemeClr>
-                  </a:solidFill>
-                  <a:latin typeface="微软雅黑" panose="020B0503020204020204" pitchFamily="34" charset="-122"/>
-                  <a:ea typeface="微软雅黑" panose="020B0503020204020204" pitchFamily="34" charset="-122"/>
-                </a:rPr>
-                <a:t>          静态</a:t>
-              </a:r>
-              <a:r>
                 <a:rPr lang="zh-CN" altLang="en-US" sz="2400" b="1" kern="0">
                   <a:solidFill>
                     <a:schemeClr val="tx1">
@@ -18997,7 +18018,7 @@
                   <a:latin typeface="微软雅黑" panose="020B0503020204020204" pitchFamily="34" charset="-122"/>
                   <a:ea typeface="微软雅黑" panose="020B0503020204020204" pitchFamily="34" charset="-122"/>
                 </a:rPr>
-                <a:t>成员</a:t>
+                <a:t>          静态成员</a:t>
               </a:r>
             </a:p>
           </p:txBody>
@@ -19159,7 +18180,7 @@
               <a:p>
                 <a:pPr algn="ctr"/>
                 <a:r>
-                  <a:rPr lang="en-US" altLang="zh-CN" sz="3200" kern="0" smtClean="0">
+                  <a:rPr lang="en-US" altLang="zh-CN" sz="3200" kern="0">
                     <a:solidFill>
                       <a:prstClr val="white"/>
                     </a:solidFill>
@@ -19226,16 +18247,6 @@
             <a:lstStyle/>
             <a:p>
               <a:r>
-                <a:rPr lang="zh-CN" altLang="en-US" sz="2400" b="1" kern="0" smtClean="0">
-                  <a:solidFill>
-                    <a:schemeClr val="bg1"/>
-                  </a:solidFill>
-                  <a:latin typeface="微软雅黑" panose="020B0503020204020204" pitchFamily="34" charset="-122"/>
-                  <a:ea typeface="微软雅黑" panose="020B0503020204020204" pitchFamily="34" charset="-122"/>
-                </a:rPr>
-                <a:t>          对象</a:t>
-              </a:r>
-              <a:r>
                 <a:rPr lang="zh-CN" altLang="en-US" sz="2400" b="1" kern="0">
                   <a:solidFill>
                     <a:schemeClr val="bg1"/>
@@ -19243,7 +18254,7 @@
                   <a:latin typeface="微软雅黑" panose="020B0503020204020204" pitchFamily="34" charset="-122"/>
                   <a:ea typeface="微软雅黑" panose="020B0503020204020204" pitchFamily="34" charset="-122"/>
                 </a:rPr>
-                <a:t>成员</a:t>
+                <a:t>          对象成员</a:t>
               </a:r>
             </a:p>
           </p:txBody>
@@ -19399,7 +18410,7 @@
               <a:p>
                 <a:pPr algn="ctr"/>
                 <a:r>
-                  <a:rPr lang="en-US" altLang="zh-CN" sz="3200" kern="0" smtClean="0">
+                  <a:rPr lang="en-US" altLang="zh-CN" sz="3200" kern="0">
                     <a:solidFill>
                       <a:prstClr val="white"/>
                     </a:solidFill>
@@ -19468,7 +18479,7 @@
             <a:lstStyle/>
             <a:p>
               <a:r>
-                <a:rPr lang="en-US" altLang="zh-CN" sz="2400" b="1" kern="0" smtClean="0">
+                <a:rPr lang="en-US" altLang="zh-CN" sz="2400" b="1" kern="0">
                   <a:solidFill>
                     <a:schemeClr val="tx1">
                       <a:lumMod val="65000"/>
@@ -19682,13 +18693,6 @@
   <p:clrMapOvr>
     <a:masterClrMapping/>
   </p:clrMapOvr>
-  <p:timing>
-    <p:tnLst>
-      <p:par>
-        <p:cTn id="1" dur="indefinite" restart="never" nodeType="tmRoot"/>
-      </p:par>
-    </p:tnLst>
-  </p:timing>
 </p:sld>
 </file>
 
@@ -19728,15 +18732,7 @@
           <a:p>
             <a:r>
               <a:rPr lang="zh-CN" altLang="en-US"/>
-              <a:t>上</a:t>
-            </a:r>
-            <a:r>
-              <a:rPr lang="zh-CN" altLang="en-US" smtClean="0"/>
-              <a:t>一讲</a:t>
-            </a:r>
-            <a:r>
-              <a:rPr lang="zh-CN" altLang="en-US"/>
-              <a:t>教学目标</a:t>
+              <a:t>上一讲教学目标</a:t>
             </a:r>
           </a:p>
         </p:txBody>
@@ -19901,27 +18897,8 @@
                   </a:schemeClr>
                 </a:solidFill>
               </a:rPr>
-              <a:t>中类的拷贝构造</a:t>
-            </a:r>
-            <a:r>
-              <a:rPr lang="zh-CN" altLang="en-US" sz="3000" smtClean="0">
-                <a:solidFill>
-                  <a:schemeClr val="tx1">
-                    <a:lumMod val="75000"/>
-                    <a:lumOff val="25000"/>
-                  </a:schemeClr>
-                </a:solidFill>
-              </a:rPr>
-              <a:t>函数</a:t>
-            </a:r>
-            <a:endParaRPr lang="zh-CN" altLang="en-US" sz="3000">
-              <a:solidFill>
-                <a:schemeClr val="tx1">
-                  <a:lumMod val="75000"/>
-                  <a:lumOff val="25000"/>
-                </a:schemeClr>
-              </a:solidFill>
-            </a:endParaRPr>
+              <a:t>中类的拷贝构造函数</a:t>
+            </a:r>
           </a:p>
         </p:txBody>
       </p:sp>
@@ -19935,13 +18912,6 @@
   <p:clrMapOvr>
     <a:masterClrMapping/>
   </p:clrMapOvr>
-  <p:timing>
-    <p:tnLst>
-      <p:par>
-        <p:cTn id="1" dur="indefinite" restart="never" nodeType="tmRoot"/>
-      </p:par>
-    </p:tnLst>
-  </p:timing>
 </p:sld>
 </file>
 
@@ -20122,7 +19092,7 @@
               <a:defRPr/>
             </a:pPr>
             <a:r>
-              <a:rPr lang="en-US" altLang="zh-CN" sz="2600" b="1" smtClean="0">
+              <a:rPr lang="en-US" altLang="zh-CN" sz="2600" b="1">
                 <a:solidFill>
                   <a:schemeClr val="tx1">
                     <a:lumMod val="75000"/>
@@ -20155,7 +19125,7 @@
               <a:defRPr/>
             </a:pPr>
             <a:r>
-              <a:rPr lang="en-US" altLang="zh-CN" sz="2600" b="1" smtClean="0">
+              <a:rPr lang="en-US" altLang="zh-CN" sz="2600" b="1">
                 <a:solidFill>
                   <a:schemeClr val="tx1">
                     <a:lumMod val="75000"/>
@@ -20167,16 +19137,6 @@
               </a:rPr>
               <a:t>class Car</a:t>
             </a:r>
-            <a:endParaRPr lang="en-US" altLang="zh-CN" sz="2600" b="1">
-              <a:solidFill>
-                <a:schemeClr val="tx1">
-                  <a:lumMod val="75000"/>
-                  <a:lumOff val="25000"/>
-                </a:schemeClr>
-              </a:solidFill>
-              <a:latin typeface="Consolas" panose="020B0609020204030204" pitchFamily="49" charset="0"/>
-              <a:cs typeface="Courier New" pitchFamily="49" charset="0"/>
-            </a:endParaRPr>
           </a:p>
           <a:p>
             <a:pPr>
@@ -20275,17 +19235,7 @@
                 <a:latin typeface="Consolas" panose="020B0609020204030204" pitchFamily="49" charset="0"/>
                 <a:cs typeface="Courier New" pitchFamily="49" charset="0"/>
               </a:rPr>
-              <a:t>m_Engine</a:t>
-            </a:r>
-            <a:r>
-              <a:rPr lang="en-US" altLang="zh-CN" sz="2600" b="1" smtClean="0">
-                <a:solidFill>
-                  <a:srgbClr val="C00000"/>
-                </a:solidFill>
-                <a:latin typeface="Consolas" panose="020B0609020204030204" pitchFamily="49" charset="0"/>
-                <a:cs typeface="Courier New" pitchFamily="49" charset="0"/>
-              </a:rPr>
-              <a:t>; //</a:t>
+              <a:t>m_Engine; //</a:t>
             </a:r>
             <a:r>
               <a:rPr lang="zh-CN" altLang="en-US" sz="2600" b="1">
@@ -20338,13 +19288,6 @@
   <p:clrMapOvr>
     <a:masterClrMapping/>
   </p:clrMapOvr>
-  <p:timing>
-    <p:tnLst>
-      <p:par>
-        <p:cTn id="1" dur="indefinite" restart="never" nodeType="tmRoot"/>
-      </p:par>
-    </p:tnLst>
-  </p:timing>
 </p:sld>
 </file>
 
@@ -20592,7 +19535,7 @@
               <a:defRPr/>
             </a:pPr>
             <a:r>
-              <a:rPr lang="en-US" altLang="zh-CN" sz="2400" b="1" smtClean="0">
+              <a:rPr lang="en-US" altLang="zh-CN" sz="2400" b="1">
                 <a:solidFill>
                   <a:schemeClr val="tx1">
                     <a:lumMod val="75000"/>
@@ -20625,7 +19568,7 @@
               <a:defRPr/>
             </a:pPr>
             <a:r>
-              <a:rPr lang="en-US" altLang="zh-CN" sz="2400" b="1" smtClean="0">
+              <a:rPr lang="en-US" altLang="zh-CN" sz="2400" b="1">
                 <a:solidFill>
                   <a:schemeClr val="tx1">
                     <a:lumMod val="75000"/>
@@ -20637,16 +19580,6 @@
               </a:rPr>
               <a:t>class Car</a:t>
             </a:r>
-            <a:endParaRPr lang="en-US" altLang="zh-CN" sz="2400" b="1">
-              <a:solidFill>
-                <a:schemeClr val="tx1">
-                  <a:lumMod val="75000"/>
-                  <a:lumOff val="25000"/>
-                </a:schemeClr>
-              </a:solidFill>
-              <a:latin typeface="Consolas" panose="020B0609020204030204" pitchFamily="49" charset="0"/>
-              <a:cs typeface="Courier New" pitchFamily="49" charset="0"/>
-            </a:endParaRPr>
           </a:p>
           <a:p>
             <a:pPr>
@@ -21001,37 +19934,8 @@
                 <a:ea typeface="微软雅黑" panose="020B0503020204020204" pitchFamily="34" charset="-122"/>
                 <a:cs typeface="Courier New" pitchFamily="49" charset="0"/>
               </a:rPr>
-              <a:t>子对象构造函数与析构</a:t>
-            </a:r>
-            <a:r>
-              <a:rPr lang="zh-CN" altLang="en-US" sz="3200" smtClean="0">
-                <a:latin typeface="微软雅黑" panose="020B0503020204020204" pitchFamily="34" charset="-122"/>
-                <a:ea typeface="微软雅黑" panose="020B0503020204020204" pitchFamily="34" charset="-122"/>
-                <a:cs typeface="Courier New" pitchFamily="49" charset="0"/>
-              </a:rPr>
-              <a:t>函数的</a:t>
-            </a:r>
-            <a:r>
-              <a:rPr lang="zh-CN" altLang="en-US" sz="3200">
-                <a:latin typeface="微软雅黑" panose="020B0503020204020204" pitchFamily="34" charset="-122"/>
-                <a:ea typeface="微软雅黑" panose="020B0503020204020204" pitchFamily="34" charset="-122"/>
-                <a:cs typeface="Courier New" pitchFamily="49" charset="0"/>
-              </a:rPr>
-              <a:t>执行次序</a:t>
-            </a:r>
-            <a:r>
-              <a:rPr lang="zh-CN" altLang="en-US" sz="3200" smtClean="0">
-                <a:latin typeface="微软雅黑" panose="020B0503020204020204" pitchFamily="34" charset="-122"/>
-                <a:ea typeface="微软雅黑" panose="020B0503020204020204" pitchFamily="34" charset="-122"/>
-                <a:cs typeface="Courier New" pitchFamily="49" charset="0"/>
-              </a:rPr>
-              <a:t>？</a:t>
-            </a:r>
-            <a:endParaRPr lang="zh-CN" altLang="en-US" sz="3200">
-              <a:latin typeface="微软雅黑" panose="020B0503020204020204" pitchFamily="34" charset="-122"/>
-              <a:ea typeface="微软雅黑" panose="020B0503020204020204" pitchFamily="34" charset="-122"/>
-              <a:cs typeface="Courier New" pitchFamily="49" charset="0"/>
-            </a:endParaRPr>
+              <a:t>子对象构造函数与析构函数的执行次序？</a:t>
+            </a:r>
           </a:p>
         </p:txBody>
       </p:sp>
@@ -21045,13 +19949,6 @@
   <p:clrMapOvr>
     <a:masterClrMapping/>
   </p:clrMapOvr>
-  <p:timing>
-    <p:tnLst>
-      <p:par>
-        <p:cTn id="1" dur="indefinite" restart="never" nodeType="tmRoot"/>
-      </p:par>
-    </p:tnLst>
-  </p:timing>
 </p:sld>
 </file>
 
@@ -21202,38 +20099,15 @@
                 <a:latin typeface="Consolas" panose="020B0609020204030204" pitchFamily="49" charset="0"/>
                 <a:cs typeface="Courier New" pitchFamily="49" charset="0"/>
               </a:rPr>
-              <a:t>   B</a:t>
-            </a:r>
-            <a:r>
-              <a:rPr lang="en-US" altLang="zh-CN" sz="3200" b="1" smtClean="0">
-                <a:solidFill>
-                  <a:schemeClr val="tx1">
-                    <a:lumMod val="75000"/>
-                    <a:lumOff val="25000"/>
-                  </a:schemeClr>
-                </a:solidFill>
-                <a:latin typeface="Consolas" panose="020B0609020204030204" pitchFamily="49" charset="0"/>
-                <a:cs typeface="Courier New" pitchFamily="49" charset="0"/>
-              </a:rPr>
-              <a:t>(){}</a:t>
-            </a:r>
-            <a:endParaRPr lang="en-US" altLang="zh-CN" sz="3200" b="1">
-              <a:solidFill>
-                <a:schemeClr val="tx1">
-                  <a:lumMod val="75000"/>
-                  <a:lumOff val="25000"/>
-                </a:schemeClr>
-              </a:solidFill>
-              <a:latin typeface="Consolas" panose="020B0609020204030204" pitchFamily="49" charset="0"/>
-              <a:cs typeface="Courier New" pitchFamily="49" charset="0"/>
-            </a:endParaRPr>
+              <a:t>   B(){}</a:t>
+            </a:r>
           </a:p>
           <a:p>
             <a:pPr>
               <a:defRPr/>
             </a:pPr>
             <a:r>
-              <a:rPr lang="en-US" altLang="zh-CN" sz="3200" b="1" smtClean="0">
+              <a:rPr lang="en-US" altLang="zh-CN" sz="3200" b="1">
                 <a:solidFill>
                   <a:schemeClr val="tx1">
                     <a:lumMod val="75000"/>
@@ -21728,35 +20602,7 @@
                 <a:ea typeface="微软雅黑" panose="020B0503020204020204" pitchFamily="34" charset="-122"/>
                 <a:cs typeface="Courier New" pitchFamily="49" charset="0"/>
               </a:rPr>
-              <a:t>构造函数</a:t>
-            </a:r>
-            <a:r>
-              <a:rPr lang="zh-CN" altLang="en-US" sz="3200" smtClean="0">
-                <a:solidFill>
-                  <a:schemeClr val="tx1">
-                    <a:lumMod val="75000"/>
-                    <a:lumOff val="25000"/>
-                  </a:schemeClr>
-                </a:solidFill>
-                <a:latin typeface="微软雅黑" panose="020B0503020204020204" pitchFamily="34" charset="-122"/>
-                <a:ea typeface="微软雅黑" panose="020B0503020204020204" pitchFamily="34" charset="-122"/>
-                <a:cs typeface="Courier New" pitchFamily="49" charset="0"/>
-              </a:rPr>
-              <a:t>执行顺序：先</a:t>
-            </a:r>
-            <a:r>
-              <a:rPr lang="zh-CN" altLang="en-US" sz="3200">
-                <a:solidFill>
-                  <a:schemeClr val="tx1">
-                    <a:lumMod val="75000"/>
-                    <a:lumOff val="25000"/>
-                  </a:schemeClr>
-                </a:solidFill>
-                <a:latin typeface="微软雅黑" panose="020B0503020204020204" pitchFamily="34" charset="-122"/>
-                <a:ea typeface="微软雅黑" panose="020B0503020204020204" pitchFamily="34" charset="-122"/>
-                <a:cs typeface="Courier New" pitchFamily="49" charset="0"/>
-              </a:rPr>
-              <a:t>子对象再本类</a:t>
+              <a:t>构造函数执行顺序：先子对象再本类</a:t>
             </a:r>
           </a:p>
           <a:p>
@@ -21784,35 +20630,7 @@
                 <a:ea typeface="微软雅黑" panose="020B0503020204020204" pitchFamily="34" charset="-122"/>
                 <a:cs typeface="Courier New" pitchFamily="49" charset="0"/>
               </a:rPr>
-              <a:t>析构</a:t>
-            </a:r>
-            <a:r>
-              <a:rPr lang="zh-CN" altLang="en-US" sz="3200" smtClean="0">
-                <a:solidFill>
-                  <a:schemeClr val="tx1">
-                    <a:lumMod val="75000"/>
-                    <a:lumOff val="25000"/>
-                  </a:schemeClr>
-                </a:solidFill>
-                <a:latin typeface="微软雅黑" panose="020B0503020204020204" pitchFamily="34" charset="-122"/>
-                <a:ea typeface="微软雅黑" panose="020B0503020204020204" pitchFamily="34" charset="-122"/>
-                <a:cs typeface="Courier New" pitchFamily="49" charset="0"/>
-              </a:rPr>
-              <a:t>函数执行顺序：与</a:t>
-            </a:r>
-            <a:r>
-              <a:rPr lang="zh-CN" altLang="en-US" sz="3200">
-                <a:solidFill>
-                  <a:schemeClr val="tx1">
-                    <a:lumMod val="75000"/>
-                    <a:lumOff val="25000"/>
-                  </a:schemeClr>
-                </a:solidFill>
-                <a:latin typeface="微软雅黑" panose="020B0503020204020204" pitchFamily="34" charset="-122"/>
-                <a:ea typeface="微软雅黑" panose="020B0503020204020204" pitchFamily="34" charset="-122"/>
-                <a:cs typeface="Courier New" pitchFamily="49" charset="0"/>
-              </a:rPr>
-              <a:t>构造函数的顺序相反</a:t>
+              <a:t>析构函数执行顺序：与构造函数的顺序相反</a:t>
             </a:r>
           </a:p>
         </p:txBody>
@@ -22025,13 +20843,6 @@
   <p:clrMapOvr>
     <a:masterClrMapping/>
   </p:clrMapOvr>
-  <p:timing>
-    <p:tnLst>
-      <p:par>
-        <p:cTn id="1" dur="indefinite" restart="never" nodeType="tmRoot"/>
-      </p:par>
-    </p:tnLst>
-  </p:timing>
 </p:sld>
 </file>
 
@@ -22305,33 +21116,8 @@
                 <a:ea typeface="微软雅黑" panose="020B0503020204020204" pitchFamily="34" charset="-122"/>
                 <a:cs typeface="Courier New" pitchFamily="49" charset="0"/>
               </a:rPr>
-              <a:t>class </a:t>
-            </a:r>
-            <a:r>
-              <a:rPr lang="en-US" altLang="zh-CN" sz="2200" b="1" smtClean="0">
-                <a:solidFill>
-                  <a:schemeClr val="tx1">
-                    <a:lumMod val="75000"/>
-                    <a:lumOff val="25000"/>
-                  </a:schemeClr>
-                </a:solidFill>
-                <a:latin typeface="Consolas" panose="020B0609020204030204" pitchFamily="49" charset="0"/>
-                <a:ea typeface="微软雅黑" panose="020B0503020204020204" pitchFamily="34" charset="-122"/>
-                <a:cs typeface="Courier New" pitchFamily="49" charset="0"/>
-              </a:rPr>
-              <a:t>B {  </a:t>
-            </a:r>
-            <a:endParaRPr lang="en-US" altLang="zh-CN" sz="2200" b="1">
-              <a:solidFill>
-                <a:schemeClr val="tx1">
-                  <a:lumMod val="75000"/>
-                  <a:lumOff val="25000"/>
-                </a:schemeClr>
-              </a:solidFill>
-              <a:latin typeface="Consolas" panose="020B0609020204030204" pitchFamily="49" charset="0"/>
-              <a:ea typeface="微软雅黑" panose="020B0503020204020204" pitchFamily="34" charset="-122"/>
-              <a:cs typeface="Courier New" pitchFamily="49" charset="0"/>
-            </a:endParaRPr>
+              <a:t>class B {  </a:t>
+            </a:r>
           </a:p>
           <a:p>
             <a:pPr marL="0" indent="0" eaLnBrk="1" hangingPunct="1">
@@ -22372,33 +21158,8 @@
                 <a:ea typeface="微软雅黑" panose="020B0503020204020204" pitchFamily="34" charset="-122"/>
                 <a:cs typeface="Courier New" pitchFamily="49" charset="0"/>
               </a:rPr>
-              <a:t>    B(): </a:t>
-            </a:r>
-            <a:r>
-              <a:rPr lang="en-US" altLang="zh-CN" sz="2200" b="1" smtClean="0">
-                <a:solidFill>
-                  <a:schemeClr val="tx1">
-                    <a:lumMod val="75000"/>
-                    <a:lumOff val="25000"/>
-                  </a:schemeClr>
-                </a:solidFill>
-                <a:latin typeface="Consolas" panose="020B0609020204030204" pitchFamily="49" charset="0"/>
-                <a:ea typeface="微软雅黑" panose="020B0503020204020204" pitchFamily="34" charset="-122"/>
-                <a:cs typeface="Courier New" pitchFamily="49" charset="0"/>
-              </a:rPr>
-              <a:t>m_iB(1) { </a:t>
-            </a:r>
-            <a:endParaRPr lang="en-US" altLang="zh-CN" sz="2200" b="1">
-              <a:solidFill>
-                <a:schemeClr val="tx1">
-                  <a:lumMod val="75000"/>
-                  <a:lumOff val="25000"/>
-                </a:schemeClr>
-              </a:solidFill>
-              <a:latin typeface="Consolas" panose="020B0609020204030204" pitchFamily="49" charset="0"/>
-              <a:ea typeface="微软雅黑" panose="020B0503020204020204" pitchFamily="34" charset="-122"/>
-              <a:cs typeface="Courier New" pitchFamily="49" charset="0"/>
-            </a:endParaRPr>
+              <a:t>    B(): m_iB(1) { </a:t>
+            </a:r>
           </a:p>
           <a:p>
             <a:pPr marL="0" indent="0" eaLnBrk="1" hangingPunct="1">
@@ -22460,33 +21221,8 @@
                 <a:ea typeface="微软雅黑" panose="020B0503020204020204" pitchFamily="34" charset="-122"/>
                 <a:cs typeface="Courier New" pitchFamily="49" charset="0"/>
               </a:rPr>
-              <a:t>    void printb</a:t>
-            </a:r>
-            <a:r>
-              <a:rPr lang="en-US" altLang="zh-CN" sz="2200" b="1" smtClean="0">
-                <a:solidFill>
-                  <a:schemeClr val="tx1">
-                    <a:lumMod val="75000"/>
-                    <a:lumOff val="25000"/>
-                  </a:schemeClr>
-                </a:solidFill>
-                <a:latin typeface="Consolas" panose="020B0609020204030204" pitchFamily="49" charset="0"/>
-                <a:ea typeface="微软雅黑" panose="020B0503020204020204" pitchFamily="34" charset="-122"/>
-                <a:cs typeface="Courier New" pitchFamily="49" charset="0"/>
-              </a:rPr>
-              <a:t>() { </a:t>
-            </a:r>
-            <a:endParaRPr lang="en-US" altLang="zh-CN" sz="2200" b="1">
-              <a:solidFill>
-                <a:schemeClr val="tx1">
-                  <a:lumMod val="75000"/>
-                  <a:lumOff val="25000"/>
-                </a:schemeClr>
-              </a:solidFill>
-              <a:latin typeface="Consolas" panose="020B0609020204030204" pitchFamily="49" charset="0"/>
-              <a:ea typeface="微软雅黑" panose="020B0503020204020204" pitchFamily="34" charset="-122"/>
-              <a:cs typeface="Courier New" pitchFamily="49" charset="0"/>
-            </a:endParaRPr>
+              <a:t>    void printb() { </a:t>
+            </a:r>
           </a:p>
           <a:p>
             <a:pPr marL="0" indent="0" eaLnBrk="1" hangingPunct="1">
@@ -22506,21 +21242,7 @@
                 <a:ea typeface="微软雅黑" panose="020B0503020204020204" pitchFamily="34" charset="-122"/>
                 <a:cs typeface="Courier New" pitchFamily="49" charset="0"/>
               </a:rPr>
-              <a:t>        cout &lt;&lt; "</a:t>
-            </a:r>
-            <a:r>
-              <a:rPr lang="en-US" altLang="zh-CN" sz="2200" b="1" smtClean="0">
-                <a:solidFill>
-                  <a:schemeClr val="tx1">
-                    <a:lumMod val="75000"/>
-                    <a:lumOff val="25000"/>
-                  </a:schemeClr>
-                </a:solidFill>
-                <a:latin typeface="Consolas" panose="020B0609020204030204" pitchFamily="49" charset="0"/>
-                <a:ea typeface="微软雅黑" panose="020B0503020204020204" pitchFamily="34" charset="-122"/>
-                <a:cs typeface="Courier New" pitchFamily="49" charset="0"/>
-              </a:rPr>
-              <a:t>m_iB ="</a:t>
+              <a:t>        cout &lt;&lt; "m_iB ="</a:t>
             </a:r>
           </a:p>
           <a:p>
@@ -22541,35 +21263,7 @@
                 <a:ea typeface="微软雅黑" panose="020B0503020204020204" pitchFamily="34" charset="-122"/>
                 <a:cs typeface="Courier New" pitchFamily="49" charset="0"/>
               </a:rPr>
-              <a:t> </a:t>
-            </a:r>
-            <a:r>
-              <a:rPr lang="en-US" altLang="zh-CN" sz="2200" b="1" smtClean="0">
-                <a:solidFill>
-                  <a:schemeClr val="tx1">
-                    <a:lumMod val="75000"/>
-                    <a:lumOff val="25000"/>
-                  </a:schemeClr>
-                </a:solidFill>
-                <a:latin typeface="Consolas" panose="020B0609020204030204" pitchFamily="49" charset="0"/>
-                <a:ea typeface="微软雅黑" panose="020B0503020204020204" pitchFamily="34" charset="-122"/>
-                <a:cs typeface="Courier New" pitchFamily="49" charset="0"/>
-              </a:rPr>
-              <a:t>            &lt;&lt; m_iB </a:t>
-            </a:r>
-            <a:r>
-              <a:rPr lang="en-US" altLang="zh-CN" sz="2200" b="1">
-                <a:solidFill>
-                  <a:schemeClr val="tx1">
-                    <a:lumMod val="75000"/>
-                    <a:lumOff val="25000"/>
-                  </a:schemeClr>
-                </a:solidFill>
-                <a:latin typeface="Consolas" panose="020B0609020204030204" pitchFamily="49" charset="0"/>
-                <a:ea typeface="微软雅黑" panose="020B0503020204020204" pitchFamily="34" charset="-122"/>
-                <a:cs typeface="Courier New" pitchFamily="49" charset="0"/>
-              </a:rPr>
-              <a:t>&lt;&lt; endl; </a:t>
+              <a:t>             &lt;&lt; m_iB &lt;&lt; endl; </a:t>
             </a:r>
           </a:p>
           <a:p>
@@ -22632,33 +21326,8 @@
                 <a:ea typeface="微软雅黑" panose="020B0503020204020204" pitchFamily="34" charset="-122"/>
                 <a:cs typeface="Courier New" pitchFamily="49" charset="0"/>
               </a:rPr>
-              <a:t>    int </a:t>
-            </a:r>
-            <a:r>
-              <a:rPr lang="en-US" altLang="zh-CN" sz="2200" b="1" smtClean="0">
-                <a:solidFill>
-                  <a:schemeClr val="tx1">
-                    <a:lumMod val="75000"/>
-                    <a:lumOff val="25000"/>
-                  </a:schemeClr>
-                </a:solidFill>
-                <a:latin typeface="Consolas" panose="020B0609020204030204" pitchFamily="49" charset="0"/>
-                <a:ea typeface="微软雅黑" panose="020B0503020204020204" pitchFamily="34" charset="-122"/>
-                <a:cs typeface="Courier New" pitchFamily="49" charset="0"/>
-              </a:rPr>
-              <a:t>m_iB;</a:t>
-            </a:r>
-            <a:endParaRPr lang="en-US" altLang="zh-CN" sz="2200" b="1">
-              <a:solidFill>
-                <a:schemeClr val="tx1">
-                  <a:lumMod val="75000"/>
-                  <a:lumOff val="25000"/>
-                </a:schemeClr>
-              </a:solidFill>
-              <a:latin typeface="Consolas" panose="020B0609020204030204" pitchFamily="49" charset="0"/>
-              <a:ea typeface="微软雅黑" panose="020B0503020204020204" pitchFamily="34" charset="-122"/>
-              <a:cs typeface="Courier New" pitchFamily="49" charset="0"/>
-            </a:endParaRPr>
+              <a:t>    int m_iB;</a:t>
+            </a:r>
           </a:p>
           <a:p>
             <a:pPr marL="0" indent="0" eaLnBrk="1" hangingPunct="1">
@@ -22699,33 +21368,8 @@
                 <a:ea typeface="微软雅黑" panose="020B0503020204020204" pitchFamily="34" charset="-122"/>
                 <a:cs typeface="Courier New" pitchFamily="49" charset="0"/>
               </a:rPr>
-              <a:t>class </a:t>
-            </a:r>
-            <a:r>
-              <a:rPr lang="en-US" altLang="zh-CN" sz="2200" b="1" smtClean="0">
-                <a:solidFill>
-                  <a:schemeClr val="tx1">
-                    <a:lumMod val="75000"/>
-                    <a:lumOff val="25000"/>
-                  </a:schemeClr>
-                </a:solidFill>
-                <a:latin typeface="Consolas" panose="020B0609020204030204" pitchFamily="49" charset="0"/>
-                <a:ea typeface="微软雅黑" panose="020B0503020204020204" pitchFamily="34" charset="-122"/>
-                <a:cs typeface="Courier New" pitchFamily="49" charset="0"/>
-              </a:rPr>
-              <a:t>A {  </a:t>
-            </a:r>
-            <a:endParaRPr lang="en-US" altLang="zh-CN" sz="2200" b="1">
-              <a:solidFill>
-                <a:schemeClr val="tx1">
-                  <a:lumMod val="75000"/>
-                  <a:lumOff val="25000"/>
-                </a:schemeClr>
-              </a:solidFill>
-              <a:latin typeface="Consolas" panose="020B0609020204030204" pitchFamily="49" charset="0"/>
-              <a:ea typeface="微软雅黑" panose="020B0503020204020204" pitchFamily="34" charset="-122"/>
-              <a:cs typeface="Courier New" pitchFamily="49" charset="0"/>
-            </a:endParaRPr>
+              <a:t>class A {  </a:t>
+            </a:r>
           </a:p>
           <a:p>
             <a:pPr marL="0" indent="0" eaLnBrk="1" hangingPunct="1">
@@ -22766,33 +21410,8 @@
                 <a:ea typeface="微软雅黑" panose="020B0503020204020204" pitchFamily="34" charset="-122"/>
                 <a:cs typeface="Courier New" pitchFamily="49" charset="0"/>
               </a:rPr>
-              <a:t>    A(int i): m_iA(i), m_tVal</a:t>
-            </a:r>
-            <a:r>
-              <a:rPr lang="en-US" altLang="zh-CN" sz="2200" b="1" smtClean="0">
-                <a:solidFill>
-                  <a:schemeClr val="tx1">
-                    <a:lumMod val="75000"/>
-                    <a:lumOff val="25000"/>
-                  </a:schemeClr>
-                </a:solidFill>
-                <a:latin typeface="Consolas" panose="020B0609020204030204" pitchFamily="49" charset="0"/>
-                <a:ea typeface="微软雅黑" panose="020B0503020204020204" pitchFamily="34" charset="-122"/>
-                <a:cs typeface="Courier New" pitchFamily="49" charset="0"/>
-              </a:rPr>
-              <a:t>() {</a:t>
-            </a:r>
-            <a:endParaRPr lang="en-US" altLang="zh-CN" sz="2200" b="1">
-              <a:solidFill>
-                <a:schemeClr val="tx1">
-                  <a:lumMod val="75000"/>
-                  <a:lumOff val="25000"/>
-                </a:schemeClr>
-              </a:solidFill>
-              <a:latin typeface="Consolas" panose="020B0609020204030204" pitchFamily="49" charset="0"/>
-              <a:ea typeface="微软雅黑" panose="020B0503020204020204" pitchFamily="34" charset="-122"/>
-              <a:cs typeface="Courier New" pitchFamily="49" charset="0"/>
-            </a:endParaRPr>
+              <a:t>    A(int i): m_iA(i), m_tVal() {</a:t>
+            </a:r>
           </a:p>
           <a:p>
             <a:pPr marL="0" indent="0" eaLnBrk="1" hangingPunct="1">
@@ -22833,33 +21452,8 @@
                 <a:ea typeface="微软雅黑" panose="020B0503020204020204" pitchFamily="34" charset="-122"/>
                 <a:cs typeface="Courier New" pitchFamily="49" charset="0"/>
               </a:rPr>
-              <a:t>    </a:t>
-            </a:r>
-            <a:r>
-              <a:rPr lang="en-US" altLang="zh-CN" sz="2200" b="1" smtClean="0">
-                <a:solidFill>
-                  <a:schemeClr val="tx1">
-                    <a:lumMod val="75000"/>
-                    <a:lumOff val="25000"/>
-                  </a:schemeClr>
-                </a:solidFill>
-                <a:latin typeface="Consolas" panose="020B0609020204030204" pitchFamily="49" charset="0"/>
-                <a:ea typeface="微软雅黑" panose="020B0503020204020204" pitchFamily="34" charset="-122"/>
-                <a:cs typeface="Courier New" pitchFamily="49" charset="0"/>
-              </a:rPr>
-              <a:t>}</a:t>
-            </a:r>
-            <a:endParaRPr lang="en-US" altLang="zh-CN" sz="2200" b="1">
-              <a:solidFill>
-                <a:schemeClr val="tx1">
-                  <a:lumMod val="75000"/>
-                  <a:lumOff val="25000"/>
-                </a:schemeClr>
-              </a:solidFill>
-              <a:latin typeface="Consolas" panose="020B0609020204030204" pitchFamily="49" charset="0"/>
-              <a:ea typeface="微软雅黑" panose="020B0503020204020204" pitchFamily="34" charset="-122"/>
-              <a:cs typeface="Courier New" pitchFamily="49" charset="0"/>
-            </a:endParaRPr>
+              <a:t>    }</a:t>
+            </a:r>
           </a:p>
         </p:txBody>
       </p:sp>
@@ -23032,35 +21626,7 @@
                 <a:ea typeface="微软雅黑" panose="020B0503020204020204" pitchFamily="34" charset="-122"/>
                 <a:cs typeface="Courier New" pitchFamily="49" charset="0"/>
               </a:rPr>
-              <a:t> </a:t>
-            </a:r>
-            <a:r>
-              <a:rPr lang="en-US" altLang="zh-CN" sz="2200" b="1" smtClean="0">
-                <a:solidFill>
-                  <a:schemeClr val="tx1">
-                    <a:lumMod val="75000"/>
-                    <a:lumOff val="25000"/>
-                  </a:schemeClr>
-                </a:solidFill>
-                <a:latin typeface="Consolas" panose="020B0609020204030204" pitchFamily="49" charset="0"/>
-                <a:ea typeface="微软雅黑" panose="020B0503020204020204" pitchFamily="34" charset="-122"/>
-                <a:cs typeface="Courier New" pitchFamily="49" charset="0"/>
-              </a:rPr>
-              <a:t>   void </a:t>
-            </a:r>
-            <a:r>
-              <a:rPr lang="en-US" altLang="zh-CN" sz="2200" b="1">
-                <a:solidFill>
-                  <a:schemeClr val="tx1">
-                    <a:lumMod val="75000"/>
-                    <a:lumOff val="25000"/>
-                  </a:schemeClr>
-                </a:solidFill>
-                <a:latin typeface="Consolas" panose="020B0609020204030204" pitchFamily="49" charset="0"/>
-                <a:ea typeface="微软雅黑" panose="020B0503020204020204" pitchFamily="34" charset="-122"/>
-                <a:cs typeface="Courier New" pitchFamily="49" charset="0"/>
-              </a:rPr>
-              <a:t>printa() {  </a:t>
+              <a:t>    void printa() {  </a:t>
             </a:r>
           </a:p>
           <a:p>
@@ -23081,35 +21647,7 @@
                 <a:ea typeface="微软雅黑" panose="020B0503020204020204" pitchFamily="34" charset="-122"/>
                 <a:cs typeface="Courier New" pitchFamily="49" charset="0"/>
               </a:rPr>
-              <a:t>        cout &lt;&lt; "m_iA </a:t>
-            </a:r>
-            <a:r>
-              <a:rPr lang="en-US" altLang="zh-CN" sz="2200" b="1" smtClean="0">
-                <a:solidFill>
-                  <a:schemeClr val="tx1">
-                    <a:lumMod val="75000"/>
-                    <a:lumOff val="25000"/>
-                  </a:schemeClr>
-                </a:solidFill>
-                <a:latin typeface="Consolas" panose="020B0609020204030204" pitchFamily="49" charset="0"/>
-                <a:ea typeface="微软雅黑" panose="020B0503020204020204" pitchFamily="34" charset="-122"/>
-                <a:cs typeface="Courier New" pitchFamily="49" charset="0"/>
-              </a:rPr>
-              <a:t>=" </a:t>
-            </a:r>
-            <a:r>
-              <a:rPr lang="en-US" altLang="zh-CN" sz="2200" b="1">
-                <a:solidFill>
-                  <a:schemeClr val="tx1">
-                    <a:lumMod val="75000"/>
-                    <a:lumOff val="25000"/>
-                  </a:schemeClr>
-                </a:solidFill>
-                <a:latin typeface="Consolas" panose="020B0609020204030204" pitchFamily="49" charset="0"/>
-                <a:ea typeface="微软雅黑" panose="020B0503020204020204" pitchFamily="34" charset="-122"/>
-                <a:cs typeface="Courier New" pitchFamily="49" charset="0"/>
-              </a:rPr>
-              <a:t>&lt;&lt; m_iA &lt;&lt; endl; </a:t>
+              <a:t>        cout &lt;&lt; "m_iA =" &lt;&lt; m_iA &lt;&lt; endl; </a:t>
             </a:r>
           </a:p>
           <a:p>
@@ -23221,7 +21759,7 @@
               </a:buClr>
             </a:pPr>
             <a:r>
-              <a:rPr lang="en-US" altLang="zh-CN" sz="2200" b="1" smtClean="0">
+              <a:rPr lang="en-US" altLang="zh-CN" sz="2200" b="1">
                 <a:solidFill>
                   <a:schemeClr val="tx1">
                     <a:lumMod val="75000"/>
@@ -23253,33 +21791,8 @@
                 <a:ea typeface="微软雅黑" panose="020B0503020204020204" pitchFamily="34" charset="-122"/>
                 <a:cs typeface="Courier New" pitchFamily="49" charset="0"/>
               </a:rPr>
-              <a:t>int </a:t>
-            </a:r>
-            <a:r>
-              <a:rPr lang="en-US" altLang="zh-CN" sz="2200" b="1" smtClean="0">
-                <a:solidFill>
-                  <a:schemeClr val="tx1">
-                    <a:lumMod val="75000"/>
-                    <a:lumOff val="25000"/>
-                  </a:schemeClr>
-                </a:solidFill>
-                <a:latin typeface="Consolas" panose="020B0609020204030204" pitchFamily="49" charset="0"/>
-                <a:ea typeface="微软雅黑" panose="020B0503020204020204" pitchFamily="34" charset="-122"/>
-                <a:cs typeface="Courier New" pitchFamily="49" charset="0"/>
-              </a:rPr>
-              <a:t>main(void) {</a:t>
-            </a:r>
-            <a:endParaRPr lang="en-US" altLang="zh-CN" sz="2200" b="1">
-              <a:solidFill>
-                <a:schemeClr val="tx1">
-                  <a:lumMod val="75000"/>
-                  <a:lumOff val="25000"/>
-                </a:schemeClr>
-              </a:solidFill>
-              <a:latin typeface="Consolas" panose="020B0609020204030204" pitchFamily="49" charset="0"/>
-              <a:ea typeface="微软雅黑" panose="020B0503020204020204" pitchFamily="34" charset="-122"/>
-              <a:cs typeface="Courier New" pitchFamily="49" charset="0"/>
-            </a:endParaRPr>
+              <a:t>int main(void) {</a:t>
+            </a:r>
           </a:p>
           <a:p>
             <a:pPr marL="0" indent="0" eaLnBrk="1" hangingPunct="1">
@@ -23482,7 +21995,7 @@
           <a:lstStyle/>
           <a:p>
             <a:r>
-              <a:rPr lang="en-US" altLang="zh-CN" sz="2400" b="1" smtClean="0">
+              <a:rPr lang="en-US" altLang="zh-CN" sz="2400" b="1">
                 <a:solidFill>
                   <a:schemeClr val="bg1">
                     <a:lumMod val="95000"/>
@@ -23495,7 +22008,7 @@
           </a:p>
           <a:p>
             <a:r>
-              <a:rPr lang="en-US" altLang="zh-CN" sz="2400" b="1" smtClean="0">
+              <a:rPr lang="en-US" altLang="zh-CN" sz="2400" b="1">
                 <a:solidFill>
                   <a:schemeClr val="bg1">
                     <a:lumMod val="95000"/>
@@ -23508,7 +22021,7 @@
           </a:p>
           <a:p>
             <a:r>
-              <a:rPr lang="en-US" altLang="zh-CN" sz="2400" b="1" smtClean="0">
+              <a:rPr lang="en-US" altLang="zh-CN" sz="2400" b="1">
                 <a:solidFill>
                   <a:schemeClr val="bg1">
                     <a:lumMod val="95000"/>
@@ -23521,7 +22034,7 @@
           </a:p>
           <a:p>
             <a:r>
-              <a:rPr lang="en-US" altLang="zh-CN" sz="2400" b="1" smtClean="0">
+              <a:rPr lang="en-US" altLang="zh-CN" sz="2400" b="1">
                 <a:solidFill>
                   <a:schemeClr val="bg1">
                     <a:lumMod val="95000"/>
@@ -23823,7 +22336,7 @@
               <a:t>( )</a:t>
             </a:r>
             <a:r>
-              <a:rPr lang="zh-CN" altLang="en-US" sz="3200" smtClean="0">
+              <a:rPr lang="zh-CN" altLang="en-US" sz="3200">
                 <a:solidFill>
                   <a:schemeClr val="tx1">
                     <a:lumMod val="75000"/>
@@ -23833,20 +22346,7 @@
                 <a:latin typeface="微软雅黑" panose="020B0503020204020204" pitchFamily="34" charset="-122"/>
                 <a:ea typeface="微软雅黑" panose="020B0503020204020204" pitchFamily="34" charset="-122"/>
               </a:rPr>
-              <a:t>”</a:t>
-            </a:r>
-            <a:r>
-              <a:rPr lang="zh-CN" altLang="en-US" sz="3200">
-                <a:solidFill>
-                  <a:schemeClr val="tx1">
-                    <a:lumMod val="75000"/>
-                    <a:lumOff val="25000"/>
-                  </a:schemeClr>
-                </a:solidFill>
-                <a:latin typeface="微软雅黑" panose="020B0503020204020204" pitchFamily="34" charset="-122"/>
-                <a:ea typeface="微软雅黑" panose="020B0503020204020204" pitchFamily="34" charset="-122"/>
-              </a:rPr>
-              <a:t> 。</a:t>
+              <a:t>” 。</a:t>
             </a:r>
             <a:endParaRPr lang="en-US" altLang="zh-CN" sz="3200">
               <a:solidFill>
@@ -23899,7 +22399,7 @@
               <a:t>逗号</a:t>
             </a:r>
             <a:r>
-              <a:rPr lang="zh-CN" altLang="en-US" sz="3200" smtClean="0">
+              <a:rPr lang="zh-CN" altLang="en-US" sz="3200">
                 <a:solidFill>
                   <a:schemeClr val="tx1">
                     <a:lumMod val="75000"/>
@@ -23909,20 +22409,7 @@
                 <a:latin typeface="微软雅黑" panose="020B0503020204020204" pitchFamily="34" charset="-122"/>
                 <a:ea typeface="微软雅黑" panose="020B0503020204020204" pitchFamily="34" charset="-122"/>
               </a:rPr>
-              <a:t>分隔</a:t>
-            </a:r>
-            <a:r>
-              <a:rPr lang="zh-CN" altLang="en-US" sz="3200">
-                <a:solidFill>
-                  <a:schemeClr val="tx1">
-                    <a:lumMod val="75000"/>
-                    <a:lumOff val="25000"/>
-                  </a:schemeClr>
-                </a:solidFill>
-                <a:latin typeface="微软雅黑" panose="020B0503020204020204" pitchFamily="34" charset="-122"/>
-                <a:ea typeface="微软雅黑" panose="020B0503020204020204" pitchFamily="34" charset="-122"/>
-              </a:rPr>
-              <a:t>。</a:t>
+              <a:t>分隔。</a:t>
             </a:r>
             <a:endParaRPr lang="en-US" altLang="zh-CN" sz="3200">
               <a:solidFill>
@@ -23962,30 +22449,30 @@
                 <a:latin typeface="微软雅黑" panose="020B0503020204020204" pitchFamily="34" charset="-122"/>
                 <a:ea typeface="微软雅黑" panose="020B0503020204020204" pitchFamily="34" charset="-122"/>
               </a:rPr>
-              <a:t>子对象构造函数的执行顺序</a:t>
-            </a:r>
-            <a:r>
-              <a:rPr lang="zh-CN" altLang="en-US" sz="3200" smtClean="0">
-                <a:solidFill>
-                  <a:schemeClr val="tx1">
-                    <a:lumMod val="75000"/>
-                    <a:lumOff val="25000"/>
-                  </a:schemeClr>
+              <a:t>子对象构造函数的执行顺序按照</a:t>
+            </a:r>
+            <a:r>
+              <a:rPr lang="zh-CN" altLang="en-US" sz="3200">
+                <a:solidFill>
+                  <a:srgbClr val="C00000"/>
                 </a:solidFill>
                 <a:latin typeface="微软雅黑" panose="020B0503020204020204" pitchFamily="34" charset="-122"/>
                 <a:ea typeface="微软雅黑" panose="020B0503020204020204" pitchFamily="34" charset="-122"/>
               </a:rPr>
-              <a:t>按照</a:t>
-            </a:r>
-            <a:r>
-              <a:rPr lang="zh-CN" altLang="en-US" sz="3200" smtClean="0">
-                <a:solidFill>
-                  <a:srgbClr val="C00000"/>
+              <a:t>类中的声明顺序</a:t>
+            </a:r>
+            <a:r>
+              <a:rPr lang="zh-CN" altLang="en-US" sz="3200">
+                <a:solidFill>
+                  <a:schemeClr val="tx1">
+                    <a:lumMod val="75000"/>
+                    <a:lumOff val="25000"/>
+                  </a:schemeClr>
                 </a:solidFill>
                 <a:latin typeface="微软雅黑" panose="020B0503020204020204" pitchFamily="34" charset="-122"/>
                 <a:ea typeface="微软雅黑" panose="020B0503020204020204" pitchFamily="34" charset="-122"/>
               </a:rPr>
-              <a:t>类</a:t>
+              <a:t>进行，</a:t>
             </a:r>
             <a:r>
               <a:rPr lang="zh-CN" altLang="en-US" sz="3200">
@@ -23995,70 +22482,7 @@
                 <a:latin typeface="微软雅黑" panose="020B0503020204020204" pitchFamily="34" charset="-122"/>
                 <a:ea typeface="微软雅黑" panose="020B0503020204020204" pitchFamily="34" charset="-122"/>
               </a:rPr>
-              <a:t>中</a:t>
-            </a:r>
-            <a:r>
-              <a:rPr lang="zh-CN" altLang="en-US" sz="3200" smtClean="0">
-                <a:solidFill>
-                  <a:srgbClr val="C00000"/>
-                </a:solidFill>
-                <a:latin typeface="微软雅黑" panose="020B0503020204020204" pitchFamily="34" charset="-122"/>
-                <a:ea typeface="微软雅黑" panose="020B0503020204020204" pitchFamily="34" charset="-122"/>
-              </a:rPr>
-              <a:t>的</a:t>
-            </a:r>
-            <a:r>
-              <a:rPr lang="zh-CN" altLang="en-US" sz="3200">
-                <a:solidFill>
-                  <a:srgbClr val="C00000"/>
-                </a:solidFill>
-                <a:latin typeface="微软雅黑" panose="020B0503020204020204" pitchFamily="34" charset="-122"/>
-                <a:ea typeface="微软雅黑" panose="020B0503020204020204" pitchFamily="34" charset="-122"/>
-              </a:rPr>
-              <a:t>声明</a:t>
-            </a:r>
-            <a:r>
-              <a:rPr lang="zh-CN" altLang="en-US" sz="3200" smtClean="0">
-                <a:solidFill>
-                  <a:srgbClr val="C00000"/>
-                </a:solidFill>
-                <a:latin typeface="微软雅黑" panose="020B0503020204020204" pitchFamily="34" charset="-122"/>
-                <a:ea typeface="微软雅黑" panose="020B0503020204020204" pitchFamily="34" charset="-122"/>
-              </a:rPr>
-              <a:t>顺序</a:t>
-            </a:r>
-            <a:r>
-              <a:rPr lang="zh-CN" altLang="en-US" sz="3200">
-                <a:solidFill>
-                  <a:schemeClr val="tx1">
-                    <a:lumMod val="75000"/>
-                    <a:lumOff val="25000"/>
-                  </a:schemeClr>
-                </a:solidFill>
-                <a:latin typeface="微软雅黑" panose="020B0503020204020204" pitchFamily="34" charset="-122"/>
-                <a:ea typeface="微软雅黑" panose="020B0503020204020204" pitchFamily="34" charset="-122"/>
-              </a:rPr>
-              <a:t>进行，</a:t>
-            </a:r>
-            <a:r>
-              <a:rPr lang="zh-CN" altLang="en-US" sz="3200">
-                <a:solidFill>
-                  <a:srgbClr val="C00000"/>
-                </a:solidFill>
-                <a:latin typeface="微软雅黑" panose="020B0503020204020204" pitchFamily="34" charset="-122"/>
-                <a:ea typeface="微软雅黑" panose="020B0503020204020204" pitchFamily="34" charset="-122"/>
-              </a:rPr>
-              <a:t>与初始化表中的顺序</a:t>
-            </a:r>
-            <a:r>
-              <a:rPr lang="zh-CN" altLang="en-US" sz="3200" smtClean="0">
-                <a:solidFill>
-                  <a:srgbClr val="C00000"/>
-                </a:solidFill>
-                <a:latin typeface="微软雅黑" panose="020B0503020204020204" pitchFamily="34" charset="-122"/>
-                <a:ea typeface="微软雅黑" panose="020B0503020204020204" pitchFamily="34" charset="-122"/>
-              </a:rPr>
-              <a:t>无关</a:t>
+              <a:t>与初始化表中的顺序无关</a:t>
             </a:r>
             <a:r>
               <a:rPr lang="zh-CN" altLang="en-US" sz="3200">
@@ -24093,13 +22517,6 @@
   <p:clrMapOvr>
     <a:masterClrMapping/>
   </p:clrMapOvr>
-  <p:timing>
-    <p:tnLst>
-      <p:par>
-        <p:cTn id="1" dur="indefinite" restart="never" nodeType="tmRoot"/>
-      </p:par>
-    </p:tnLst>
-  </p:timing>
 </p:sld>
 </file>
 
@@ -24258,7 +22675,7 @@
               <a:t>A</a:t>
             </a:r>
             <a:r>
-              <a:rPr lang="zh-CN" altLang="en-US" sz="3200" smtClean="0">
+              <a:rPr lang="zh-CN" altLang="en-US" sz="3200">
                 <a:solidFill>
                   <a:schemeClr val="tx1">
                     <a:lumMod val="75000"/>
@@ -24268,44 +22685,8 @@
                 <a:latin typeface="微软雅黑" panose="020B0503020204020204" pitchFamily="34" charset="-122"/>
                 <a:ea typeface="微软雅黑" panose="020B0503020204020204" pitchFamily="34" charset="-122"/>
               </a:rPr>
-              <a:t>中声明相反</a:t>
-            </a:r>
-            <a:r>
-              <a:rPr lang="zh-CN" altLang="en-US" sz="3200">
-                <a:solidFill>
-                  <a:schemeClr val="tx1">
-                    <a:lumMod val="75000"/>
-                    <a:lumOff val="25000"/>
-                  </a:schemeClr>
-                </a:solidFill>
-                <a:latin typeface="微软雅黑" panose="020B0503020204020204" pitchFamily="34" charset="-122"/>
-                <a:ea typeface="微软雅黑" panose="020B0503020204020204" pitchFamily="34" charset="-122"/>
-              </a:rPr>
-              <a:t>的顺序调用各类的析构</a:t>
-            </a:r>
-            <a:r>
-              <a:rPr lang="zh-CN" altLang="en-US" sz="3200" smtClean="0">
-                <a:solidFill>
-                  <a:schemeClr val="tx1">
-                    <a:lumMod val="75000"/>
-                    <a:lumOff val="25000"/>
-                  </a:schemeClr>
-                </a:solidFill>
-                <a:latin typeface="微软雅黑" panose="020B0503020204020204" pitchFamily="34" charset="-122"/>
-                <a:ea typeface="微软雅黑" panose="020B0503020204020204" pitchFamily="34" charset="-122"/>
-              </a:rPr>
-              <a:t>函数。</a:t>
-            </a:r>
-            <a:endParaRPr lang="zh-CN" altLang="en-US" sz="3200">
-              <a:solidFill>
-                <a:schemeClr val="tx1">
-                  <a:lumMod val="75000"/>
-                  <a:lumOff val="25000"/>
-                </a:schemeClr>
-              </a:solidFill>
-              <a:latin typeface="微软雅黑" panose="020B0503020204020204" pitchFamily="34" charset="-122"/>
-              <a:ea typeface="微软雅黑" panose="020B0503020204020204" pitchFamily="34" charset="-122"/>
-            </a:endParaRPr>
+              <a:t>中声明相反的顺序调用各类的析构函数。</a:t>
+            </a:r>
           </a:p>
         </p:txBody>
       </p:sp>
@@ -24319,13 +22700,6 @@
   <p:clrMapOvr>
     <a:masterClrMapping/>
   </p:clrMapOvr>
-  <p:timing>
-    <p:tnLst>
-      <p:par>
-        <p:cTn id="1" dur="indefinite" restart="never" nodeType="tmRoot"/>
-      </p:par>
-    </p:tnLst>
-  </p:timing>
 </p:sld>
 </file>
 
@@ -24396,19 +22770,6 @@
             <a:lstStyle/>
             <a:p>
               <a:r>
-                <a:rPr lang="zh-CN" altLang="en-US" sz="2400" b="1" kern="0" smtClean="0">
-                  <a:solidFill>
-                    <a:schemeClr val="tx1">
-                      <a:lumMod val="65000"/>
-                      <a:lumOff val="35000"/>
-                    </a:schemeClr>
-                  </a:solidFill>
-                  <a:latin typeface="微软雅黑" panose="020B0503020204020204" pitchFamily="34" charset="-122"/>
-                  <a:ea typeface="微软雅黑" panose="020B0503020204020204" pitchFamily="34" charset="-122"/>
-                </a:rPr>
-                <a:t>          静态</a:t>
-              </a:r>
-              <a:r>
                 <a:rPr lang="zh-CN" altLang="en-US" sz="2400" b="1" kern="0">
                   <a:solidFill>
                     <a:schemeClr val="tx1">
@@ -24419,7 +22780,7 @@
                   <a:latin typeface="微软雅黑" panose="020B0503020204020204" pitchFamily="34" charset="-122"/>
                   <a:ea typeface="微软雅黑" panose="020B0503020204020204" pitchFamily="34" charset="-122"/>
                 </a:rPr>
-                <a:t>成员</a:t>
+                <a:t>          静态成员</a:t>
               </a:r>
             </a:p>
           </p:txBody>
@@ -24581,7 +22942,7 @@
               <a:p>
                 <a:pPr algn="ctr"/>
                 <a:r>
-                  <a:rPr lang="en-US" altLang="zh-CN" sz="3200" kern="0" smtClean="0">
+                  <a:rPr lang="en-US" altLang="zh-CN" sz="3200" kern="0">
                     <a:solidFill>
                       <a:prstClr val="white"/>
                     </a:solidFill>
@@ -24648,7 +23009,7 @@
             <a:lstStyle/>
             <a:p>
               <a:r>
-                <a:rPr lang="en-US" altLang="zh-CN" sz="2400" b="1" kern="0" smtClean="0">
+                <a:rPr lang="en-US" altLang="zh-CN" sz="2400" b="1" kern="0">
                   <a:solidFill>
                     <a:schemeClr val="bg1"/>
                   </a:solidFill>
@@ -24821,7 +23182,7 @@
               <a:p>
                 <a:pPr algn="ctr"/>
                 <a:r>
-                  <a:rPr lang="en-US" altLang="zh-CN" sz="3200" kern="0" smtClean="0">
+                  <a:rPr lang="en-US" altLang="zh-CN" sz="3200" kern="0">
                     <a:solidFill>
                       <a:prstClr val="white"/>
                     </a:solidFill>
@@ -24890,19 +23251,6 @@
             <a:lstStyle/>
             <a:p>
               <a:r>
-                <a:rPr lang="zh-CN" altLang="en-US" sz="2400" b="1" kern="0" smtClean="0">
-                  <a:solidFill>
-                    <a:schemeClr val="tx1">
-                      <a:lumMod val="65000"/>
-                      <a:lumOff val="35000"/>
-                    </a:schemeClr>
-                  </a:solidFill>
-                  <a:latin typeface="微软雅黑" panose="020B0503020204020204" pitchFamily="34" charset="-122"/>
-                  <a:ea typeface="微软雅黑" panose="020B0503020204020204" pitchFamily="34" charset="-122"/>
-                </a:rPr>
-                <a:t>          对象</a:t>
-              </a:r>
-              <a:r>
                 <a:rPr lang="zh-CN" altLang="en-US" sz="2400" b="1" kern="0">
                   <a:solidFill>
                     <a:schemeClr val="tx1">
@@ -24913,7 +23261,7 @@
                   <a:latin typeface="微软雅黑" panose="020B0503020204020204" pitchFamily="34" charset="-122"/>
                   <a:ea typeface="微软雅黑" panose="020B0503020204020204" pitchFamily="34" charset="-122"/>
                 </a:rPr>
-                <a:t>成员</a:t>
+                <a:t>          对象成员</a:t>
               </a:r>
             </a:p>
           </p:txBody>
@@ -25104,13 +23452,6 @@
   <p:clrMapOvr>
     <a:masterClrMapping/>
   </p:clrMapOvr>
-  <p:timing>
-    <p:tnLst>
-      <p:par>
-        <p:cTn id="1" dur="indefinite" restart="never" nodeType="tmRoot"/>
-      </p:par>
-    </p:tnLst>
-  </p:timing>
 </p:sld>
 </file>
 
@@ -25153,10 +23494,9 @@
               <a:t>const</a:t>
             </a:r>
             <a:r>
-              <a:rPr lang="zh-CN" altLang="en-US" smtClean="0"/>
+              <a:rPr lang="zh-CN" altLang="en-US"/>
               <a:t>成员</a:t>
             </a:r>
-            <a:endParaRPr lang="zh-CN" altLang="en-US"/>
           </a:p>
         </p:txBody>
       </p:sp>
@@ -25337,13 +23677,6 @@
   <p:clrMapOvr>
     <a:masterClrMapping/>
   </p:clrMapOvr>
-  <p:timing>
-    <p:tnLst>
-      <p:par>
-        <p:cTn id="1" dur="indefinite" restart="never" nodeType="tmRoot"/>
-      </p:par>
-    </p:tnLst>
-  </p:timing>
 </p:sld>
 </file>
 
@@ -25618,7 +23951,7 @@
               </a:buClr>
             </a:pPr>
             <a:r>
-              <a:rPr lang="en-US" altLang="zh-CN" sz="2200" b="1" smtClean="0">
+              <a:rPr lang="en-US" altLang="zh-CN" sz="2200" b="1">
                 <a:solidFill>
                   <a:schemeClr val="tx1">
                     <a:lumMod val="75000"/>
@@ -25631,17 +23964,6 @@
               </a:rPr>
               <a:t>class Math {</a:t>
             </a:r>
-            <a:endParaRPr lang="en-US" altLang="zh-CN" sz="2200" b="1">
-              <a:solidFill>
-                <a:schemeClr val="tx1">
-                  <a:lumMod val="75000"/>
-                  <a:lumOff val="25000"/>
-                </a:schemeClr>
-              </a:solidFill>
-              <a:latin typeface="Consolas" panose="020B0609020204030204" pitchFamily="49" charset="0"/>
-              <a:ea typeface="微软雅黑" panose="020B0503020204020204" pitchFamily="34" charset="-122"/>
-              <a:cs typeface="Courier New" pitchFamily="49" charset="0"/>
-            </a:endParaRPr>
           </a:p>
           <a:p>
             <a:pPr marL="0" indent="0" eaLnBrk="1" hangingPunct="1">
@@ -25724,33 +24046,8 @@
                 <a:ea typeface="微软雅黑" panose="020B0503020204020204" pitchFamily="34" charset="-122"/>
                 <a:cs typeface="Courier New" pitchFamily="49" charset="0"/>
               </a:rPr>
-              <a:t>    void print</a:t>
-            </a:r>
-            <a:r>
-              <a:rPr lang="en-US" altLang="zh-CN" sz="2200" b="1" smtClean="0">
-                <a:solidFill>
-                  <a:schemeClr val="tx1">
-                    <a:lumMod val="75000"/>
-                    <a:lumOff val="25000"/>
-                  </a:schemeClr>
-                </a:solidFill>
-                <a:latin typeface="Consolas" panose="020B0609020204030204" pitchFamily="49" charset="0"/>
-                <a:ea typeface="微软雅黑" panose="020B0503020204020204" pitchFamily="34" charset="-122"/>
-                <a:cs typeface="Courier New" pitchFamily="49" charset="0"/>
-              </a:rPr>
-              <a:t>();</a:t>
-            </a:r>
-            <a:endParaRPr lang="en-US" altLang="zh-CN" sz="2200" b="1">
-              <a:solidFill>
-                <a:schemeClr val="tx1">
-                  <a:lumMod val="75000"/>
-                  <a:lumOff val="25000"/>
-                </a:schemeClr>
-              </a:solidFill>
-              <a:latin typeface="Consolas" panose="020B0609020204030204" pitchFamily="49" charset="0"/>
-              <a:ea typeface="微软雅黑" panose="020B0503020204020204" pitchFamily="34" charset="-122"/>
-              <a:cs typeface="Courier New" pitchFamily="49" charset="0"/>
-            </a:endParaRPr>
+              <a:t>    void print();</a:t>
+            </a:r>
           </a:p>
           <a:p>
             <a:pPr marL="0" indent="0" eaLnBrk="1" hangingPunct="1">
@@ -25893,7 +24190,7 @@
               </a:buClr>
             </a:pPr>
             <a:r>
-              <a:rPr lang="en-US" altLang="zh-CN" sz="2200" b="1" smtClean="0">
+              <a:rPr lang="en-US" altLang="zh-CN" sz="2200" b="1">
                 <a:solidFill>
                   <a:schemeClr val="tx1">
                     <a:lumMod val="75000"/>
@@ -25904,35 +24201,7 @@
                 <a:ea typeface="微软雅黑" panose="020B0503020204020204" pitchFamily="34" charset="-122"/>
                 <a:cs typeface="Courier New" pitchFamily="49" charset="0"/>
               </a:rPr>
-              <a:t>    :</a:t>
-            </a:r>
-            <a:r>
-              <a:rPr lang="en-US" altLang="zh-CN" sz="2200" b="1">
-                <a:solidFill>
-                  <a:schemeClr val="tx1">
-                    <a:lumMod val="75000"/>
-                    <a:lumOff val="25000"/>
-                  </a:schemeClr>
-                </a:solidFill>
-                <a:latin typeface="Consolas" panose="020B0609020204030204" pitchFamily="49" charset="0"/>
-                <a:ea typeface="微软雅黑" panose="020B0503020204020204" pitchFamily="34" charset="-122"/>
-                <a:cs typeface="Courier New" pitchFamily="49" charset="0"/>
-              </a:rPr>
-              <a:t>m_kPi(3.14</a:t>
-            </a:r>
-            <a:r>
-              <a:rPr lang="en-US" altLang="zh-CN" sz="2200" b="1" smtClean="0">
-                <a:solidFill>
-                  <a:schemeClr val="tx1">
-                    <a:lumMod val="75000"/>
-                    <a:lumOff val="25000"/>
-                  </a:schemeClr>
-                </a:solidFill>
-                <a:latin typeface="Consolas" panose="020B0609020204030204" pitchFamily="49" charset="0"/>
-                <a:ea typeface="微软雅黑" panose="020B0503020204020204" pitchFamily="34" charset="-122"/>
-                <a:cs typeface="Courier New" pitchFamily="49" charset="0"/>
-              </a:rPr>
-              <a:t>), r(m_kPi),</a:t>
+              <a:t>    :m_kPi(3.14), r(m_kPi),</a:t>
             </a:r>
           </a:p>
           <a:p>
@@ -25953,21 +24222,7 @@
                 <a:ea typeface="微软雅黑" panose="020B0503020204020204" pitchFamily="34" charset="-122"/>
                 <a:cs typeface="Courier New" pitchFamily="49" charset="0"/>
               </a:rPr>
-              <a:t> </a:t>
-            </a:r>
-            <a:r>
-              <a:rPr lang="en-US" altLang="zh-CN" sz="2200" b="1" smtClean="0">
-                <a:solidFill>
-                  <a:schemeClr val="tx1">
-                    <a:lumMod val="75000"/>
-                    <a:lumOff val="25000"/>
-                  </a:schemeClr>
-                </a:solidFill>
-                <a:latin typeface="Consolas" panose="020B0609020204030204" pitchFamily="49" charset="0"/>
-                <a:ea typeface="微软雅黑" panose="020B0503020204020204" pitchFamily="34" charset="-122"/>
-                <a:cs typeface="Courier New" pitchFamily="49" charset="0"/>
-              </a:rPr>
-              <a:t>    m_iFirst(arg) </a:t>
+              <a:t>     m_iFirst(arg) </a:t>
             </a:r>
           </a:p>
           <a:p>
@@ -25977,7 +24232,7 @@
               </a:buClr>
             </a:pPr>
             <a:r>
-              <a:rPr lang="en-US" altLang="zh-CN" sz="2200" b="1" smtClean="0">
+              <a:rPr lang="en-US" altLang="zh-CN" sz="2200" b="1">
                 <a:solidFill>
                   <a:schemeClr val="tx1">
                     <a:lumMod val="75000"/>
@@ -25990,17 +24245,6 @@
               </a:rPr>
               <a:t>{}</a:t>
             </a:r>
-            <a:endParaRPr lang="en-US" altLang="zh-CN" sz="2200" b="1">
-              <a:solidFill>
-                <a:schemeClr val="tx1">
-                  <a:lumMod val="75000"/>
-                  <a:lumOff val="25000"/>
-                </a:schemeClr>
-              </a:solidFill>
-              <a:latin typeface="Consolas" panose="020B0609020204030204" pitchFamily="49" charset="0"/>
-              <a:ea typeface="微软雅黑" panose="020B0503020204020204" pitchFamily="34" charset="-122"/>
-              <a:cs typeface="Courier New" pitchFamily="49" charset="0"/>
-            </a:endParaRPr>
           </a:p>
         </p:txBody>
       </p:sp>
@@ -26173,10 +24417,17 @@
                 <a:ea typeface="微软雅黑" panose="020B0503020204020204" pitchFamily="34" charset="-122"/>
                 <a:cs typeface="Courier New" pitchFamily="49" charset="0"/>
               </a:rPr>
-              <a:t>void Math::print</a:t>
-            </a:r>
-            <a:r>
-              <a:rPr lang="en-US" altLang="zh-CN" sz="2200" b="1" smtClean="0">
+              <a:t>void Math::print() {</a:t>
+            </a:r>
+          </a:p>
+          <a:p>
+            <a:pPr marL="0" indent="0" eaLnBrk="1" hangingPunct="1">
+              <a:buClr>
+                <a:srgbClr val="00B0F0"/>
+              </a:buClr>
+            </a:pPr>
+            <a:r>
+              <a:rPr lang="en-US" altLang="zh-CN" sz="2200" b="1">
                 <a:solidFill>
                   <a:schemeClr val="tx1">
                     <a:lumMod val="75000"/>
@@ -26187,8 +24438,36 @@
                 <a:ea typeface="微软雅黑" panose="020B0503020204020204" pitchFamily="34" charset="-122"/>
                 <a:cs typeface="Courier New" pitchFamily="49" charset="0"/>
               </a:rPr>
-              <a:t>() {</a:t>
-            </a:r>
+              <a:t>    cout &lt;&lt; m_kPi &lt;&lt; " " &lt;&lt; r;</a:t>
+            </a:r>
+          </a:p>
+          <a:p>
+            <a:pPr marL="0" indent="0" eaLnBrk="1" hangingPunct="1">
+              <a:buClr>
+                <a:srgbClr val="00B0F0"/>
+              </a:buClr>
+            </a:pPr>
+            <a:r>
+              <a:rPr lang="en-US" altLang="zh-CN" sz="2200" b="1">
+                <a:solidFill>
+                  <a:schemeClr val="tx1">
+                    <a:lumMod val="75000"/>
+                    <a:lumOff val="25000"/>
+                  </a:schemeClr>
+                </a:solidFill>
+                <a:latin typeface="Consolas" panose="020B0609020204030204" pitchFamily="49" charset="0"/>
+                <a:ea typeface="微软雅黑" panose="020B0503020204020204" pitchFamily="34" charset="-122"/>
+                <a:cs typeface="Courier New" pitchFamily="49" charset="0"/>
+              </a:rPr>
+              <a:t>}</a:t>
+            </a:r>
+          </a:p>
+          <a:p>
+            <a:pPr marL="0" indent="0" eaLnBrk="1" hangingPunct="1">
+              <a:buClr>
+                <a:srgbClr val="00B0F0"/>
+              </a:buClr>
+            </a:pPr>
             <a:endParaRPr lang="en-US" altLang="zh-CN" sz="2200" b="1">
               <a:solidFill>
                 <a:schemeClr val="tx1">
@@ -26219,7 +24498,7 @@
                 <a:ea typeface="微软雅黑" panose="020B0503020204020204" pitchFamily="34" charset="-122"/>
                 <a:cs typeface="Courier New" pitchFamily="49" charset="0"/>
               </a:rPr>
-              <a:t>    cout &lt;&lt; m_kPi &lt;&lt; " " &lt;&lt; r;</a:t>
+              <a:t>void Math::set(double dval) {</a:t>
             </a:r>
           </a:p>
           <a:p>
@@ -26229,7 +24508,28 @@
               </a:buClr>
             </a:pPr>
             <a:r>
-              <a:rPr lang="en-US" altLang="zh-CN" sz="2200" b="1" smtClean="0">
+              <a:rPr lang="en-US" altLang="zh-CN" sz="2200" b="1">
+                <a:solidFill>
+                  <a:schemeClr val="tx1">
+                    <a:lumMod val="75000"/>
+                    <a:lumOff val="25000"/>
+                  </a:schemeClr>
+                </a:solidFill>
+                <a:latin typeface="Consolas" panose="020B0609020204030204" pitchFamily="49" charset="0"/>
+                <a:ea typeface="微软雅黑" panose="020B0503020204020204" pitchFamily="34" charset="-122"/>
+                <a:cs typeface="Courier New" pitchFamily="49" charset="0"/>
+              </a:rPr>
+              <a:t>    m_iFirst = dval;</a:t>
+            </a:r>
+          </a:p>
+          <a:p>
+            <a:pPr marL="0" indent="0" eaLnBrk="1" hangingPunct="1">
+              <a:buClr>
+                <a:srgbClr val="00B0F0"/>
+              </a:buClr>
+            </a:pPr>
+            <a:r>
+              <a:rPr lang="en-US" altLang="zh-CN" sz="2200" b="1">
                 <a:solidFill>
                   <a:schemeClr val="tx1">
                     <a:lumMod val="75000"/>
@@ -26279,139 +24579,8 @@
                 <a:ea typeface="微软雅黑" panose="020B0503020204020204" pitchFamily="34" charset="-122"/>
                 <a:cs typeface="Courier New" pitchFamily="49" charset="0"/>
               </a:rPr>
-              <a:t>void Math::set(double dval</a:t>
-            </a:r>
-            <a:r>
-              <a:rPr lang="en-US" altLang="zh-CN" sz="2200" b="1" smtClean="0">
-                <a:solidFill>
-                  <a:schemeClr val="tx1">
-                    <a:lumMod val="75000"/>
-                    <a:lumOff val="25000"/>
-                  </a:schemeClr>
-                </a:solidFill>
-                <a:latin typeface="Consolas" panose="020B0609020204030204" pitchFamily="49" charset="0"/>
-                <a:ea typeface="微软雅黑" panose="020B0503020204020204" pitchFamily="34" charset="-122"/>
-                <a:cs typeface="Courier New" pitchFamily="49" charset="0"/>
-              </a:rPr>
-              <a:t>) {</a:t>
-            </a:r>
-            <a:endParaRPr lang="en-US" altLang="zh-CN" sz="2200" b="1">
-              <a:solidFill>
-                <a:schemeClr val="tx1">
-                  <a:lumMod val="75000"/>
-                  <a:lumOff val="25000"/>
-                </a:schemeClr>
-              </a:solidFill>
-              <a:latin typeface="Consolas" panose="020B0609020204030204" pitchFamily="49" charset="0"/>
-              <a:ea typeface="微软雅黑" panose="020B0503020204020204" pitchFamily="34" charset="-122"/>
-              <a:cs typeface="Courier New" pitchFamily="49" charset="0"/>
-            </a:endParaRPr>
-          </a:p>
-          <a:p>
-            <a:pPr marL="0" indent="0" eaLnBrk="1" hangingPunct="1">
-              <a:buClr>
-                <a:srgbClr val="00B0F0"/>
-              </a:buClr>
-            </a:pPr>
-            <a:r>
-              <a:rPr lang="en-US" altLang="zh-CN" sz="2200" b="1">
-                <a:solidFill>
-                  <a:schemeClr val="tx1">
-                    <a:lumMod val="75000"/>
-                    <a:lumOff val="25000"/>
-                  </a:schemeClr>
-                </a:solidFill>
-                <a:latin typeface="Consolas" panose="020B0609020204030204" pitchFamily="49" charset="0"/>
-                <a:ea typeface="微软雅黑" panose="020B0503020204020204" pitchFamily="34" charset="-122"/>
-                <a:cs typeface="Courier New" pitchFamily="49" charset="0"/>
-              </a:rPr>
-              <a:t>    m_iFirst = dval;</a:t>
-            </a:r>
-          </a:p>
-          <a:p>
-            <a:pPr marL="0" indent="0" eaLnBrk="1" hangingPunct="1">
-              <a:buClr>
-                <a:srgbClr val="00B0F0"/>
-              </a:buClr>
-            </a:pPr>
-            <a:r>
-              <a:rPr lang="en-US" altLang="zh-CN" sz="2200" b="1" smtClean="0">
-                <a:solidFill>
-                  <a:schemeClr val="tx1">
-                    <a:lumMod val="75000"/>
-                    <a:lumOff val="25000"/>
-                  </a:schemeClr>
-                </a:solidFill>
-                <a:latin typeface="Consolas" panose="020B0609020204030204" pitchFamily="49" charset="0"/>
-                <a:ea typeface="微软雅黑" panose="020B0503020204020204" pitchFamily="34" charset="-122"/>
-                <a:cs typeface="Courier New" pitchFamily="49" charset="0"/>
-              </a:rPr>
-              <a:t>}</a:t>
-            </a:r>
-          </a:p>
-          <a:p>
-            <a:pPr marL="0" indent="0" eaLnBrk="1" hangingPunct="1">
-              <a:buClr>
-                <a:srgbClr val="00B0F0"/>
-              </a:buClr>
-            </a:pPr>
-            <a:endParaRPr lang="en-US" altLang="zh-CN" sz="2200" b="1">
-              <a:solidFill>
-                <a:schemeClr val="tx1">
-                  <a:lumMod val="75000"/>
-                  <a:lumOff val="25000"/>
-                </a:schemeClr>
-              </a:solidFill>
-              <a:latin typeface="Consolas" panose="020B0609020204030204" pitchFamily="49" charset="0"/>
-              <a:ea typeface="微软雅黑" panose="020B0503020204020204" pitchFamily="34" charset="-122"/>
-              <a:cs typeface="Courier New" pitchFamily="49" charset="0"/>
-            </a:endParaRPr>
-          </a:p>
-          <a:p>
-            <a:pPr marL="0" indent="0" eaLnBrk="1" hangingPunct="1">
-              <a:buClr>
-                <a:srgbClr val="00B0F0"/>
-              </a:buClr>
-            </a:pPr>
-            <a:r>
-              <a:rPr lang="en-US" altLang="zh-CN" sz="2200" b="1">
-                <a:solidFill>
-                  <a:schemeClr val="tx1">
-                    <a:lumMod val="75000"/>
-                    <a:lumOff val="25000"/>
-                  </a:schemeClr>
-                </a:solidFill>
-                <a:latin typeface="Consolas" panose="020B0609020204030204" pitchFamily="49" charset="0"/>
-                <a:ea typeface="微软雅黑" panose="020B0503020204020204" pitchFamily="34" charset="-122"/>
-                <a:cs typeface="Courier New" pitchFamily="49" charset="0"/>
-              </a:rPr>
-              <a:t>int </a:t>
-            </a:r>
-            <a:r>
-              <a:rPr lang="en-US" altLang="zh-CN" sz="2200" b="1" smtClean="0">
-                <a:solidFill>
-                  <a:schemeClr val="tx1">
-                    <a:lumMod val="75000"/>
-                    <a:lumOff val="25000"/>
-                  </a:schemeClr>
-                </a:solidFill>
-                <a:latin typeface="Consolas" panose="020B0609020204030204" pitchFamily="49" charset="0"/>
-                <a:ea typeface="微软雅黑" panose="020B0503020204020204" pitchFamily="34" charset="-122"/>
-                <a:cs typeface="Courier New" pitchFamily="49" charset="0"/>
-              </a:rPr>
-              <a:t>main(void) {</a:t>
-            </a:r>
-            <a:endParaRPr lang="en-US" altLang="zh-CN" sz="2200" b="1">
-              <a:solidFill>
-                <a:schemeClr val="tx1">
-                  <a:lumMod val="75000"/>
-                  <a:lumOff val="25000"/>
-                </a:schemeClr>
-              </a:solidFill>
-              <a:latin typeface="Consolas" panose="020B0609020204030204" pitchFamily="49" charset="0"/>
-              <a:ea typeface="微软雅黑" panose="020B0503020204020204" pitchFamily="34" charset="-122"/>
-              <a:cs typeface="Courier New" pitchFamily="49" charset="0"/>
-            </a:endParaRPr>
+              <a:t>int main(void) {</a:t>
+            </a:r>
           </a:p>
           <a:p>
             <a:pPr marL="0" indent="0" eaLnBrk="1" hangingPunct="1">
@@ -26570,17 +24739,6 @@
               </a:spcBef>
             </a:pPr>
             <a:r>
-              <a:rPr lang="zh-CN" altLang="en-US" sz="3200" b="1" smtClean="0">
-                <a:solidFill>
-                  <a:schemeClr val="tx1">
-                    <a:lumMod val="75000"/>
-                    <a:lumOff val="25000"/>
-                  </a:schemeClr>
-                </a:solidFill>
-              </a:rPr>
-              <a:t>常数</a:t>
-            </a:r>
-            <a:r>
               <a:rPr lang="zh-CN" altLang="en-US" sz="3200" b="1">
                 <a:solidFill>
                   <a:schemeClr val="tx1">
@@ -26589,18 +24747,7 @@
                   </a:schemeClr>
                 </a:solidFill>
               </a:rPr>
-              <a:t>据</a:t>
-            </a:r>
-            <a:r>
-              <a:rPr lang="zh-CN" altLang="en-US" sz="3200" b="1" smtClean="0">
-                <a:solidFill>
-                  <a:schemeClr val="tx1">
-                    <a:lumMod val="75000"/>
-                    <a:lumOff val="25000"/>
-                  </a:schemeClr>
-                </a:solidFill>
-              </a:rPr>
-              <a:t>成员</a:t>
+              <a:t>常数据成员</a:t>
             </a:r>
             <a:r>
               <a:rPr lang="zh-CN" altLang="en-US" sz="3200">
@@ -26611,29 +24758,7 @@
                   </a:schemeClr>
                 </a:solidFill>
               </a:rPr>
-              <a:t>：</a:t>
-            </a:r>
-            <a:r>
-              <a:rPr lang="zh-CN" altLang="en-US" sz="3200" smtClean="0">
-                <a:solidFill>
-                  <a:schemeClr val="tx1">
-                    <a:lumMod val="75000"/>
-                    <a:lumOff val="25000"/>
-                  </a:schemeClr>
-                </a:solidFill>
-              </a:rPr>
-              <a:t>如果</a:t>
-            </a:r>
-            <a:r>
-              <a:rPr lang="zh-CN" altLang="en-US" sz="3200">
-                <a:solidFill>
-                  <a:schemeClr val="tx1">
-                    <a:lumMod val="75000"/>
-                    <a:lumOff val="25000"/>
-                  </a:schemeClr>
-                </a:solidFill>
-              </a:rPr>
-              <a:t>类中的某些属性为常量，则将其设定为常数据成员</a:t>
+              <a:t>：如果类中的某些属性为常量，则将其设定为常数据成员</a:t>
             </a:r>
           </a:p>
         </p:txBody>
@@ -26648,13 +24773,6 @@
   <p:clrMapOvr>
     <a:masterClrMapping/>
   </p:clrMapOvr>
-  <p:timing>
-    <p:tnLst>
-      <p:par>
-        <p:cTn id="1" dur="indefinite" restart="never" nodeType="tmRoot"/>
-      </p:par>
-    </p:tnLst>
-  </p:timing>
 </p:sld>
 </file>
 
@@ -26740,7 +24858,7 @@
               <a:buNone/>
             </a:pPr>
             <a:r>
-              <a:rPr lang="en-US" altLang="zh-CN" sz="3200" smtClean="0">
+              <a:rPr lang="en-US" altLang="zh-CN" sz="3200">
                 <a:solidFill>
                   <a:srgbClr val="C00000"/>
                 </a:solidFill>
@@ -26748,7 +24866,7 @@
               <a:t>[</a:t>
             </a:r>
             <a:r>
-              <a:rPr lang="zh-CN" altLang="en-US" sz="3200" smtClean="0">
+              <a:rPr lang="zh-CN" altLang="en-US" sz="3200">
                 <a:solidFill>
                   <a:srgbClr val="C00000"/>
                 </a:solidFill>
@@ -26756,7 +24874,7 @@
               <a:t>注意</a:t>
             </a:r>
             <a:r>
-              <a:rPr lang="en-US" altLang="zh-CN" sz="3200" smtClean="0">
+              <a:rPr lang="en-US" altLang="zh-CN" sz="3200">
                 <a:solidFill>
                   <a:srgbClr val="C00000"/>
                 </a:solidFill>
@@ -26781,20 +24899,12 @@
               <a:buChar char="Ø"/>
             </a:pPr>
             <a:r>
-              <a:rPr lang="zh-CN" altLang="en-US" sz="3200" smtClean="0">
+              <a:rPr lang="zh-CN" altLang="en-US" sz="3200">
                 <a:solidFill>
                   <a:srgbClr val="C00000"/>
                 </a:solidFill>
               </a:rPr>
-              <a:t>常</a:t>
-            </a:r>
-            <a:r>
-              <a:rPr lang="zh-CN" altLang="en-US" sz="3200">
-                <a:solidFill>
-                  <a:srgbClr val="C00000"/>
-                </a:solidFill>
-              </a:rPr>
-              <a:t>成员和引用成员必须通过初始化列表赋初值</a:t>
+              <a:t>常成员和引用成员必须通过初始化列表赋初值</a:t>
             </a:r>
           </a:p>
           <a:p>
@@ -26810,7 +24920,7 @@
               <a:buFont typeface="Wingdings" panose="05000000000000000000" pitchFamily="2" charset="2"/>
               <a:buChar char="Ø"/>
             </a:pPr>
-            <a:endParaRPr lang="en-US" altLang="zh-CN" sz="3200" smtClean="0">
+            <a:endParaRPr lang="en-US" altLang="zh-CN" sz="3200">
               <a:solidFill>
                 <a:schemeClr val="tx1">
                   <a:lumMod val="75000"/>
@@ -26832,7 +24942,7 @@
               <a:buFont typeface="Wingdings" panose="05000000000000000000" pitchFamily="2" charset="2"/>
               <a:buChar char="Ø"/>
             </a:pPr>
-            <a:endParaRPr lang="en-US" altLang="zh-CN" sz="3200" smtClean="0">
+            <a:endParaRPr lang="en-US" altLang="zh-CN" sz="3200">
               <a:solidFill>
                 <a:schemeClr val="tx1">
                   <a:lumMod val="75000"/>
@@ -26855,17 +24965,6 @@
               <a:buChar char="Ø"/>
             </a:pPr>
             <a:r>
-              <a:rPr lang="zh-CN" altLang="en-US" sz="3200" smtClean="0">
-                <a:solidFill>
-                  <a:schemeClr val="tx1">
-                    <a:lumMod val="75000"/>
-                    <a:lumOff val="25000"/>
-                  </a:schemeClr>
-                </a:solidFill>
-              </a:rPr>
-              <a:t>常数</a:t>
-            </a:r>
-            <a:r>
               <a:rPr lang="zh-CN" altLang="en-US" sz="3200">
                 <a:solidFill>
                   <a:schemeClr val="tx1">
@@ -26874,7 +24973,7 @@
                   </a:schemeClr>
                 </a:solidFill>
               </a:rPr>
-              <a:t>据成员是常量不能被修改</a:t>
+              <a:t>常数据成员是常量不能被修改</a:t>
             </a:r>
           </a:p>
         </p:txBody>
@@ -26938,7 +25037,7 @@
               <a:defRPr/>
             </a:pPr>
             <a:r>
-              <a:rPr lang="en-US" altLang="zh-CN" sz="2800" b="1" smtClean="0">
+              <a:rPr lang="en-US" altLang="zh-CN" sz="2800" b="1">
                 <a:solidFill>
                   <a:schemeClr val="tx1">
                     <a:lumMod val="75000"/>
@@ -26949,43 +25048,18 @@
                 <a:ea typeface="微软雅黑" panose="020B0503020204020204" pitchFamily="34" charset="-122"/>
                 <a:cs typeface="Courier New" pitchFamily="49" charset="0"/>
               </a:rPr>
-              <a:t>Math</a:t>
+              <a:t>Math::Math() </a:t>
             </a:r>
             <a:r>
               <a:rPr lang="en-US" altLang="zh-CN" sz="2800" b="1">
                 <a:solidFill>
-                  <a:schemeClr val="tx1">
-                    <a:lumMod val="75000"/>
-                    <a:lumOff val="25000"/>
-                  </a:schemeClr>
+                  <a:srgbClr val="C00000"/>
                 </a:solidFill>
                 <a:latin typeface="Consolas" panose="020B0609020204030204" pitchFamily="49" charset="0"/>
                 <a:ea typeface="微软雅黑" panose="020B0503020204020204" pitchFamily="34" charset="-122"/>
                 <a:cs typeface="Courier New" pitchFamily="49" charset="0"/>
               </a:rPr>
-              <a:t>::Math() </a:t>
-            </a:r>
-            <a:r>
-              <a:rPr lang="en-US" altLang="zh-CN" sz="2800" b="1" smtClean="0">
-                <a:solidFill>
-                  <a:srgbClr val="C00000"/>
-                </a:solidFill>
-                <a:latin typeface="Consolas" panose="020B0609020204030204" pitchFamily="49" charset="0"/>
-                <a:ea typeface="微软雅黑" panose="020B0503020204020204" pitchFamily="34" charset="-122"/>
-                <a:cs typeface="Courier New" pitchFamily="49" charset="0"/>
-              </a:rPr>
-              <a:t>: m_kPi(3.14), r(m_kPi</a:t>
-            </a:r>
-            <a:r>
-              <a:rPr lang="en-US" altLang="zh-CN" sz="2800" b="1">
-                <a:solidFill>
-                  <a:srgbClr val="C00000"/>
-                </a:solidFill>
-                <a:latin typeface="Consolas" panose="020B0609020204030204" pitchFamily="49" charset="0"/>
-                <a:ea typeface="微软雅黑" panose="020B0503020204020204" pitchFamily="34" charset="-122"/>
-                <a:cs typeface="Courier New" pitchFamily="49" charset="0"/>
-              </a:rPr>
-              <a:t>)</a:t>
+              <a:t>: m_kPi(3.14), r(m_kPi)</a:t>
             </a:r>
           </a:p>
           <a:p>
@@ -27158,7 +25232,7 @@
               <a:t>    </a:t>
             </a:r>
             <a:r>
-              <a:rPr lang="en-US" altLang="zh-CN" sz="2800" b="1" smtClean="0">
+              <a:rPr lang="en-US" altLang="zh-CN" sz="2800" b="1">
                 <a:solidFill>
                   <a:srgbClr val="C00000"/>
                 </a:solidFill>
@@ -27166,18 +25240,7 @@
                 <a:ea typeface="微软雅黑" panose="020B0503020204020204" pitchFamily="34" charset="-122"/>
                 <a:cs typeface="Courier New" pitchFamily="49" charset="0"/>
               </a:rPr>
-              <a:t>// m_kPi </a:t>
-            </a:r>
-            <a:r>
-              <a:rPr lang="en-US" altLang="zh-CN" sz="2800" b="1">
-                <a:solidFill>
-                  <a:srgbClr val="C00000"/>
-                </a:solidFill>
-                <a:latin typeface="Consolas" panose="020B0609020204030204" pitchFamily="49" charset="0"/>
-                <a:ea typeface="微软雅黑" panose="020B0503020204020204" pitchFamily="34" charset="-122"/>
-                <a:cs typeface="Courier New" pitchFamily="49" charset="0"/>
-              </a:rPr>
-              <a:t>= ival;error</a:t>
+              <a:t>// m_kPi = ival;error</a:t>
             </a:r>
           </a:p>
           <a:p>
@@ -27211,13 +25274,6 @@
   <p:clrMapOvr>
     <a:masterClrMapping/>
   </p:clrMapOvr>
-  <p:timing>
-    <p:tnLst>
-      <p:par>
-        <p:cTn id="1" dur="indefinite" restart="never" nodeType="tmRoot"/>
-      </p:par>
-    </p:tnLst>
-  </p:timing>
 </p:sld>
 </file>
 
@@ -27428,27 +25484,8 @@
                   </a:schemeClr>
                 </a:solidFill>
               </a:rPr>
-              <a:t>与类的结合</a:t>
-            </a:r>
-            <a:r>
-              <a:rPr lang="zh-CN" altLang="en-US" sz="3000" smtClean="0">
-                <a:solidFill>
-                  <a:schemeClr val="tx1">
-                    <a:lumMod val="75000"/>
-                    <a:lumOff val="25000"/>
-                  </a:schemeClr>
-                </a:solidFill>
-              </a:rPr>
-              <a:t>使用</a:t>
-            </a:r>
-            <a:endParaRPr lang="zh-CN" altLang="en-US" sz="3000">
-              <a:solidFill>
-                <a:schemeClr val="tx1">
-                  <a:lumMod val="75000"/>
-                  <a:lumOff val="25000"/>
-                </a:schemeClr>
-              </a:solidFill>
-            </a:endParaRPr>
+              <a:t>与类的结合使用</a:t>
+            </a:r>
           </a:p>
         </p:txBody>
       </p:sp>
@@ -27462,13 +25499,6 @@
   <p:clrMapOvr>
     <a:masterClrMapping/>
   </p:clrMapOvr>
-  <p:timing>
-    <p:tnLst>
-      <p:par>
-        <p:cTn id="1" dur="indefinite" restart="never" nodeType="tmRoot"/>
-      </p:par>
-    </p:tnLst>
-  </p:timing>
 </p:sld>
 </file>
 
@@ -27519,10 +25549,9 @@
               <a:t>- </a:t>
             </a:r>
             <a:r>
-              <a:rPr lang="zh-CN" altLang="en-US" smtClean="0"/>
+              <a:rPr lang="zh-CN" altLang="en-US"/>
               <a:t>常成员函数</a:t>
             </a:r>
-            <a:endParaRPr lang="zh-CN" altLang="en-US"/>
           </a:p>
         </p:txBody>
       </p:sp>
@@ -27567,20 +25596,9 @@
                   </a:schemeClr>
                 </a:solidFill>
               </a:rPr>
-              <a:t>常成员</a:t>
-            </a:r>
-            <a:r>
-              <a:rPr lang="zh-CN" altLang="en-US" sz="3600" b="1" smtClean="0">
-                <a:solidFill>
-                  <a:schemeClr val="tx1">
-                    <a:lumMod val="75000"/>
-                    <a:lumOff val="25000"/>
-                  </a:schemeClr>
-                </a:solidFill>
-              </a:rPr>
-              <a:t>函数</a:t>
-            </a:r>
-            <a:endParaRPr lang="en-US" altLang="zh-CN" sz="3600" b="1" smtClean="0">
+              <a:t>常成员函数</a:t>
+            </a:r>
+            <a:endParaRPr lang="en-US" altLang="zh-CN" sz="3600" b="1">
               <a:solidFill>
                 <a:schemeClr val="tx1">
                   <a:lumMod val="75000"/>
@@ -27800,27 +25818,8 @@
                   </a:schemeClr>
                 </a:solidFill>
               </a:rPr>
-              <a:t>静态成员函数不能声明为常成员</a:t>
-            </a:r>
-            <a:r>
-              <a:rPr lang="zh-CN" altLang="en-US" sz="3200" smtClean="0">
-                <a:solidFill>
-                  <a:schemeClr val="tx1">
-                    <a:lumMod val="75000"/>
-                    <a:lumOff val="25000"/>
-                  </a:schemeClr>
-                </a:solidFill>
-              </a:rPr>
-              <a:t>函数</a:t>
-            </a:r>
-            <a:endParaRPr lang="zh-CN" altLang="en-US" sz="3200">
-              <a:solidFill>
-                <a:schemeClr val="tx1">
-                  <a:lumMod val="75000"/>
-                  <a:lumOff val="25000"/>
-                </a:schemeClr>
-              </a:solidFill>
-            </a:endParaRPr>
+              <a:t>静态成员函数不能声明为常成员函数</a:t>
+            </a:r>
           </a:p>
         </p:txBody>
       </p:sp>
@@ -27927,13 +25926,6 @@
   <p:clrMapOvr>
     <a:masterClrMapping/>
   </p:clrMapOvr>
-  <p:timing>
-    <p:tnLst>
-      <p:par>
-        <p:cTn id="1" dur="indefinite" restart="never" nodeType="tmRoot"/>
-      </p:par>
-    </p:tnLst>
-  </p:timing>
 </p:sld>
 </file>
 
@@ -28219,33 +26211,8 @@
                 <a:ea typeface="微软雅黑" panose="020B0503020204020204" pitchFamily="34" charset="-122"/>
                 <a:cs typeface="Courier New" pitchFamily="49" charset="0"/>
               </a:rPr>
-              <a:t>class </a:t>
-            </a:r>
-            <a:r>
-              <a:rPr lang="en-US" altLang="zh-CN" sz="2200" b="1" smtClean="0">
-                <a:solidFill>
-                  <a:schemeClr val="tx1">
-                    <a:lumMod val="75000"/>
-                    <a:lumOff val="25000"/>
-                  </a:schemeClr>
-                </a:solidFill>
-                <a:latin typeface="Consolas" panose="020B0609020204030204" pitchFamily="49" charset="0"/>
-                <a:ea typeface="微软雅黑" panose="020B0503020204020204" pitchFamily="34" charset="-122"/>
-                <a:cs typeface="Courier New" pitchFamily="49" charset="0"/>
-              </a:rPr>
-              <a:t>Math {</a:t>
-            </a:r>
-            <a:endParaRPr lang="en-US" altLang="zh-CN" sz="2200" b="1">
-              <a:solidFill>
-                <a:schemeClr val="tx1">
-                  <a:lumMod val="75000"/>
-                  <a:lumOff val="25000"/>
-                </a:schemeClr>
-              </a:solidFill>
-              <a:latin typeface="Consolas" panose="020B0609020204030204" pitchFamily="49" charset="0"/>
-              <a:ea typeface="微软雅黑" panose="020B0503020204020204" pitchFamily="34" charset="-122"/>
-              <a:cs typeface="Courier New" pitchFamily="49" charset="0"/>
-            </a:endParaRPr>
+              <a:t>class Math {</a:t>
+            </a:r>
           </a:p>
           <a:p>
             <a:pPr marL="0" indent="0" eaLnBrk="1" hangingPunct="1">
@@ -28464,7 +26431,7 @@
               </a:buClr>
             </a:pPr>
             <a:r>
-              <a:rPr lang="en-US" altLang="zh-CN" sz="2200" b="1" smtClean="0">
+              <a:rPr lang="en-US" altLang="zh-CN" sz="2200" b="1">
                 <a:solidFill>
                   <a:schemeClr val="tx1">
                     <a:lumMod val="75000"/>
@@ -28475,35 +26442,7 @@
                 <a:ea typeface="微软雅黑" panose="020B0503020204020204" pitchFamily="34" charset="-122"/>
                 <a:cs typeface="Courier New" pitchFamily="49" charset="0"/>
               </a:rPr>
-              <a:t>    :</a:t>
-            </a:r>
-            <a:r>
-              <a:rPr lang="en-US" altLang="zh-CN" sz="2200" b="1">
-                <a:solidFill>
-                  <a:schemeClr val="tx1">
-                    <a:lumMod val="75000"/>
-                    <a:lumOff val="25000"/>
-                  </a:schemeClr>
-                </a:solidFill>
-                <a:latin typeface="Consolas" panose="020B0609020204030204" pitchFamily="49" charset="0"/>
-                <a:ea typeface="微软雅黑" panose="020B0503020204020204" pitchFamily="34" charset="-122"/>
-                <a:cs typeface="Courier New" pitchFamily="49" charset="0"/>
-              </a:rPr>
-              <a:t>m_kPi(3.14</a:t>
-            </a:r>
-            <a:r>
-              <a:rPr lang="en-US" altLang="zh-CN" sz="2200" b="1" smtClean="0">
-                <a:solidFill>
-                  <a:schemeClr val="tx1">
-                    <a:lumMod val="75000"/>
-                    <a:lumOff val="25000"/>
-                  </a:schemeClr>
-                </a:solidFill>
-                <a:latin typeface="Consolas" panose="020B0609020204030204" pitchFamily="49" charset="0"/>
-                <a:ea typeface="微软雅黑" panose="020B0503020204020204" pitchFamily="34" charset="-122"/>
-                <a:cs typeface="Courier New" pitchFamily="49" charset="0"/>
-              </a:rPr>
-              <a:t>), r(m_kPi),</a:t>
+              <a:t>    :m_kPi(3.14), r(m_kPi),</a:t>
             </a:r>
           </a:p>
           <a:p>
@@ -28524,35 +26463,7 @@
                 <a:ea typeface="微软雅黑" panose="020B0503020204020204" pitchFamily="34" charset="-122"/>
                 <a:cs typeface="Courier New" pitchFamily="49" charset="0"/>
               </a:rPr>
-              <a:t> </a:t>
-            </a:r>
-            <a:r>
-              <a:rPr lang="en-US" altLang="zh-CN" sz="2200" b="1" smtClean="0">
-                <a:solidFill>
-                  <a:schemeClr val="tx1">
-                    <a:lumMod val="75000"/>
-                    <a:lumOff val="25000"/>
-                  </a:schemeClr>
-                </a:solidFill>
-                <a:latin typeface="Consolas" panose="020B0609020204030204" pitchFamily="49" charset="0"/>
-                <a:ea typeface="微软雅黑" panose="020B0503020204020204" pitchFamily="34" charset="-122"/>
-                <a:cs typeface="Courier New" pitchFamily="49" charset="0"/>
-              </a:rPr>
-              <a:t>    m_iFirst(arg</a:t>
-            </a:r>
-            <a:r>
-              <a:rPr lang="en-US" altLang="zh-CN" sz="2200" b="1">
-                <a:solidFill>
-                  <a:schemeClr val="tx1">
-                    <a:lumMod val="75000"/>
-                    <a:lumOff val="25000"/>
-                  </a:schemeClr>
-                </a:solidFill>
-                <a:latin typeface="Consolas" panose="020B0609020204030204" pitchFamily="49" charset="0"/>
-                <a:ea typeface="微软雅黑" panose="020B0503020204020204" pitchFamily="34" charset="-122"/>
-                <a:cs typeface="Courier New" pitchFamily="49" charset="0"/>
-              </a:rPr>
-              <a:t>)</a:t>
+              <a:t>     m_iFirst(arg)</a:t>
             </a:r>
           </a:p>
           <a:p>
@@ -28562,7 +26473,7 @@
               </a:buClr>
             </a:pPr>
             <a:r>
-              <a:rPr lang="en-US" altLang="zh-CN" sz="2200" b="1" smtClean="0">
+              <a:rPr lang="en-US" altLang="zh-CN" sz="2200" b="1">
                 <a:solidFill>
                   <a:schemeClr val="tx1">
                     <a:lumMod val="75000"/>
@@ -28575,17 +26486,6 @@
               </a:rPr>
               <a:t>{}</a:t>
             </a:r>
-            <a:endParaRPr lang="en-US" altLang="zh-CN" sz="2200" b="1">
-              <a:solidFill>
-                <a:schemeClr val="tx1">
-                  <a:lumMod val="75000"/>
-                  <a:lumOff val="25000"/>
-                </a:schemeClr>
-              </a:solidFill>
-              <a:latin typeface="Consolas" panose="020B0609020204030204" pitchFamily="49" charset="0"/>
-              <a:ea typeface="微软雅黑" panose="020B0503020204020204" pitchFamily="34" charset="-122"/>
-              <a:cs typeface="Courier New" pitchFamily="49" charset="0"/>
-            </a:endParaRPr>
           </a:p>
         </p:txBody>
       </p:sp>
@@ -28758,10 +26658,17 @@
                 <a:ea typeface="微软雅黑" panose="020B0503020204020204" pitchFamily="34" charset="-122"/>
                 <a:cs typeface="Courier New" pitchFamily="49" charset="0"/>
               </a:rPr>
-              <a:t>void Math::print</a:t>
-            </a:r>
-            <a:r>
-              <a:rPr lang="en-US" altLang="zh-CN" sz="2200" b="1" smtClean="0">
+              <a:t>void Math::print() const {</a:t>
+            </a:r>
+          </a:p>
+          <a:p>
+            <a:pPr marL="0" indent="0" eaLnBrk="1" hangingPunct="1">
+              <a:buClr>
+                <a:srgbClr val="00B0F0"/>
+              </a:buClr>
+            </a:pPr>
+            <a:r>
+              <a:rPr lang="en-US" altLang="zh-CN" sz="2200" b="1">
                 <a:solidFill>
                   <a:schemeClr val="tx1">
                     <a:lumMod val="75000"/>
@@ -28772,8 +26679,68 @@
                 <a:ea typeface="微软雅黑" panose="020B0503020204020204" pitchFamily="34" charset="-122"/>
                 <a:cs typeface="Courier New" pitchFamily="49" charset="0"/>
               </a:rPr>
-              <a:t>() const {</a:t>
-            </a:r>
+              <a:t>    </a:t>
+            </a:r>
+            <a:r>
+              <a:rPr lang="en-US" altLang="zh-CN" sz="2200" b="1">
+                <a:solidFill>
+                  <a:srgbClr val="C00000"/>
+                </a:solidFill>
+                <a:latin typeface="Consolas" panose="020B0609020204030204" pitchFamily="49" charset="0"/>
+                <a:ea typeface="微软雅黑" panose="020B0503020204020204" pitchFamily="34" charset="-122"/>
+                <a:cs typeface="Courier New" pitchFamily="49" charset="0"/>
+              </a:rPr>
+              <a:t>//set(3.4);</a:t>
+            </a:r>
+          </a:p>
+          <a:p>
+            <a:pPr marL="0" indent="0" eaLnBrk="1" hangingPunct="1">
+              <a:buClr>
+                <a:srgbClr val="00B0F0"/>
+              </a:buClr>
+            </a:pPr>
+            <a:r>
+              <a:rPr lang="en-US" altLang="zh-CN" sz="2200" b="1">
+                <a:solidFill>
+                  <a:schemeClr val="tx1">
+                    <a:lumMod val="75000"/>
+                    <a:lumOff val="25000"/>
+                  </a:schemeClr>
+                </a:solidFill>
+                <a:latin typeface="Consolas" panose="020B0609020204030204" pitchFamily="49" charset="0"/>
+                <a:ea typeface="微软雅黑" panose="020B0503020204020204" pitchFamily="34" charset="-122"/>
+                <a:cs typeface="Courier New" pitchFamily="49" charset="0"/>
+              </a:rPr>
+              <a:t>    cout &lt;&lt; m_kPi &lt;&lt; " " &lt;&lt; r;</a:t>
+            </a:r>
+          </a:p>
+          <a:p>
+            <a:pPr marL="0" indent="0" eaLnBrk="1" hangingPunct="1">
+              <a:buClr>
+                <a:srgbClr val="00B0F0"/>
+              </a:buClr>
+            </a:pPr>
+            <a:r>
+              <a:rPr lang="en-US" altLang="zh-CN" sz="2200" b="1">
+                <a:solidFill>
+                  <a:schemeClr val="tx1">
+                    <a:lumMod val="75000"/>
+                    <a:lumOff val="25000"/>
+                  </a:schemeClr>
+                </a:solidFill>
+                <a:latin typeface="Consolas" panose="020B0609020204030204" pitchFamily="49" charset="0"/>
+                <a:ea typeface="微软雅黑" panose="020B0503020204020204" pitchFamily="34" charset="-122"/>
+                <a:cs typeface="Courier New" pitchFamily="49" charset="0"/>
+              </a:rPr>
+              <a:t>}</a:t>
+            </a:r>
+          </a:p>
+          <a:p>
+            <a:pPr marL="0" indent="0" eaLnBrk="1" hangingPunct="1">
+              <a:buClr>
+                <a:srgbClr val="00B0F0"/>
+              </a:buClr>
+            </a:pPr>
             <a:endParaRPr lang="en-US" altLang="zh-CN" sz="2200" b="1">
               <a:solidFill>
                 <a:schemeClr val="tx1">
@@ -28804,18 +26771,7 @@
                 <a:ea typeface="微软雅黑" panose="020B0503020204020204" pitchFamily="34" charset="-122"/>
                 <a:cs typeface="Courier New" pitchFamily="49" charset="0"/>
               </a:rPr>
-              <a:t>    </a:t>
-            </a:r>
-            <a:r>
-              <a:rPr lang="en-US" altLang="zh-CN" sz="2200" b="1">
-                <a:solidFill>
-                  <a:srgbClr val="C00000"/>
-                </a:solidFill>
-                <a:latin typeface="Consolas" panose="020B0609020204030204" pitchFamily="49" charset="0"/>
-                <a:ea typeface="微软雅黑" panose="020B0503020204020204" pitchFamily="34" charset="-122"/>
-                <a:cs typeface="Courier New" pitchFamily="49" charset="0"/>
-              </a:rPr>
-              <a:t>//set(3.4);</a:t>
+              <a:t>void Math::set(double dval) {</a:t>
             </a:r>
           </a:p>
           <a:p>
@@ -28836,7 +26792,7 @@
                 <a:ea typeface="微软雅黑" panose="020B0503020204020204" pitchFamily="34" charset="-122"/>
                 <a:cs typeface="Courier New" pitchFamily="49" charset="0"/>
               </a:rPr>
-              <a:t>    cout &lt;&lt; m_kPi &lt;&lt; " " &lt;&lt; r;</a:t>
+              <a:t>    m_iFirst = dval;</a:t>
             </a:r>
           </a:p>
           <a:p>
@@ -28846,7 +26802,7 @@
               </a:buClr>
             </a:pPr>
             <a:r>
-              <a:rPr lang="en-US" altLang="zh-CN" sz="2200" b="1" smtClean="0">
+              <a:rPr lang="en-US" altLang="zh-CN" sz="2200" b="1">
                 <a:solidFill>
                   <a:schemeClr val="tx1">
                     <a:lumMod val="75000"/>
@@ -28896,139 +26852,8 @@
                 <a:ea typeface="微软雅黑" panose="020B0503020204020204" pitchFamily="34" charset="-122"/>
                 <a:cs typeface="Courier New" pitchFamily="49" charset="0"/>
               </a:rPr>
-              <a:t>void Math::set(double dval</a:t>
-            </a:r>
-            <a:r>
-              <a:rPr lang="en-US" altLang="zh-CN" sz="2200" b="1" smtClean="0">
-                <a:solidFill>
-                  <a:schemeClr val="tx1">
-                    <a:lumMod val="75000"/>
-                    <a:lumOff val="25000"/>
-                  </a:schemeClr>
-                </a:solidFill>
-                <a:latin typeface="Consolas" panose="020B0609020204030204" pitchFamily="49" charset="0"/>
-                <a:ea typeface="微软雅黑" panose="020B0503020204020204" pitchFamily="34" charset="-122"/>
-                <a:cs typeface="Courier New" pitchFamily="49" charset="0"/>
-              </a:rPr>
-              <a:t>) {</a:t>
-            </a:r>
-            <a:endParaRPr lang="en-US" altLang="zh-CN" sz="2200" b="1">
-              <a:solidFill>
-                <a:schemeClr val="tx1">
-                  <a:lumMod val="75000"/>
-                  <a:lumOff val="25000"/>
-                </a:schemeClr>
-              </a:solidFill>
-              <a:latin typeface="Consolas" panose="020B0609020204030204" pitchFamily="49" charset="0"/>
-              <a:ea typeface="微软雅黑" panose="020B0503020204020204" pitchFamily="34" charset="-122"/>
-              <a:cs typeface="Courier New" pitchFamily="49" charset="0"/>
-            </a:endParaRPr>
-          </a:p>
-          <a:p>
-            <a:pPr marL="0" indent="0" eaLnBrk="1" hangingPunct="1">
-              <a:buClr>
-                <a:srgbClr val="00B0F0"/>
-              </a:buClr>
-            </a:pPr>
-            <a:r>
-              <a:rPr lang="en-US" altLang="zh-CN" sz="2200" b="1">
-                <a:solidFill>
-                  <a:schemeClr val="tx1">
-                    <a:lumMod val="75000"/>
-                    <a:lumOff val="25000"/>
-                  </a:schemeClr>
-                </a:solidFill>
-                <a:latin typeface="Consolas" panose="020B0609020204030204" pitchFamily="49" charset="0"/>
-                <a:ea typeface="微软雅黑" panose="020B0503020204020204" pitchFamily="34" charset="-122"/>
-                <a:cs typeface="Courier New" pitchFamily="49" charset="0"/>
-              </a:rPr>
-              <a:t>    m_iFirst = dval;</a:t>
-            </a:r>
-          </a:p>
-          <a:p>
-            <a:pPr marL="0" indent="0" eaLnBrk="1" hangingPunct="1">
-              <a:buClr>
-                <a:srgbClr val="00B0F0"/>
-              </a:buClr>
-            </a:pPr>
-            <a:r>
-              <a:rPr lang="en-US" altLang="zh-CN" sz="2200" b="1" smtClean="0">
-                <a:solidFill>
-                  <a:schemeClr val="tx1">
-                    <a:lumMod val="75000"/>
-                    <a:lumOff val="25000"/>
-                  </a:schemeClr>
-                </a:solidFill>
-                <a:latin typeface="Consolas" panose="020B0609020204030204" pitchFamily="49" charset="0"/>
-                <a:ea typeface="微软雅黑" panose="020B0503020204020204" pitchFamily="34" charset="-122"/>
-                <a:cs typeface="Courier New" pitchFamily="49" charset="0"/>
-              </a:rPr>
-              <a:t>}</a:t>
-            </a:r>
-          </a:p>
-          <a:p>
-            <a:pPr marL="0" indent="0" eaLnBrk="1" hangingPunct="1">
-              <a:buClr>
-                <a:srgbClr val="00B0F0"/>
-              </a:buClr>
-            </a:pPr>
-            <a:endParaRPr lang="en-US" altLang="zh-CN" sz="2200" b="1">
-              <a:solidFill>
-                <a:schemeClr val="tx1">
-                  <a:lumMod val="75000"/>
-                  <a:lumOff val="25000"/>
-                </a:schemeClr>
-              </a:solidFill>
-              <a:latin typeface="Consolas" panose="020B0609020204030204" pitchFamily="49" charset="0"/>
-              <a:ea typeface="微软雅黑" panose="020B0503020204020204" pitchFamily="34" charset="-122"/>
-              <a:cs typeface="Courier New" pitchFamily="49" charset="0"/>
-            </a:endParaRPr>
-          </a:p>
-          <a:p>
-            <a:pPr marL="0" indent="0" eaLnBrk="1" hangingPunct="1">
-              <a:buClr>
-                <a:srgbClr val="00B0F0"/>
-              </a:buClr>
-            </a:pPr>
-            <a:r>
-              <a:rPr lang="en-US" altLang="zh-CN" sz="2200" b="1">
-                <a:solidFill>
-                  <a:schemeClr val="tx1">
-                    <a:lumMod val="75000"/>
-                    <a:lumOff val="25000"/>
-                  </a:schemeClr>
-                </a:solidFill>
-                <a:latin typeface="Consolas" panose="020B0609020204030204" pitchFamily="49" charset="0"/>
-                <a:ea typeface="微软雅黑" panose="020B0503020204020204" pitchFamily="34" charset="-122"/>
-                <a:cs typeface="Courier New" pitchFamily="49" charset="0"/>
-              </a:rPr>
-              <a:t>int </a:t>
-            </a:r>
-            <a:r>
-              <a:rPr lang="en-US" altLang="zh-CN" sz="2200" b="1" smtClean="0">
-                <a:solidFill>
-                  <a:schemeClr val="tx1">
-                    <a:lumMod val="75000"/>
-                    <a:lumOff val="25000"/>
-                  </a:schemeClr>
-                </a:solidFill>
-                <a:latin typeface="Consolas" panose="020B0609020204030204" pitchFamily="49" charset="0"/>
-                <a:ea typeface="微软雅黑" panose="020B0503020204020204" pitchFamily="34" charset="-122"/>
-                <a:cs typeface="Courier New" pitchFamily="49" charset="0"/>
-              </a:rPr>
-              <a:t>main(void) {</a:t>
-            </a:r>
-            <a:endParaRPr lang="en-US" altLang="zh-CN" sz="2200" b="1">
-              <a:solidFill>
-                <a:schemeClr val="tx1">
-                  <a:lumMod val="75000"/>
-                  <a:lumOff val="25000"/>
-                </a:schemeClr>
-              </a:solidFill>
-              <a:latin typeface="Consolas" panose="020B0609020204030204" pitchFamily="49" charset="0"/>
-              <a:ea typeface="微软雅黑" panose="020B0503020204020204" pitchFamily="34" charset="-122"/>
-              <a:cs typeface="Courier New" pitchFamily="49" charset="0"/>
-            </a:endParaRPr>
+              <a:t>int main(void) {</a:t>
+            </a:r>
           </a:p>
           <a:p>
             <a:pPr marL="0" indent="0" eaLnBrk="1" hangingPunct="1">
@@ -29238,13 +27063,6 @@
   <p:clrMapOvr>
     <a:masterClrMapping/>
   </p:clrMapOvr>
-  <p:timing>
-    <p:tnLst>
-      <p:par>
-        <p:cTn id="1" dur="indefinite" restart="never" nodeType="tmRoot"/>
-      </p:par>
-    </p:tnLst>
-  </p:timing>
 </p:sld>
 </file>
 
@@ -29611,10 +27429,17 @@
                 <a:ea typeface="微软雅黑" panose="020B0503020204020204" pitchFamily="34" charset="-122"/>
                 <a:cs typeface="Courier New" pitchFamily="49" charset="0"/>
               </a:rPr>
-              <a:t>class </a:t>
-            </a:r>
-            <a:r>
-              <a:rPr lang="en-US" altLang="zh-CN" sz="2200" b="1" smtClean="0">
+              <a:t>class A {</a:t>
+            </a:r>
+          </a:p>
+          <a:p>
+            <a:pPr marL="0" indent="0" eaLnBrk="1" hangingPunct="1">
+              <a:buClr>
+                <a:srgbClr val="00B0F0"/>
+              </a:buClr>
+            </a:pPr>
+            <a:r>
+              <a:rPr lang="en-US" altLang="zh-CN" sz="2200" b="1">
                 <a:solidFill>
                   <a:schemeClr val="tx1">
                     <a:lumMod val="75000"/>
@@ -29625,8 +27450,78 @@
                 <a:ea typeface="微软雅黑" panose="020B0503020204020204" pitchFamily="34" charset="-122"/>
                 <a:cs typeface="Courier New" pitchFamily="49" charset="0"/>
               </a:rPr>
-              <a:t>A {</a:t>
-            </a:r>
+              <a:t>public:</a:t>
+            </a:r>
+          </a:p>
+          <a:p>
+            <a:pPr marL="0" indent="0" eaLnBrk="1" hangingPunct="1">
+              <a:buClr>
+                <a:srgbClr val="00B0F0"/>
+              </a:buClr>
+            </a:pPr>
+            <a:r>
+              <a:rPr lang="en-US" altLang="zh-CN" sz="2200" b="1">
+                <a:solidFill>
+                  <a:schemeClr val="tx1">
+                    <a:lumMod val="75000"/>
+                    <a:lumOff val="25000"/>
+                  </a:schemeClr>
+                </a:solidFill>
+                <a:latin typeface="Consolas" panose="020B0609020204030204" pitchFamily="49" charset="0"/>
+                <a:ea typeface="微软雅黑" panose="020B0503020204020204" pitchFamily="34" charset="-122"/>
+                <a:cs typeface="Courier New" pitchFamily="49" charset="0"/>
+              </a:rPr>
+              <a:t>    void print()const;</a:t>
+            </a:r>
+          </a:p>
+          <a:p>
+            <a:pPr marL="0" indent="0" eaLnBrk="1" hangingPunct="1">
+              <a:buClr>
+                <a:srgbClr val="00B0F0"/>
+              </a:buClr>
+            </a:pPr>
+            <a:r>
+              <a:rPr lang="en-US" altLang="zh-CN" sz="2200" b="1">
+                <a:solidFill>
+                  <a:schemeClr val="tx1">
+                    <a:lumMod val="75000"/>
+                    <a:lumOff val="25000"/>
+                  </a:schemeClr>
+                </a:solidFill>
+                <a:latin typeface="Consolas" panose="020B0609020204030204" pitchFamily="49" charset="0"/>
+                <a:ea typeface="微软雅黑" panose="020B0503020204020204" pitchFamily="34" charset="-122"/>
+                <a:cs typeface="Courier New" pitchFamily="49" charset="0"/>
+              </a:rPr>
+              <a:t>    void print();</a:t>
+            </a:r>
+          </a:p>
+          <a:p>
+            <a:pPr marL="0" indent="0" eaLnBrk="1" hangingPunct="1">
+              <a:buClr>
+                <a:srgbClr val="00B0F0"/>
+              </a:buClr>
+            </a:pPr>
+            <a:r>
+              <a:rPr lang="en-US" altLang="zh-CN" sz="2200" b="1">
+                <a:solidFill>
+                  <a:schemeClr val="tx1">
+                    <a:lumMod val="75000"/>
+                    <a:lumOff val="25000"/>
+                  </a:schemeClr>
+                </a:solidFill>
+                <a:latin typeface="Consolas" panose="020B0609020204030204" pitchFamily="49" charset="0"/>
+                <a:ea typeface="微软雅黑" panose="020B0503020204020204" pitchFamily="34" charset="-122"/>
+                <a:cs typeface="Courier New" pitchFamily="49" charset="0"/>
+              </a:rPr>
+              <a:t>};</a:t>
+            </a:r>
+          </a:p>
+          <a:p>
+            <a:pPr marL="0" indent="0" eaLnBrk="1" hangingPunct="1">
+              <a:buClr>
+                <a:srgbClr val="00B0F0"/>
+              </a:buClr>
+            </a:pPr>
             <a:endParaRPr lang="en-US" altLang="zh-CN" sz="2200" b="1">
               <a:solidFill>
                 <a:schemeClr val="tx1">
@@ -29657,7 +27552,32 @@
                 <a:ea typeface="微软雅黑" panose="020B0503020204020204" pitchFamily="34" charset="-122"/>
                 <a:cs typeface="Courier New" pitchFamily="49" charset="0"/>
               </a:rPr>
-              <a:t>public:</a:t>
+              <a:t>void A::print()</a:t>
+            </a:r>
+            <a:r>
+              <a:rPr lang="en-US" altLang="zh-CN" sz="2200" b="1">
+                <a:solidFill>
+                  <a:srgbClr val="C00000"/>
+                </a:solidFill>
+                <a:latin typeface="Consolas" panose="020B0609020204030204" pitchFamily="49" charset="0"/>
+                <a:ea typeface="微软雅黑" panose="020B0503020204020204" pitchFamily="34" charset="-122"/>
+                <a:cs typeface="Courier New" pitchFamily="49" charset="0"/>
+              </a:rPr>
+              <a:t> const </a:t>
+            </a:r>
+            <a:r>
+              <a:rPr lang="en-US" altLang="zh-CN" sz="2200" b="1">
+                <a:solidFill>
+                  <a:schemeClr val="tx1">
+                    <a:lumMod val="75000"/>
+                    <a:lumOff val="25000"/>
+                  </a:schemeClr>
+                </a:solidFill>
+                <a:latin typeface="Consolas" panose="020B0609020204030204" pitchFamily="49" charset="0"/>
+                <a:ea typeface="微软雅黑" panose="020B0503020204020204" pitchFamily="34" charset="-122"/>
+                <a:cs typeface="Courier New" pitchFamily="49" charset="0"/>
+              </a:rPr>
+              <a:t>{</a:t>
             </a:r>
           </a:p>
           <a:p>
@@ -29678,7 +27598,7 @@
                 <a:ea typeface="微软雅黑" panose="020B0503020204020204" pitchFamily="34" charset="-122"/>
                 <a:cs typeface="Courier New" pitchFamily="49" charset="0"/>
               </a:rPr>
-              <a:t>    void print()const;</a:t>
+              <a:t>    cout &lt;&lt; "const print be called" </a:t>
             </a:r>
           </a:p>
           <a:p>
@@ -29699,184 +27619,7 @@
                 <a:ea typeface="微软雅黑" panose="020B0503020204020204" pitchFamily="34" charset="-122"/>
                 <a:cs typeface="Courier New" pitchFamily="49" charset="0"/>
               </a:rPr>
-              <a:t>    void print();</a:t>
-            </a:r>
-          </a:p>
-          <a:p>
-            <a:pPr marL="0" indent="0" eaLnBrk="1" hangingPunct="1">
-              <a:buClr>
-                <a:srgbClr val="00B0F0"/>
-              </a:buClr>
-            </a:pPr>
-            <a:r>
-              <a:rPr lang="en-US" altLang="zh-CN" sz="2200" b="1">
-                <a:solidFill>
-                  <a:schemeClr val="tx1">
-                    <a:lumMod val="75000"/>
-                    <a:lumOff val="25000"/>
-                  </a:schemeClr>
-                </a:solidFill>
-                <a:latin typeface="Consolas" panose="020B0609020204030204" pitchFamily="49" charset="0"/>
-                <a:ea typeface="微软雅黑" panose="020B0503020204020204" pitchFamily="34" charset="-122"/>
-                <a:cs typeface="Courier New" pitchFamily="49" charset="0"/>
-              </a:rPr>
-              <a:t>};</a:t>
-            </a:r>
-          </a:p>
-          <a:p>
-            <a:pPr marL="0" indent="0" eaLnBrk="1" hangingPunct="1">
-              <a:buClr>
-                <a:srgbClr val="00B0F0"/>
-              </a:buClr>
-            </a:pPr>
-            <a:endParaRPr lang="en-US" altLang="zh-CN" sz="2200" b="1">
-              <a:solidFill>
-                <a:schemeClr val="tx1">
-                  <a:lumMod val="75000"/>
-                  <a:lumOff val="25000"/>
-                </a:schemeClr>
-              </a:solidFill>
-              <a:latin typeface="Consolas" panose="020B0609020204030204" pitchFamily="49" charset="0"/>
-              <a:ea typeface="微软雅黑" panose="020B0503020204020204" pitchFamily="34" charset="-122"/>
-              <a:cs typeface="Courier New" pitchFamily="49" charset="0"/>
-            </a:endParaRPr>
-          </a:p>
-          <a:p>
-            <a:pPr marL="0" indent="0" eaLnBrk="1" hangingPunct="1">
-              <a:buClr>
-                <a:srgbClr val="00B0F0"/>
-              </a:buClr>
-            </a:pPr>
-            <a:r>
-              <a:rPr lang="en-US" altLang="zh-CN" sz="2200" b="1">
-                <a:solidFill>
-                  <a:schemeClr val="tx1">
-                    <a:lumMod val="75000"/>
-                    <a:lumOff val="25000"/>
-                  </a:schemeClr>
-                </a:solidFill>
-                <a:latin typeface="Consolas" panose="020B0609020204030204" pitchFamily="49" charset="0"/>
-                <a:ea typeface="微软雅黑" panose="020B0503020204020204" pitchFamily="34" charset="-122"/>
-                <a:cs typeface="Courier New" pitchFamily="49" charset="0"/>
-              </a:rPr>
-              <a:t>void A::print</a:t>
-            </a:r>
-            <a:r>
-              <a:rPr lang="en-US" altLang="zh-CN" sz="2200" b="1" smtClean="0">
-                <a:solidFill>
-                  <a:schemeClr val="tx1">
-                    <a:lumMod val="75000"/>
-                    <a:lumOff val="25000"/>
-                  </a:schemeClr>
-                </a:solidFill>
-                <a:latin typeface="Consolas" panose="020B0609020204030204" pitchFamily="49" charset="0"/>
-                <a:ea typeface="微软雅黑" panose="020B0503020204020204" pitchFamily="34" charset="-122"/>
-                <a:cs typeface="Courier New" pitchFamily="49" charset="0"/>
-              </a:rPr>
-              <a:t>()</a:t>
-            </a:r>
-            <a:r>
-              <a:rPr lang="en-US" altLang="zh-CN" sz="2200" b="1" smtClean="0">
-                <a:solidFill>
-                  <a:srgbClr val="C00000"/>
-                </a:solidFill>
-                <a:latin typeface="Consolas" panose="020B0609020204030204" pitchFamily="49" charset="0"/>
-                <a:ea typeface="微软雅黑" panose="020B0503020204020204" pitchFamily="34" charset="-122"/>
-                <a:cs typeface="Courier New" pitchFamily="49" charset="0"/>
-              </a:rPr>
-              <a:t> const </a:t>
-            </a:r>
-            <a:r>
-              <a:rPr lang="en-US" altLang="zh-CN" sz="2200" b="1" smtClean="0">
-                <a:solidFill>
-                  <a:schemeClr val="tx1">
-                    <a:lumMod val="75000"/>
-                    <a:lumOff val="25000"/>
-                  </a:schemeClr>
-                </a:solidFill>
-                <a:latin typeface="Consolas" panose="020B0609020204030204" pitchFamily="49" charset="0"/>
-                <a:ea typeface="微软雅黑" panose="020B0503020204020204" pitchFamily="34" charset="-122"/>
-                <a:cs typeface="Courier New" pitchFamily="49" charset="0"/>
-              </a:rPr>
-              <a:t>{</a:t>
-            </a:r>
-            <a:endParaRPr lang="en-US" altLang="zh-CN" sz="2200" b="1">
-              <a:solidFill>
-                <a:schemeClr val="tx1">
-                  <a:lumMod val="75000"/>
-                  <a:lumOff val="25000"/>
-                </a:schemeClr>
-              </a:solidFill>
-              <a:latin typeface="Consolas" panose="020B0609020204030204" pitchFamily="49" charset="0"/>
-              <a:ea typeface="微软雅黑" panose="020B0503020204020204" pitchFamily="34" charset="-122"/>
-              <a:cs typeface="Courier New" pitchFamily="49" charset="0"/>
-            </a:endParaRPr>
-          </a:p>
-          <a:p>
-            <a:pPr marL="0" indent="0" eaLnBrk="1" hangingPunct="1">
-              <a:buClr>
-                <a:srgbClr val="00B0F0"/>
-              </a:buClr>
-            </a:pPr>
-            <a:r>
-              <a:rPr lang="en-US" altLang="zh-CN" sz="2200" b="1">
-                <a:solidFill>
-                  <a:schemeClr val="tx1">
-                    <a:lumMod val="75000"/>
-                    <a:lumOff val="25000"/>
-                  </a:schemeClr>
-                </a:solidFill>
-                <a:latin typeface="Consolas" panose="020B0609020204030204" pitchFamily="49" charset="0"/>
-                <a:ea typeface="微软雅黑" panose="020B0503020204020204" pitchFamily="34" charset="-122"/>
-                <a:cs typeface="Courier New" pitchFamily="49" charset="0"/>
-              </a:rPr>
-              <a:t>    cout &lt;&lt; "const print be called" </a:t>
-            </a:r>
-            <a:endParaRPr lang="en-US" altLang="zh-CN" sz="2200" b="1" smtClean="0">
-              <a:solidFill>
-                <a:schemeClr val="tx1">
-                  <a:lumMod val="75000"/>
-                  <a:lumOff val="25000"/>
-                </a:schemeClr>
-              </a:solidFill>
-              <a:latin typeface="Consolas" panose="020B0609020204030204" pitchFamily="49" charset="0"/>
-              <a:ea typeface="微软雅黑" panose="020B0503020204020204" pitchFamily="34" charset="-122"/>
-              <a:cs typeface="Courier New" pitchFamily="49" charset="0"/>
-            </a:endParaRPr>
-          </a:p>
-          <a:p>
-            <a:pPr marL="0" indent="0" eaLnBrk="1" hangingPunct="1">
-              <a:buClr>
-                <a:srgbClr val="00B0F0"/>
-              </a:buClr>
-            </a:pPr>
-            <a:r>
-              <a:rPr lang="en-US" altLang="zh-CN" sz="2200" b="1" smtClean="0">
-                <a:solidFill>
-                  <a:schemeClr val="tx1">
-                    <a:lumMod val="75000"/>
-                    <a:lumOff val="25000"/>
-                  </a:schemeClr>
-                </a:solidFill>
-                <a:latin typeface="Consolas" panose="020B0609020204030204" pitchFamily="49" charset="0"/>
-                <a:ea typeface="微软雅黑" panose="020B0503020204020204" pitchFamily="34" charset="-122"/>
-                <a:cs typeface="Courier New" pitchFamily="49" charset="0"/>
-              </a:rPr>
-              <a:t>         &lt;&lt; </a:t>
-            </a:r>
-            <a:r>
-              <a:rPr lang="en-US" altLang="zh-CN" sz="2200" b="1">
-                <a:solidFill>
-                  <a:schemeClr val="tx1">
-                    <a:lumMod val="75000"/>
-                    <a:lumOff val="25000"/>
-                  </a:schemeClr>
-                </a:solidFill>
-                <a:latin typeface="Consolas" panose="020B0609020204030204" pitchFamily="49" charset="0"/>
-                <a:ea typeface="微软雅黑" panose="020B0503020204020204" pitchFamily="34" charset="-122"/>
-                <a:cs typeface="Courier New" pitchFamily="49" charset="0"/>
-              </a:rPr>
-              <a:t>endl;</a:t>
+              <a:t>         &lt;&lt; endl;</a:t>
             </a:r>
           </a:p>
           <a:p>
@@ -30071,21 +27814,7 @@
                 <a:ea typeface="微软雅黑" panose="020B0503020204020204" pitchFamily="34" charset="-122"/>
                 <a:cs typeface="Courier New" pitchFamily="49" charset="0"/>
               </a:rPr>
-              <a:t>void A::print</a:t>
-            </a:r>
-            <a:r>
-              <a:rPr lang="en-US" altLang="zh-CN" sz="2200" b="1" smtClean="0">
-                <a:solidFill>
-                  <a:schemeClr val="tx1">
-                    <a:lumMod val="75000"/>
-                    <a:lumOff val="25000"/>
-                  </a:schemeClr>
-                </a:solidFill>
-                <a:latin typeface="Consolas" panose="020B0609020204030204" pitchFamily="49" charset="0"/>
-                <a:ea typeface="微软雅黑" panose="020B0503020204020204" pitchFamily="34" charset="-122"/>
-                <a:cs typeface="Courier New" pitchFamily="49" charset="0"/>
-              </a:rPr>
-              <a:t>() </a:t>
+              <a:t>void A::print() </a:t>
             </a:r>
           </a:p>
           <a:p>
@@ -30095,7 +27824,7 @@
               </a:buClr>
             </a:pPr>
             <a:r>
-              <a:rPr lang="en-US" altLang="zh-CN" sz="2200" b="1" smtClean="0">
+              <a:rPr lang="en-US" altLang="zh-CN" sz="2200" b="1">
                 <a:solidFill>
                   <a:schemeClr val="tx1">
                     <a:lumMod val="75000"/>
@@ -30108,6 +27837,55 @@
               </a:rPr>
               <a:t>{</a:t>
             </a:r>
+          </a:p>
+          <a:p>
+            <a:pPr marL="0" indent="0" eaLnBrk="1" hangingPunct="1">
+              <a:buClr>
+                <a:srgbClr val="00B0F0"/>
+              </a:buClr>
+            </a:pPr>
+            <a:r>
+              <a:rPr lang="en-US" altLang="zh-CN" sz="2200" b="1">
+                <a:solidFill>
+                  <a:schemeClr val="tx1">
+                    <a:lumMod val="75000"/>
+                    <a:lumOff val="25000"/>
+                  </a:schemeClr>
+                </a:solidFill>
+                <a:latin typeface="Consolas" panose="020B0609020204030204" pitchFamily="49" charset="0"/>
+                <a:ea typeface="微软雅黑" panose="020B0503020204020204" pitchFamily="34" charset="-122"/>
+                <a:cs typeface="Courier New" pitchFamily="49" charset="0"/>
+              </a:rPr>
+              <a:t>    cout &lt;&lt; "print be called";</a:t>
+            </a:r>
+          </a:p>
+          <a:p>
+            <a:pPr marL="0" indent="0" eaLnBrk="1" hangingPunct="1">
+              <a:buClr>
+                <a:srgbClr val="00B0F0"/>
+              </a:buClr>
+            </a:pPr>
+            <a:r>
+              <a:rPr lang="en-US" altLang="zh-CN" sz="2200" b="1">
+                <a:solidFill>
+                  <a:schemeClr val="tx1">
+                    <a:lumMod val="75000"/>
+                    <a:lumOff val="25000"/>
+                  </a:schemeClr>
+                </a:solidFill>
+                <a:latin typeface="Consolas" panose="020B0609020204030204" pitchFamily="49" charset="0"/>
+                <a:ea typeface="微软雅黑" panose="020B0503020204020204" pitchFamily="34" charset="-122"/>
+                <a:cs typeface="Courier New" pitchFamily="49" charset="0"/>
+              </a:rPr>
+              <a:t>}</a:t>
+            </a:r>
+          </a:p>
+          <a:p>
+            <a:pPr marL="0" indent="0" eaLnBrk="1" hangingPunct="1">
+              <a:buClr>
+                <a:srgbClr val="00B0F0"/>
+              </a:buClr>
+            </a:pPr>
             <a:endParaRPr lang="en-US" altLang="zh-CN" sz="2200" b="1">
               <a:solidFill>
                 <a:schemeClr val="tx1">
@@ -30138,7 +27916,7 @@
                 <a:ea typeface="微软雅黑" panose="020B0503020204020204" pitchFamily="34" charset="-122"/>
                 <a:cs typeface="Courier New" pitchFamily="49" charset="0"/>
               </a:rPr>
-              <a:t>    cout &lt;&lt; "print be called";</a:t>
+              <a:t>int main(void) </a:t>
             </a:r>
           </a:p>
           <a:p>
@@ -30148,7 +27926,7 @@
               </a:buClr>
             </a:pPr>
             <a:r>
-              <a:rPr lang="en-US" altLang="zh-CN" sz="2200" b="1" smtClean="0">
+              <a:rPr lang="en-US" altLang="zh-CN" sz="2200" b="1">
                 <a:solidFill>
                   <a:schemeClr val="tx1">
                     <a:lumMod val="75000"/>
@@ -30159,93 +27937,8 @@
                 <a:ea typeface="微软雅黑" panose="020B0503020204020204" pitchFamily="34" charset="-122"/>
                 <a:cs typeface="Courier New" pitchFamily="49" charset="0"/>
               </a:rPr>
-              <a:t>}</a:t>
-            </a:r>
-          </a:p>
-          <a:p>
-            <a:pPr marL="0" indent="0" eaLnBrk="1" hangingPunct="1">
-              <a:buClr>
-                <a:srgbClr val="00B0F0"/>
-              </a:buClr>
-            </a:pPr>
-            <a:endParaRPr lang="en-US" altLang="zh-CN" sz="2200" b="1">
-              <a:solidFill>
-                <a:schemeClr val="tx1">
-                  <a:lumMod val="75000"/>
-                  <a:lumOff val="25000"/>
-                </a:schemeClr>
-              </a:solidFill>
-              <a:latin typeface="Consolas" panose="020B0609020204030204" pitchFamily="49" charset="0"/>
-              <a:ea typeface="微软雅黑" panose="020B0503020204020204" pitchFamily="34" charset="-122"/>
-              <a:cs typeface="Courier New" pitchFamily="49" charset="0"/>
-            </a:endParaRPr>
-          </a:p>
-          <a:p>
-            <a:pPr marL="0" indent="0" eaLnBrk="1" hangingPunct="1">
-              <a:buClr>
-                <a:srgbClr val="00B0F0"/>
-              </a:buClr>
-            </a:pPr>
-            <a:r>
-              <a:rPr lang="en-US" altLang="zh-CN" sz="2200" b="1">
-                <a:solidFill>
-                  <a:schemeClr val="tx1">
-                    <a:lumMod val="75000"/>
-                    <a:lumOff val="25000"/>
-                  </a:schemeClr>
-                </a:solidFill>
-                <a:latin typeface="Consolas" panose="020B0609020204030204" pitchFamily="49" charset="0"/>
-                <a:ea typeface="微软雅黑" panose="020B0503020204020204" pitchFamily="34" charset="-122"/>
-                <a:cs typeface="Courier New" pitchFamily="49" charset="0"/>
-              </a:rPr>
-              <a:t>int </a:t>
-            </a:r>
-            <a:r>
-              <a:rPr lang="en-US" altLang="zh-CN" sz="2200" b="1" smtClean="0">
-                <a:solidFill>
-                  <a:schemeClr val="tx1">
-                    <a:lumMod val="75000"/>
-                    <a:lumOff val="25000"/>
-                  </a:schemeClr>
-                </a:solidFill>
-                <a:latin typeface="Consolas" panose="020B0609020204030204" pitchFamily="49" charset="0"/>
-                <a:ea typeface="微软雅黑" panose="020B0503020204020204" pitchFamily="34" charset="-122"/>
-                <a:cs typeface="Courier New" pitchFamily="49" charset="0"/>
-              </a:rPr>
-              <a:t>main(void) </a:t>
-            </a:r>
-          </a:p>
-          <a:p>
-            <a:pPr marL="0" indent="0" eaLnBrk="1" hangingPunct="1">
-              <a:buClr>
-                <a:srgbClr val="00B0F0"/>
-              </a:buClr>
-            </a:pPr>
-            <a:r>
-              <a:rPr lang="en-US" altLang="zh-CN" sz="2200" b="1" smtClean="0">
-                <a:solidFill>
-                  <a:schemeClr val="tx1">
-                    <a:lumMod val="75000"/>
-                    <a:lumOff val="25000"/>
-                  </a:schemeClr>
-                </a:solidFill>
-                <a:latin typeface="Consolas" panose="020B0609020204030204" pitchFamily="49" charset="0"/>
-                <a:ea typeface="微软雅黑" panose="020B0503020204020204" pitchFamily="34" charset="-122"/>
-                <a:cs typeface="Courier New" pitchFamily="49" charset="0"/>
-              </a:rPr>
               <a:t>{</a:t>
             </a:r>
-            <a:endParaRPr lang="en-US" altLang="zh-CN" sz="2200" b="1">
-              <a:solidFill>
-                <a:schemeClr val="tx1">
-                  <a:lumMod val="75000"/>
-                  <a:lumOff val="25000"/>
-                </a:schemeClr>
-              </a:solidFill>
-              <a:latin typeface="Consolas" panose="020B0609020204030204" pitchFamily="49" charset="0"/>
-              <a:ea typeface="微软雅黑" panose="020B0503020204020204" pitchFamily="34" charset="-122"/>
-              <a:cs typeface="Courier New" pitchFamily="49" charset="0"/>
-            </a:endParaRPr>
           </a:p>
           <a:p>
             <a:pPr marL="0" indent="0" eaLnBrk="1" hangingPunct="1">
@@ -30491,13 +28184,6 @@
   <p:clrMapOvr>
     <a:masterClrMapping/>
   </p:clrMapOvr>
-  <p:timing>
-    <p:tnLst>
-      <p:par>
-        <p:cTn id="1" dur="indefinite" restart="never" nodeType="tmRoot"/>
-      </p:par>
-    </p:tnLst>
-  </p:timing>
 </p:sld>
 </file>
 
@@ -30548,12 +28234,8 @@
               <a:t>- </a:t>
             </a:r>
             <a:r>
-              <a:rPr lang="zh-CN" altLang="en-US" smtClean="0"/>
-              <a:t>常</a:t>
-            </a:r>
-            <a:r>
               <a:rPr lang="zh-CN" altLang="en-US"/>
-              <a:t>对象</a:t>
+              <a:t>常对象</a:t>
             </a:r>
           </a:p>
         </p:txBody>
@@ -30591,7 +28273,7 @@
               </a:buClr>
             </a:pPr>
             <a:r>
-              <a:rPr lang="zh-CN" altLang="en-US" sz="3600" b="1" smtClean="0">
+              <a:rPr lang="zh-CN" altLang="en-US" sz="3600" b="1">
                 <a:solidFill>
                   <a:schemeClr val="tx1">
                     <a:lumMod val="75000"/>
@@ -30601,7 +28283,7 @@
               </a:rPr>
               <a:t>常对象</a:t>
             </a:r>
-            <a:endParaRPr lang="en-US" altLang="zh-CN" sz="3600" b="1" smtClean="0">
+            <a:endParaRPr lang="en-US" altLang="zh-CN" sz="3600" b="1">
               <a:solidFill>
                 <a:schemeClr val="tx1">
                   <a:lumMod val="75000"/>
@@ -30652,7 +28334,7 @@
               </a:lnSpc>
               <a:buNone/>
             </a:pPr>
-            <a:endParaRPr lang="en-US" altLang="zh-CN" sz="3600" smtClean="0">
+            <a:endParaRPr lang="en-US" altLang="zh-CN" sz="3600">
               <a:solidFill>
                 <a:schemeClr val="tx1">
                   <a:lumMod val="75000"/>
@@ -30668,7 +28350,7 @@
               </a:lnSpc>
               <a:buNone/>
             </a:pPr>
-            <a:endParaRPr lang="en-US" altLang="zh-CN" sz="3600" smtClean="0">
+            <a:endParaRPr lang="en-US" altLang="zh-CN" sz="3600">
               <a:solidFill>
                 <a:schemeClr val="tx1">
                   <a:lumMod val="75000"/>
@@ -30685,17 +28367,6 @@
               <a:buNone/>
             </a:pPr>
             <a:r>
-              <a:rPr lang="zh-CN" altLang="en-US" sz="3600" smtClean="0">
-                <a:solidFill>
-                  <a:schemeClr val="tx1">
-                    <a:lumMod val="75000"/>
-                    <a:lumOff val="25000"/>
-                  </a:schemeClr>
-                </a:solidFill>
-              </a:rPr>
-              <a:t>含义：对象</a:t>
-            </a:r>
-            <a:r>
               <a:rPr lang="zh-CN" altLang="en-US" sz="3600">
                 <a:solidFill>
                   <a:schemeClr val="tx1">
@@ -30704,7 +28375,7 @@
                   </a:schemeClr>
                 </a:solidFill>
               </a:rPr>
-              <a:t>的数据成员（属性）不能被修改</a:t>
+              <a:t>含义：对象的数据成员（属性）不能被修改</a:t>
             </a:r>
           </a:p>
         </p:txBody>
@@ -30776,31 +28447,15 @@
                 <a:ea typeface="微软雅黑" panose="020B0503020204020204" pitchFamily="34" charset="-122"/>
                 <a:cs typeface="Courier New" pitchFamily="49" charset="0"/>
               </a:rPr>
-              <a:t>类名 </a:t>
-            </a:r>
-            <a:r>
-              <a:rPr lang="zh-CN" altLang="en-US" sz="3600" smtClean="0">
+              <a:t>类名    </a:t>
+            </a:r>
+            <a:r>
+              <a:rPr lang="en-US" altLang="zh-CN" sz="3600">
                 <a:latin typeface="微软雅黑" panose="020B0503020204020204" pitchFamily="34" charset="-122"/>
                 <a:ea typeface="微软雅黑" panose="020B0503020204020204" pitchFamily="34" charset="-122"/>
                 <a:cs typeface="Courier New" pitchFamily="49" charset="0"/>
               </a:rPr>
-              <a:t>   </a:t>
-            </a:r>
-            <a:r>
-              <a:rPr lang="en-US" altLang="zh-CN" sz="3600" smtClean="0">
-                <a:latin typeface="微软雅黑" panose="020B0503020204020204" pitchFamily="34" charset="-122"/>
-                <a:ea typeface="微软雅黑" panose="020B0503020204020204" pitchFamily="34" charset="-122"/>
-                <a:cs typeface="Courier New" pitchFamily="49" charset="0"/>
-              </a:rPr>
               <a:t>const  </a:t>
-            </a:r>
-            <a:r>
-              <a:rPr lang="zh-CN" altLang="en-US" sz="3600" smtClean="0">
-                <a:latin typeface="微软雅黑" panose="020B0503020204020204" pitchFamily="34" charset="-122"/>
-                <a:ea typeface="微软雅黑" panose="020B0503020204020204" pitchFamily="34" charset="-122"/>
-                <a:cs typeface="Courier New" pitchFamily="49" charset="0"/>
-              </a:rPr>
-              <a:t>对象</a:t>
             </a:r>
             <a:r>
               <a:rPr lang="zh-CN" altLang="en-US" sz="3600">
@@ -30808,7 +28463,7 @@
                 <a:ea typeface="微软雅黑" panose="020B0503020204020204" pitchFamily="34" charset="-122"/>
                 <a:cs typeface="Courier New" pitchFamily="49" charset="0"/>
               </a:rPr>
-              <a:t>名</a:t>
+              <a:t>对象名</a:t>
             </a:r>
             <a:r>
               <a:rPr lang="en-US" altLang="zh-CN" sz="3600">
@@ -30848,23 +28503,7 @@
                 <a:ea typeface="微软雅黑" panose="020B0503020204020204" pitchFamily="34" charset="-122"/>
                 <a:cs typeface="Courier New" pitchFamily="49" charset="0"/>
               </a:rPr>
-              <a:t>const </a:t>
-            </a:r>
-            <a:r>
-              <a:rPr lang="en-US" altLang="zh-CN" sz="3600" smtClean="0">
-                <a:latin typeface="微软雅黑" panose="020B0503020204020204" pitchFamily="34" charset="-122"/>
-                <a:ea typeface="微软雅黑" panose="020B0503020204020204" pitchFamily="34" charset="-122"/>
-                <a:cs typeface="Courier New" pitchFamily="49" charset="0"/>
-              </a:rPr>
-              <a:t> </a:t>
-            </a:r>
-            <a:r>
-              <a:rPr lang="zh-CN" altLang="en-US" sz="3600" smtClean="0">
-                <a:latin typeface="微软雅黑" panose="020B0503020204020204" pitchFamily="34" charset="-122"/>
-                <a:ea typeface="微软雅黑" panose="020B0503020204020204" pitchFamily="34" charset="-122"/>
-                <a:cs typeface="Courier New" pitchFamily="49" charset="0"/>
-              </a:rPr>
-              <a:t>类</a:t>
+              <a:t>const  </a:t>
             </a:r>
             <a:r>
               <a:rPr lang="zh-CN" altLang="en-US" sz="3600">
@@ -30872,15 +28511,15 @@
                 <a:ea typeface="微软雅黑" panose="020B0503020204020204" pitchFamily="34" charset="-122"/>
                 <a:cs typeface="Courier New" pitchFamily="49" charset="0"/>
               </a:rPr>
-              <a:t>名 </a:t>
-            </a:r>
-            <a:r>
-              <a:rPr lang="zh-CN" altLang="en-US" sz="3600" smtClean="0">
+              <a:t>类名    对象名</a:t>
+            </a:r>
+            <a:r>
+              <a:rPr lang="en-US" altLang="zh-CN" sz="3600">
                 <a:latin typeface="微软雅黑" panose="020B0503020204020204" pitchFamily="34" charset="-122"/>
                 <a:ea typeface="微软雅黑" panose="020B0503020204020204" pitchFamily="34" charset="-122"/>
                 <a:cs typeface="Courier New" pitchFamily="49" charset="0"/>
               </a:rPr>
-              <a:t>   对象</a:t>
+              <a:t>[(</a:t>
             </a:r>
             <a:r>
               <a:rPr lang="zh-CN" altLang="en-US" sz="3600">
@@ -30888,7 +28527,7 @@
                 <a:ea typeface="微软雅黑" panose="020B0503020204020204" pitchFamily="34" charset="-122"/>
                 <a:cs typeface="Courier New" pitchFamily="49" charset="0"/>
               </a:rPr>
-              <a:t>名</a:t>
+              <a:t>实参表</a:t>
             </a:r>
             <a:r>
               <a:rPr lang="en-US" altLang="zh-CN" sz="3600">
@@ -30896,37 +28535,21 @@
                 <a:ea typeface="微软雅黑" panose="020B0503020204020204" pitchFamily="34" charset="-122"/>
                 <a:cs typeface="Courier New" pitchFamily="49" charset="0"/>
               </a:rPr>
-              <a:t>[(</a:t>
-            </a:r>
-            <a:r>
-              <a:rPr lang="zh-CN" altLang="en-US" sz="3600">
+              <a:t>)]; </a:t>
+            </a:r>
+            <a:r>
+              <a:rPr lang="en-US" altLang="zh-CN" sz="3600">
+                <a:solidFill>
+                  <a:srgbClr val="C00000"/>
+                </a:solidFill>
                 <a:latin typeface="微软雅黑" panose="020B0503020204020204" pitchFamily="34" charset="-122"/>
                 <a:ea typeface="微软雅黑" panose="020B0503020204020204" pitchFamily="34" charset="-122"/>
                 <a:cs typeface="Courier New" pitchFamily="49" charset="0"/>
               </a:rPr>
-              <a:t>实参表</a:t>
-            </a:r>
-            <a:r>
-              <a:rPr lang="en-US" altLang="zh-CN" sz="3600">
-                <a:latin typeface="微软雅黑" panose="020B0503020204020204" pitchFamily="34" charset="-122"/>
-                <a:ea typeface="微软雅黑" panose="020B0503020204020204" pitchFamily="34" charset="-122"/>
-                <a:cs typeface="Courier New" pitchFamily="49" charset="0"/>
-              </a:rPr>
-              <a:t>)]; </a:t>
-            </a:r>
-            <a:r>
-              <a:rPr lang="en-US" altLang="zh-CN" sz="3600" smtClean="0">
-                <a:solidFill>
-                  <a:srgbClr val="C00000"/>
-                </a:solidFill>
-                <a:latin typeface="微软雅黑" panose="020B0503020204020204" pitchFamily="34" charset="-122"/>
-                <a:ea typeface="微软雅黑" panose="020B0503020204020204" pitchFamily="34" charset="-122"/>
-                <a:cs typeface="Courier New" pitchFamily="49" charset="0"/>
-              </a:rPr>
               <a:t>// </a:t>
             </a:r>
             <a:r>
-              <a:rPr lang="zh-CN" altLang="en-US" sz="3600" smtClean="0">
+              <a:rPr lang="zh-CN" altLang="en-US" sz="3600">
                 <a:solidFill>
                   <a:srgbClr val="C00000"/>
                 </a:solidFill>
@@ -30957,13 +28580,6 @@
   <p:clrMapOvr>
     <a:masterClrMapping/>
   </p:clrMapOvr>
-  <p:timing>
-    <p:tnLst>
-      <p:par>
-        <p:cTn id="1" dur="indefinite" restart="never" nodeType="tmRoot"/>
-      </p:par>
-    </p:tnLst>
-  </p:timing>
 </p:sld>
 </file>
 
@@ -31049,7 +28665,7 @@
               <a:buNone/>
             </a:pPr>
             <a:r>
-              <a:rPr lang="en-US" altLang="zh-CN" sz="3200" smtClean="0">
+              <a:rPr lang="en-US" altLang="zh-CN" sz="3200">
                 <a:solidFill>
                   <a:srgbClr val="C00000"/>
                 </a:solidFill>
@@ -31057,7 +28673,7 @@
               <a:t>[</a:t>
             </a:r>
             <a:r>
-              <a:rPr lang="zh-CN" altLang="en-US" sz="3200" smtClean="0">
+              <a:rPr lang="zh-CN" altLang="en-US" sz="3200">
                 <a:solidFill>
                   <a:srgbClr val="C00000"/>
                 </a:solidFill>
@@ -31065,7 +28681,7 @@
               <a:t>注意</a:t>
             </a:r>
             <a:r>
-              <a:rPr lang="en-US" altLang="zh-CN" sz="3200" smtClean="0">
+              <a:rPr lang="en-US" altLang="zh-CN" sz="3200">
                 <a:solidFill>
                   <a:srgbClr val="C00000"/>
                 </a:solidFill>
@@ -31318,7 +28934,7 @@
               </a:buClr>
             </a:pPr>
             <a:r>
-              <a:rPr lang="en-US" altLang="zh-CN" sz="2800" b="1" smtClean="0">
+              <a:rPr lang="en-US" altLang="zh-CN" sz="2800" b="1">
                 <a:solidFill>
                   <a:schemeClr val="tx1">
                     <a:lumMod val="75000"/>
@@ -31329,21 +28945,7 @@
                 <a:ea typeface="微软雅黑" panose="020B0503020204020204" pitchFamily="34" charset="-122"/>
                 <a:cs typeface="Courier New" pitchFamily="49" charset="0"/>
               </a:rPr>
-              <a:t>class </a:t>
-            </a:r>
-            <a:r>
-              <a:rPr lang="en-US" altLang="zh-CN" sz="2800" b="1">
-                <a:solidFill>
-                  <a:schemeClr val="tx1">
-                    <a:lumMod val="75000"/>
-                    <a:lumOff val="25000"/>
-                  </a:schemeClr>
-                </a:solidFill>
-                <a:latin typeface="Consolas" panose="020B0609020204030204" pitchFamily="49" charset="0"/>
-                <a:ea typeface="微软雅黑" panose="020B0503020204020204" pitchFamily="34" charset="-122"/>
-                <a:cs typeface="Courier New" pitchFamily="49" charset="0"/>
-              </a:rPr>
-              <a:t>A</a:t>
+              <a:t>class A</a:t>
             </a:r>
           </a:p>
           <a:p>
@@ -31500,7 +29102,7 @@
               </a:buClr>
             </a:pPr>
             <a:r>
-              <a:rPr lang="en-US" altLang="zh-CN" sz="2800" b="1" smtClean="0">
+              <a:rPr lang="en-US" altLang="zh-CN" sz="2800" b="1">
                 <a:solidFill>
                   <a:schemeClr val="tx1">
                     <a:lumMod val="75000"/>
@@ -31513,17 +29115,6 @@
               </a:rPr>
               <a:t>};</a:t>
             </a:r>
-            <a:endParaRPr lang="en-US" altLang="zh-CN" sz="2800" b="1">
-              <a:solidFill>
-                <a:schemeClr val="tx1">
-                  <a:lumMod val="75000"/>
-                  <a:lumOff val="25000"/>
-                </a:schemeClr>
-              </a:solidFill>
-              <a:latin typeface="Consolas" panose="020B0609020204030204" pitchFamily="49" charset="0"/>
-              <a:ea typeface="微软雅黑" panose="020B0503020204020204" pitchFamily="34" charset="-122"/>
-              <a:cs typeface="Courier New" pitchFamily="49" charset="0"/>
-            </a:endParaRPr>
           </a:p>
         </p:txBody>
       </p:sp>
@@ -31696,33 +29287,8 @@
                 <a:ea typeface="微软雅黑" panose="020B0503020204020204" pitchFamily="34" charset="-122"/>
                 <a:cs typeface="Courier New" pitchFamily="49" charset="0"/>
               </a:rPr>
-              <a:t>int </a:t>
-            </a:r>
-            <a:r>
-              <a:rPr lang="en-US" altLang="zh-CN" sz="2800" b="1" smtClean="0">
-                <a:solidFill>
-                  <a:schemeClr val="tx1">
-                    <a:lumMod val="75000"/>
-                    <a:lumOff val="25000"/>
-                  </a:schemeClr>
-                </a:solidFill>
-                <a:latin typeface="Consolas" panose="020B0609020204030204" pitchFamily="49" charset="0"/>
-                <a:ea typeface="微软雅黑" panose="020B0503020204020204" pitchFamily="34" charset="-122"/>
-                <a:cs typeface="Courier New" pitchFamily="49" charset="0"/>
-              </a:rPr>
-              <a:t>main(void)</a:t>
-            </a:r>
-            <a:endParaRPr lang="en-US" altLang="zh-CN" sz="2800" b="1">
-              <a:solidFill>
-                <a:schemeClr val="tx1">
-                  <a:lumMod val="75000"/>
-                  <a:lumOff val="25000"/>
-                </a:schemeClr>
-              </a:solidFill>
-              <a:latin typeface="Consolas" panose="020B0609020204030204" pitchFamily="49" charset="0"/>
-              <a:ea typeface="微软雅黑" panose="020B0503020204020204" pitchFamily="34" charset="-122"/>
-              <a:cs typeface="Courier New" pitchFamily="49" charset="0"/>
-            </a:endParaRPr>
+              <a:t>int main(void)</a:t>
+            </a:r>
           </a:p>
           <a:p>
             <a:pPr marL="0" indent="0" eaLnBrk="1" hangingPunct="1">
@@ -31930,13 +29496,6 @@
   <p:clrMapOvr>
     <a:masterClrMapping/>
   </p:clrMapOvr>
-  <p:timing>
-    <p:tnLst>
-      <p:par>
-        <p:cTn id="1" dur="indefinite" restart="never" nodeType="tmRoot"/>
-      </p:par>
-    </p:tnLst>
-  </p:timing>
 </p:sld>
 </file>
 
@@ -33452,7 +31011,7 @@
               </a:buClr>
             </a:pPr>
             <a:r>
-              <a:rPr lang="en-US" altLang="zh-CN" sz="2200" b="1" dirty="0" smtClean="0">
+              <a:rPr lang="en-US" altLang="zh-CN" sz="2200" b="1" dirty="0">
                 <a:solidFill>
                   <a:schemeClr val="tx1">
                     <a:lumMod val="75000"/>
@@ -33465,17 +31024,6 @@
               </a:rPr>
               <a:t>class Time {</a:t>
             </a:r>
-            <a:endParaRPr lang="en-US" altLang="zh-CN" sz="2200" b="1" dirty="0">
-              <a:solidFill>
-                <a:schemeClr val="tx1">
-                  <a:lumMod val="75000"/>
-                  <a:lumOff val="25000"/>
-                </a:schemeClr>
-              </a:solidFill>
-              <a:latin typeface="Consolas" panose="020B0609020204030204" pitchFamily="49" charset="0"/>
-              <a:ea typeface="微软雅黑" panose="020B0503020204020204" pitchFamily="34" charset="-122"/>
-              <a:cs typeface="Courier New" pitchFamily="49" charset="0"/>
-            </a:endParaRPr>
           </a:p>
           <a:p>
             <a:pPr marL="0" indent="0" eaLnBrk="1" hangingPunct="1">
@@ -33572,21 +31120,7 @@
                 <a:ea typeface="微软雅黑" panose="020B0503020204020204" pitchFamily="34" charset="-122"/>
                 <a:cs typeface="Courier New" pitchFamily="49" charset="0"/>
               </a:rPr>
-              <a:t> b=0</a:t>
-            </a:r>
-            <a:r>
-              <a:rPr lang="en-US" altLang="zh-CN" sz="2200" b="1" dirty="0" smtClean="0">
-                <a:solidFill>
-                  <a:schemeClr val="tx1">
-                    <a:lumMod val="75000"/>
-                    <a:lumOff val="25000"/>
-                  </a:schemeClr>
-                </a:solidFill>
-                <a:latin typeface="Consolas" panose="020B0609020204030204" pitchFamily="49" charset="0"/>
-                <a:ea typeface="微软雅黑" panose="020B0503020204020204" pitchFamily="34" charset="-122"/>
-                <a:cs typeface="Courier New" pitchFamily="49" charset="0"/>
-              </a:rPr>
-              <a:t>,</a:t>
+              <a:t> b=0,</a:t>
             </a:r>
           </a:p>
           <a:p>
@@ -33607,10 +31141,10 @@
                 <a:ea typeface="微软雅黑" panose="020B0503020204020204" pitchFamily="34" charset="-122"/>
                 <a:cs typeface="Courier New" pitchFamily="49" charset="0"/>
               </a:rPr>
-              <a:t> </a:t>
-            </a:r>
-            <a:r>
-              <a:rPr lang="en-US" altLang="zh-CN" sz="2200" b="1" dirty="0" smtClean="0">
+              <a:t>         </a:t>
+            </a:r>
+            <a:r>
+              <a:rPr lang="en-US" altLang="zh-CN" sz="2200" b="1" dirty="0" err="1">
                 <a:solidFill>
                   <a:schemeClr val="tx1">
                     <a:lumMod val="75000"/>
@@ -33621,10 +31155,10 @@
                 <a:ea typeface="微软雅黑" panose="020B0503020204020204" pitchFamily="34" charset="-122"/>
                 <a:cs typeface="Courier New" pitchFamily="49" charset="0"/>
               </a:rPr>
-              <a:t>        </a:t>
-            </a:r>
-            <a:r>
-              <a:rPr lang="en-US" altLang="zh-CN" sz="2200" b="1" dirty="0" err="1" smtClean="0">
+              <a:t>int</a:t>
+            </a:r>
+            <a:r>
+              <a:rPr lang="en-US" altLang="zh-CN" sz="2200" b="1" dirty="0">
                 <a:solidFill>
                   <a:schemeClr val="tx1">
                     <a:lumMod val="75000"/>
@@ -33635,35 +31169,7 @@
                 <a:ea typeface="微软雅黑" panose="020B0503020204020204" pitchFamily="34" charset="-122"/>
                 <a:cs typeface="Courier New" pitchFamily="49" charset="0"/>
               </a:rPr>
-              <a:t>int</a:t>
-            </a:r>
-            <a:r>
-              <a:rPr lang="en-US" altLang="zh-CN" sz="2200" b="1" dirty="0" smtClean="0">
-                <a:solidFill>
-                  <a:schemeClr val="tx1">
-                    <a:lumMod val="75000"/>
-                    <a:lumOff val="25000"/>
-                  </a:schemeClr>
-                </a:solidFill>
-                <a:latin typeface="Consolas" panose="020B0609020204030204" pitchFamily="49" charset="0"/>
-                <a:ea typeface="微软雅黑" panose="020B0503020204020204" pitchFamily="34" charset="-122"/>
-                <a:cs typeface="Courier New" pitchFamily="49" charset="0"/>
-              </a:rPr>
-              <a:t> </a:t>
-            </a:r>
-            <a:r>
-              <a:rPr lang="en-US" altLang="zh-CN" sz="2200" b="1" dirty="0">
-                <a:solidFill>
-                  <a:schemeClr val="tx1">
-                    <a:lumMod val="75000"/>
-                    <a:lumOff val="25000"/>
-                  </a:schemeClr>
-                </a:solidFill>
-                <a:latin typeface="Consolas" panose="020B0609020204030204" pitchFamily="49" charset="0"/>
-                <a:ea typeface="微软雅黑" panose="020B0503020204020204" pitchFamily="34" charset="-122"/>
-                <a:cs typeface="Courier New" pitchFamily="49" charset="0"/>
-              </a:rPr>
-              <a:t>c=0);</a:t>
+              <a:t> c=0);</a:t>
             </a:r>
           </a:p>
           <a:p>
@@ -33722,7 +31228,7 @@
               </a:buClr>
             </a:pPr>
             <a:r>
-              <a:rPr lang="en-US" altLang="zh-CN" sz="2200" b="1" dirty="0" smtClean="0">
+              <a:rPr lang="en-US" altLang="zh-CN" sz="2200" b="1" dirty="0">
                 <a:solidFill>
                   <a:schemeClr val="tx1">
                     <a:lumMod val="75000"/>
@@ -33733,21 +31239,7 @@
                 <a:ea typeface="微软雅黑" panose="020B0503020204020204" pitchFamily="34" charset="-122"/>
                 <a:cs typeface="Courier New" pitchFamily="49" charset="0"/>
               </a:rPr>
-              <a:t>private</a:t>
-            </a:r>
-            <a:r>
-              <a:rPr lang="en-US" altLang="zh-CN" sz="2200" b="1" dirty="0">
-                <a:solidFill>
-                  <a:schemeClr val="tx1">
-                    <a:lumMod val="75000"/>
-                    <a:lumOff val="25000"/>
-                  </a:schemeClr>
-                </a:solidFill>
-                <a:latin typeface="Consolas" panose="020B0609020204030204" pitchFamily="49" charset="0"/>
-                <a:ea typeface="微软雅黑" panose="020B0503020204020204" pitchFamily="34" charset="-122"/>
-                <a:cs typeface="Courier New" pitchFamily="49" charset="0"/>
-              </a:rPr>
-              <a:t>:</a:t>
+              <a:t>private:</a:t>
             </a:r>
           </a:p>
           <a:p>
@@ -34177,7 +31669,7 @@
               <a:t> Time::</a:t>
             </a:r>
             <a:r>
-              <a:rPr lang="en-US" altLang="zh-CN" sz="2200" b="1" dirty="0" err="1" smtClean="0">
+              <a:rPr lang="en-US" altLang="zh-CN" sz="2200" b="1" dirty="0" err="1">
                 <a:solidFill>
                   <a:schemeClr val="tx1">
                     <a:lumMod val="75000"/>
@@ -34191,7 +31683,7 @@
               <a:t>getCount</a:t>
             </a:r>
             <a:r>
-              <a:rPr lang="en-US" altLang="zh-CN" sz="2200" b="1" dirty="0" smtClean="0">
+              <a:rPr lang="en-US" altLang="zh-CN" sz="2200" b="1" dirty="0">
                 <a:solidFill>
                   <a:schemeClr val="tx1">
                     <a:lumMod val="75000"/>
@@ -34204,17 +31696,6 @@
               </a:rPr>
               <a:t>() {</a:t>
             </a:r>
-            <a:endParaRPr lang="en-US" altLang="zh-CN" sz="2200" b="1" dirty="0">
-              <a:solidFill>
-                <a:schemeClr val="tx1">
-                  <a:lumMod val="75000"/>
-                  <a:lumOff val="25000"/>
-                </a:schemeClr>
-              </a:solidFill>
-              <a:latin typeface="Consolas" panose="020B0609020204030204" pitchFamily="49" charset="0"/>
-              <a:ea typeface="微软雅黑" panose="020B0503020204020204" pitchFamily="34" charset="-122"/>
-              <a:cs typeface="Courier New" pitchFamily="49" charset="0"/>
-            </a:endParaRPr>
           </a:p>
           <a:p>
             <a:pPr marL="0" indent="0" eaLnBrk="1" hangingPunct="1">
@@ -34551,7 +32032,7 @@
               </a:buClr>
             </a:pPr>
             <a:r>
-              <a:rPr lang="en-US" altLang="zh-CN" sz="2200" b="1" dirty="0" smtClean="0">
+              <a:rPr lang="en-US" altLang="zh-CN" sz="2200" b="1" dirty="0">
                 <a:solidFill>
                   <a:schemeClr val="tx1">
                     <a:lumMod val="75000"/>
@@ -34590,10 +32071,10 @@
                 <a:ea typeface="微软雅黑" panose="020B0503020204020204" pitchFamily="34" charset="-122"/>
                 <a:cs typeface="Courier New" pitchFamily="49" charset="0"/>
               </a:rPr>
-              <a:t>(a</a:t>
-            </a:r>
-            <a:r>
-              <a:rPr lang="en-US" altLang="zh-CN" sz="2200" b="1" dirty="0" smtClean="0">
+              <a:t>(a), </a:t>
+            </a:r>
+            <a:r>
+              <a:rPr lang="en-US" altLang="zh-CN" sz="2200" b="1" dirty="0" err="1">
                 <a:solidFill>
                   <a:schemeClr val="tx1">
                     <a:lumMod val="75000"/>
@@ -34604,24 +32085,10 @@
                 <a:ea typeface="微软雅黑" panose="020B0503020204020204" pitchFamily="34" charset="-122"/>
                 <a:cs typeface="Courier New" pitchFamily="49" charset="0"/>
               </a:rPr>
-              <a:t>), </a:t>
-            </a:r>
-            <a:r>
-              <a:rPr lang="en-US" altLang="zh-CN" sz="2200" b="1" dirty="0" err="1" smtClean="0">
-                <a:solidFill>
-                  <a:schemeClr val="tx1">
-                    <a:lumMod val="75000"/>
-                    <a:lumOff val="25000"/>
-                  </a:schemeClr>
-                </a:solidFill>
-                <a:latin typeface="Consolas" panose="020B0609020204030204" pitchFamily="49" charset="0"/>
-                <a:ea typeface="微软雅黑" panose="020B0503020204020204" pitchFamily="34" charset="-122"/>
-                <a:cs typeface="Courier New" pitchFamily="49" charset="0"/>
-              </a:rPr>
               <a:t>m_iMinute</a:t>
             </a:r>
             <a:r>
-              <a:rPr lang="en-US" altLang="zh-CN" sz="2200" b="1" dirty="0" smtClean="0">
+              <a:rPr lang="en-US" altLang="zh-CN" sz="2200" b="1" dirty="0">
                 <a:solidFill>
                   <a:schemeClr val="tx1">
                     <a:lumMod val="75000"/>
@@ -34653,10 +32120,10 @@
                 <a:ea typeface="微软雅黑" panose="020B0503020204020204" pitchFamily="34" charset="-122"/>
                 <a:cs typeface="Courier New" pitchFamily="49" charset="0"/>
               </a:rPr>
-              <a:t> </a:t>
-            </a:r>
-            <a:r>
-              <a:rPr lang="en-US" altLang="zh-CN" sz="2200" b="1" dirty="0" smtClean="0">
+              <a:t>     </a:t>
+            </a:r>
+            <a:r>
+              <a:rPr lang="en-US" altLang="zh-CN" sz="2200" b="1" dirty="0" err="1">
                 <a:solidFill>
                   <a:schemeClr val="tx1">
                     <a:lumMod val="75000"/>
@@ -34667,10 +32134,10 @@
                 <a:ea typeface="微软雅黑" panose="020B0503020204020204" pitchFamily="34" charset="-122"/>
                 <a:cs typeface="Courier New" pitchFamily="49" charset="0"/>
               </a:rPr>
-              <a:t>    </a:t>
-            </a:r>
-            <a:r>
-              <a:rPr lang="en-US" altLang="zh-CN" sz="2200" b="1" dirty="0" err="1" smtClean="0">
+              <a:t>m_iSec</a:t>
+            </a:r>
+            <a:r>
+              <a:rPr lang="en-US" altLang="zh-CN" sz="2200" b="1" dirty="0">
                 <a:solidFill>
                   <a:schemeClr val="tx1">
                     <a:lumMod val="75000"/>
@@ -34681,35 +32148,7 @@
                 <a:ea typeface="微软雅黑" panose="020B0503020204020204" pitchFamily="34" charset="-122"/>
                 <a:cs typeface="Courier New" pitchFamily="49" charset="0"/>
               </a:rPr>
-              <a:t>m_iSec</a:t>
-            </a:r>
-            <a:r>
-              <a:rPr lang="en-US" altLang="zh-CN" sz="2200" b="1" dirty="0" smtClean="0">
-                <a:solidFill>
-                  <a:schemeClr val="tx1">
-                    <a:lumMod val="75000"/>
-                    <a:lumOff val="25000"/>
-                  </a:schemeClr>
-                </a:solidFill>
-                <a:latin typeface="Consolas" panose="020B0609020204030204" pitchFamily="49" charset="0"/>
-                <a:ea typeface="微软雅黑" panose="020B0503020204020204" pitchFamily="34" charset="-122"/>
-                <a:cs typeface="Courier New" pitchFamily="49" charset="0"/>
-              </a:rPr>
-              <a:t>(c</a:t>
-            </a:r>
-            <a:r>
-              <a:rPr lang="en-US" altLang="zh-CN" sz="2200" b="1" dirty="0">
-                <a:solidFill>
-                  <a:schemeClr val="tx1">
-                    <a:lumMod val="75000"/>
-                    <a:lumOff val="25000"/>
-                  </a:schemeClr>
-                </a:solidFill>
-                <a:latin typeface="Consolas" panose="020B0609020204030204" pitchFamily="49" charset="0"/>
-                <a:ea typeface="微软雅黑" panose="020B0503020204020204" pitchFamily="34" charset="-122"/>
-                <a:cs typeface="Courier New" pitchFamily="49" charset="0"/>
-              </a:rPr>
-              <a:t>)</a:t>
+              <a:t>(c)</a:t>
             </a:r>
           </a:p>
           <a:p>
@@ -34821,10 +32260,10 @@
                 <a:ea typeface="微软雅黑" panose="020B0503020204020204" pitchFamily="34" charset="-122"/>
                 <a:cs typeface="Courier New" pitchFamily="49" charset="0"/>
               </a:rPr>
-              <a:t>void Time::print</a:t>
-            </a:r>
-            <a:r>
-              <a:rPr lang="en-US" altLang="zh-CN" sz="2200" b="1" dirty="0" smtClean="0">
+              <a:t>void Time::print() </a:t>
+            </a:r>
+            <a:r>
+              <a:rPr lang="en-US" altLang="zh-CN" sz="2200" b="1" dirty="0" err="1">
                 <a:solidFill>
                   <a:schemeClr val="tx1">
                     <a:lumMod val="75000"/>
@@ -34835,10 +32274,10 @@
                 <a:ea typeface="微软雅黑" panose="020B0503020204020204" pitchFamily="34" charset="-122"/>
                 <a:cs typeface="Courier New" pitchFamily="49" charset="0"/>
               </a:rPr>
-              <a:t>() </a:t>
-            </a:r>
-            <a:r>
-              <a:rPr lang="en-US" altLang="zh-CN" sz="2200" b="1" dirty="0" err="1" smtClean="0">
+              <a:t>const</a:t>
+            </a:r>
+            <a:r>
+              <a:rPr lang="en-US" altLang="zh-CN" sz="2200" b="1" dirty="0">
                 <a:solidFill>
                   <a:schemeClr val="tx1">
                     <a:lumMod val="75000"/>
@@ -34849,33 +32288,8 @@
                 <a:ea typeface="微软雅黑" panose="020B0503020204020204" pitchFamily="34" charset="-122"/>
                 <a:cs typeface="Courier New" pitchFamily="49" charset="0"/>
               </a:rPr>
-              <a:t>const</a:t>
-            </a:r>
-            <a:r>
-              <a:rPr lang="en-US" altLang="zh-CN" sz="2200" b="1" dirty="0" smtClean="0">
-                <a:solidFill>
-                  <a:schemeClr val="tx1">
-                    <a:lumMod val="75000"/>
-                    <a:lumOff val="25000"/>
-                  </a:schemeClr>
-                </a:solidFill>
-                <a:latin typeface="Consolas" panose="020B0609020204030204" pitchFamily="49" charset="0"/>
-                <a:ea typeface="微软雅黑" panose="020B0503020204020204" pitchFamily="34" charset="-122"/>
-                <a:cs typeface="Courier New" pitchFamily="49" charset="0"/>
-              </a:rPr>
               <a:t> {</a:t>
             </a:r>
-            <a:endParaRPr lang="en-US" altLang="zh-CN" sz="2200" b="1" dirty="0">
-              <a:solidFill>
-                <a:schemeClr val="tx1">
-                  <a:lumMod val="75000"/>
-                  <a:lumOff val="25000"/>
-                </a:schemeClr>
-              </a:solidFill>
-              <a:latin typeface="Consolas" panose="020B0609020204030204" pitchFamily="49" charset="0"/>
-              <a:ea typeface="微软雅黑" panose="020B0503020204020204" pitchFamily="34" charset="-122"/>
-              <a:cs typeface="Courier New" pitchFamily="49" charset="0"/>
-            </a:endParaRPr>
           </a:p>
           <a:p>
             <a:pPr marL="0" indent="0" eaLnBrk="1" hangingPunct="1">
@@ -35133,33 +32547,8 @@
                 <a:ea typeface="微软雅黑" panose="020B0503020204020204" pitchFamily="34" charset="-122"/>
                 <a:cs typeface="Courier New" pitchFamily="49" charset="0"/>
               </a:rPr>
-              <a:t> </a:t>
-            </a:r>
-            <a:r>
-              <a:rPr lang="en-US" altLang="zh-CN" sz="2200" b="1" dirty="0" smtClean="0">
-                <a:solidFill>
-                  <a:schemeClr val="tx1">
-                    <a:lumMod val="75000"/>
-                    <a:lumOff val="25000"/>
-                  </a:schemeClr>
-                </a:solidFill>
-                <a:latin typeface="Consolas" panose="020B0609020204030204" pitchFamily="49" charset="0"/>
-                <a:ea typeface="微软雅黑" panose="020B0503020204020204" pitchFamily="34" charset="-122"/>
-                <a:cs typeface="Courier New" pitchFamily="49" charset="0"/>
-              </a:rPr>
-              <a:t>main(void) {</a:t>
-            </a:r>
-            <a:endParaRPr lang="en-US" altLang="zh-CN" sz="2200" b="1" dirty="0">
-              <a:solidFill>
-                <a:schemeClr val="tx1">
-                  <a:lumMod val="75000"/>
-                  <a:lumOff val="25000"/>
-                </a:schemeClr>
-              </a:solidFill>
-              <a:latin typeface="Consolas" panose="020B0609020204030204" pitchFamily="49" charset="0"/>
-              <a:ea typeface="微软雅黑" panose="020B0503020204020204" pitchFamily="34" charset="-122"/>
-              <a:cs typeface="Courier New" pitchFamily="49" charset="0"/>
-            </a:endParaRPr>
+              <a:t> main(void) {</a:t>
+            </a:r>
           </a:p>
           <a:p>
             <a:pPr marL="0" indent="0" eaLnBrk="1" hangingPunct="1">
@@ -35285,7 +32674,7 @@
               </a:buClr>
             </a:pPr>
             <a:r>
-              <a:rPr lang="en-US" altLang="zh-CN" sz="2200" b="1" dirty="0" smtClean="0">
+              <a:rPr lang="en-US" altLang="zh-CN" sz="2200" b="1" dirty="0">
                 <a:solidFill>
                   <a:schemeClr val="tx1">
                     <a:lumMod val="75000"/>
@@ -35296,21 +32685,7 @@
                 <a:ea typeface="微软雅黑" panose="020B0503020204020204" pitchFamily="34" charset="-122"/>
                 <a:cs typeface="Courier New" pitchFamily="49" charset="0"/>
               </a:rPr>
-              <a:t>    return </a:t>
-            </a:r>
-            <a:r>
-              <a:rPr lang="en-US" altLang="zh-CN" sz="2200" b="1" dirty="0">
-                <a:solidFill>
-                  <a:schemeClr val="tx1">
-                    <a:lumMod val="75000"/>
-                    <a:lumOff val="25000"/>
-                  </a:schemeClr>
-                </a:solidFill>
-                <a:latin typeface="Consolas" panose="020B0609020204030204" pitchFamily="49" charset="0"/>
-                <a:ea typeface="微软雅黑" panose="020B0503020204020204" pitchFamily="34" charset="-122"/>
-                <a:cs typeface="Courier New" pitchFamily="49" charset="0"/>
-              </a:rPr>
-              <a:t>0;</a:t>
+              <a:t>    return 0;</a:t>
             </a:r>
           </a:p>
           <a:p>
@@ -35385,13 +32760,6 @@
   <p:clrMapOvr>
     <a:masterClrMapping/>
   </p:clrMapOvr>
-  <p:timing>
-    <p:tnLst>
-      <p:par>
-        <p:cTn id="1" dur="indefinite" restart="never" nodeType="tmRoot"/>
-      </p:par>
-    </p:tnLst>
-  </p:timing>
 </p:sld>
 </file>
 
@@ -35516,27 +32884,8 @@
                   </a:schemeClr>
                 </a:solidFill>
               </a:rPr>
-              <a:t>成员函数可以作为重载</a:t>
-            </a:r>
-            <a:r>
-              <a:rPr lang="zh-CN" altLang="en-US" sz="3200" smtClean="0">
-                <a:solidFill>
-                  <a:schemeClr val="tx1">
-                    <a:lumMod val="75000"/>
-                    <a:lumOff val="25000"/>
-                  </a:schemeClr>
-                </a:solidFill>
-              </a:rPr>
-              <a:t>依据</a:t>
-            </a:r>
-            <a:endParaRPr lang="zh-CN" altLang="en-US" sz="3200">
-              <a:solidFill>
-                <a:schemeClr val="tx1">
-                  <a:lumMod val="75000"/>
-                  <a:lumOff val="25000"/>
-                </a:schemeClr>
-              </a:solidFill>
-            </a:endParaRPr>
+              <a:t>成员函数可以作为重载依据</a:t>
+            </a:r>
           </a:p>
         </p:txBody>
       </p:sp>
@@ -36186,33 +33535,8 @@
                 <a:ea typeface="微软雅黑" panose="020B0503020204020204" pitchFamily="34" charset="-122"/>
                 <a:cs typeface="Courier New" pitchFamily="49" charset="0"/>
               </a:rPr>
-              <a:t>void A::print</a:t>
-            </a:r>
-            <a:r>
-              <a:rPr lang="en-US" altLang="zh-CN" b="1" smtClean="0">
-                <a:solidFill>
-                  <a:schemeClr val="tx1">
-                    <a:lumMod val="75000"/>
-                    <a:lumOff val="25000"/>
-                  </a:schemeClr>
-                </a:solidFill>
-                <a:latin typeface="Consolas" panose="020B0609020204030204" pitchFamily="49" charset="0"/>
-                <a:ea typeface="微软雅黑" panose="020B0503020204020204" pitchFamily="34" charset="-122"/>
-                <a:cs typeface="Courier New" pitchFamily="49" charset="0"/>
-              </a:rPr>
-              <a:t>() {</a:t>
-            </a:r>
-            <a:endParaRPr lang="en-US" altLang="zh-CN" b="1">
-              <a:solidFill>
-                <a:schemeClr val="tx1">
-                  <a:lumMod val="75000"/>
-                  <a:lumOff val="25000"/>
-                </a:schemeClr>
-              </a:solidFill>
-              <a:latin typeface="Consolas" panose="020B0609020204030204" pitchFamily="49" charset="0"/>
-              <a:ea typeface="微软雅黑" panose="020B0503020204020204" pitchFamily="34" charset="-122"/>
-              <a:cs typeface="Courier New" pitchFamily="49" charset="0"/>
-            </a:endParaRPr>
+              <a:t>void A::print() {</a:t>
+            </a:r>
           </a:p>
           <a:p>
             <a:pPr marL="0" indent="0" eaLnBrk="1" hangingPunct="1">
@@ -36242,7 +33566,7 @@
               </a:buClr>
             </a:pPr>
             <a:r>
-              <a:rPr lang="en-US" altLang="zh-CN" b="1" smtClean="0">
+              <a:rPr lang="en-US" altLang="zh-CN" b="1">
                 <a:solidFill>
                   <a:schemeClr val="tx1">
                     <a:lumMod val="75000"/>
@@ -36255,17 +33579,6 @@
               </a:rPr>
               <a:t>}</a:t>
             </a:r>
-            <a:endParaRPr lang="en-US" altLang="zh-CN" b="1">
-              <a:solidFill>
-                <a:schemeClr val="tx1">
-                  <a:lumMod val="75000"/>
-                  <a:lumOff val="25000"/>
-                </a:schemeClr>
-              </a:solidFill>
-              <a:latin typeface="Consolas" panose="020B0609020204030204" pitchFamily="49" charset="0"/>
-              <a:ea typeface="微软雅黑" panose="020B0503020204020204" pitchFamily="34" charset="-122"/>
-              <a:cs typeface="Courier New" pitchFamily="49" charset="0"/>
-            </a:endParaRPr>
           </a:p>
           <a:p>
             <a:pPr marL="0" indent="0" eaLnBrk="1" hangingPunct="1">
@@ -36285,33 +33598,8 @@
                 <a:ea typeface="微软雅黑" panose="020B0503020204020204" pitchFamily="34" charset="-122"/>
                 <a:cs typeface="Courier New" pitchFamily="49" charset="0"/>
               </a:rPr>
-              <a:t>int </a:t>
-            </a:r>
-            <a:r>
-              <a:rPr lang="en-US" altLang="zh-CN" b="1" smtClean="0">
-                <a:solidFill>
-                  <a:schemeClr val="tx1">
-                    <a:lumMod val="75000"/>
-                    <a:lumOff val="25000"/>
-                  </a:schemeClr>
-                </a:solidFill>
-                <a:latin typeface="Consolas" panose="020B0609020204030204" pitchFamily="49" charset="0"/>
-                <a:ea typeface="微软雅黑" panose="020B0503020204020204" pitchFamily="34" charset="-122"/>
-                <a:cs typeface="Courier New" pitchFamily="49" charset="0"/>
-              </a:rPr>
-              <a:t>main(void)</a:t>
-            </a:r>
-            <a:endParaRPr lang="en-US" altLang="zh-CN" b="1">
-              <a:solidFill>
-                <a:schemeClr val="tx1">
-                  <a:lumMod val="75000"/>
-                  <a:lumOff val="25000"/>
-                </a:schemeClr>
-              </a:solidFill>
-              <a:latin typeface="Consolas" panose="020B0609020204030204" pitchFamily="49" charset="0"/>
-              <a:ea typeface="微软雅黑" panose="020B0503020204020204" pitchFamily="34" charset="-122"/>
-              <a:cs typeface="Courier New" pitchFamily="49" charset="0"/>
-            </a:endParaRPr>
+              <a:t>int main(void)</a:t>
+            </a:r>
           </a:p>
           <a:p>
             <a:pPr marL="0" indent="0" eaLnBrk="1" hangingPunct="1">
@@ -36440,33 +33728,8 @@
                 <a:ea typeface="微软雅黑" panose="020B0503020204020204" pitchFamily="34" charset="-122"/>
                 <a:cs typeface="Courier New" pitchFamily="49" charset="0"/>
               </a:rPr>
-              <a:t>    a2.print</a:t>
-            </a:r>
-            <a:r>
-              <a:rPr lang="en-US" altLang="zh-CN" b="1" smtClean="0">
-                <a:solidFill>
-                  <a:schemeClr val="tx1">
-                    <a:lumMod val="75000"/>
-                    <a:lumOff val="25000"/>
-                  </a:schemeClr>
-                </a:solidFill>
-                <a:latin typeface="Consolas" panose="020B0609020204030204" pitchFamily="49" charset="0"/>
-                <a:ea typeface="微软雅黑" panose="020B0503020204020204" pitchFamily="34" charset="-122"/>
-                <a:cs typeface="Courier New" pitchFamily="49" charset="0"/>
-              </a:rPr>
-              <a:t>();</a:t>
-            </a:r>
-            <a:endParaRPr lang="en-US" altLang="zh-CN" b="1">
-              <a:solidFill>
-                <a:schemeClr val="tx1">
-                  <a:lumMod val="75000"/>
-                  <a:lumOff val="25000"/>
-                </a:schemeClr>
-              </a:solidFill>
-              <a:latin typeface="Consolas" panose="020B0609020204030204" pitchFamily="49" charset="0"/>
-              <a:ea typeface="微软雅黑" panose="020B0503020204020204" pitchFamily="34" charset="-122"/>
-              <a:cs typeface="Courier New" pitchFamily="49" charset="0"/>
-            </a:endParaRPr>
+              <a:t>    a2.print();</a:t>
+            </a:r>
           </a:p>
           <a:p>
             <a:pPr marL="0" indent="0" eaLnBrk="1" hangingPunct="1">
@@ -36561,13 +33824,6 @@
   <p:clrMapOvr>
     <a:masterClrMapping/>
   </p:clrMapOvr>
-  <p:timing>
-    <p:tnLst>
-      <p:par>
-        <p:cTn id="1" dur="indefinite" restart="never" nodeType="tmRoot"/>
-      </p:par>
-    </p:tnLst>
-  </p:timing>
 </p:sld>
 </file>
 
@@ -36618,12 +33874,8 @@
               <a:t>- </a:t>
             </a:r>
             <a:r>
-              <a:rPr lang="zh-CN" altLang="en-US" smtClean="0"/>
-              <a:t>常</a:t>
-            </a:r>
-            <a:r>
               <a:rPr lang="zh-CN" altLang="en-US"/>
-              <a:t>对象</a:t>
+              <a:t>常对象</a:t>
             </a:r>
           </a:p>
         </p:txBody>
@@ -36903,13 +34155,6 @@
   <p:clrMapOvr>
     <a:masterClrMapping/>
   </p:clrMapOvr>
-  <p:timing>
-    <p:tnLst>
-      <p:par>
-        <p:cTn id="1" dur="indefinite" restart="never" nodeType="tmRoot"/>
-      </p:par>
-    </p:tnLst>
-  </p:timing>
 </p:sld>
 </file>
 
@@ -37000,7 +34245,7 @@
               <a:defRPr/>
             </a:pPr>
             <a:r>
-              <a:rPr lang="zh-CN" altLang="en-US" sz="3600" b="1" kern="0" smtClean="0">
+              <a:rPr lang="zh-CN" altLang="en-US" sz="3600" b="1" kern="0">
                 <a:solidFill>
                   <a:schemeClr val="tx1">
                     <a:lumMod val="75000"/>
@@ -37013,17 +34258,6 @@
               </a:rPr>
               <a:t>总结：</a:t>
             </a:r>
-            <a:endParaRPr lang="zh-CN" altLang="en-US" sz="3600" b="1" kern="0">
-              <a:solidFill>
-                <a:schemeClr val="tx1">
-                  <a:lumMod val="75000"/>
-                  <a:lumOff val="25000"/>
-                </a:schemeClr>
-              </a:solidFill>
-              <a:latin typeface="微软雅黑" panose="020B0503020204020204" pitchFamily="34" charset="-122"/>
-              <a:ea typeface="微软雅黑" panose="020B0503020204020204" pitchFamily="34" charset="-122"/>
-              <a:cs typeface="Courier New" pitchFamily="49" charset="0"/>
-            </a:endParaRPr>
           </a:p>
         </p:txBody>
       </p:sp>
@@ -37062,21 +34296,21 @@
                 <a:gridCol w="3669686">
                   <a:extLst>
                     <a:ext uri="{9D8B030D-6E8A-4147-A177-3AD203B41FA5}">
-                      <a16:colId xmlns="" xmlns:a16="http://schemas.microsoft.com/office/drawing/2014/main" val="20000"/>
+                      <a16:colId xmlns:a16="http://schemas.microsoft.com/office/drawing/2014/main" val="20000"/>
                     </a:ext>
                   </a:extLst>
                 </a:gridCol>
                 <a:gridCol w="3683000">
                   <a:extLst>
                     <a:ext uri="{9D8B030D-6E8A-4147-A177-3AD203B41FA5}">
-                      <a16:colId xmlns="" xmlns:a16="http://schemas.microsoft.com/office/drawing/2014/main" val="20001"/>
+                      <a16:colId xmlns:a16="http://schemas.microsoft.com/office/drawing/2014/main" val="20001"/>
                     </a:ext>
                   </a:extLst>
                 </a:gridCol>
                 <a:gridCol w="3289300">
                   <a:extLst>
                     <a:ext uri="{9D8B030D-6E8A-4147-A177-3AD203B41FA5}">
-                      <a16:colId xmlns="" xmlns:a16="http://schemas.microsoft.com/office/drawing/2014/main" val="20002"/>
+                      <a16:colId xmlns:a16="http://schemas.microsoft.com/office/drawing/2014/main" val="20002"/>
                     </a:ext>
                   </a:extLst>
                 </a:gridCol>
@@ -37089,7 +34323,7 @@
                     <a:p>
                       <a:pPr algn="ctr"/>
                       <a:r>
-                        <a:rPr lang="zh-CN" altLang="en-US" sz="3200" dirty="0" smtClean="0">
+                        <a:rPr lang="zh-CN" altLang="en-US" sz="3200" dirty="0">
                           <a:solidFill>
                             <a:schemeClr val="tx1">
                               <a:lumMod val="75000"/>
@@ -37101,16 +34335,6 @@
                         </a:rPr>
                         <a:t>数据成员</a:t>
                       </a:r>
-                      <a:endParaRPr lang="zh-CN" altLang="en-US" sz="3200" dirty="0">
-                        <a:solidFill>
-                          <a:schemeClr val="tx1">
-                            <a:lumMod val="75000"/>
-                            <a:lumOff val="25000"/>
-                          </a:schemeClr>
-                        </a:solidFill>
-                        <a:latin typeface="微软雅黑" panose="020B0503020204020204" pitchFamily="34" charset="-122"/>
-                        <a:ea typeface="微软雅黑" panose="020B0503020204020204" pitchFamily="34" charset="-122"/>
-                      </a:endParaRPr>
                     </a:p>
                   </a:txBody>
                   <a:tcPr marL="91439" marR="91439" marT="45694" marB="45694" anchor="ctr">
@@ -37173,7 +34397,7 @@
                     <a:p>
                       <a:pPr algn="ctr"/>
                       <a:r>
-                        <a:rPr lang="zh-CN" altLang="en-US" sz="3200" dirty="0" smtClean="0">
+                        <a:rPr lang="zh-CN" altLang="en-US" sz="3200" dirty="0">
                           <a:solidFill>
                             <a:schemeClr val="tx1">
                               <a:lumMod val="75000"/>
@@ -37186,7 +34410,7 @@
                         <a:t>非</a:t>
                       </a:r>
                       <a:r>
-                        <a:rPr lang="en-US" altLang="zh-CN" sz="3200" dirty="0" smtClean="0">
+                        <a:rPr lang="en-US" altLang="zh-CN" sz="3200" dirty="0">
                           <a:solidFill>
                             <a:schemeClr val="tx1">
                               <a:lumMod val="75000"/>
@@ -37199,7 +34423,7 @@
                         <a:t>const</a:t>
                       </a:r>
                       <a:r>
-                        <a:rPr lang="zh-CN" altLang="en-US" sz="3200" dirty="0" smtClean="0">
+                        <a:rPr lang="zh-CN" altLang="en-US" sz="3200" dirty="0">
                           <a:solidFill>
                             <a:schemeClr val="tx1">
                               <a:lumMod val="75000"/>
@@ -37211,16 +34435,6 @@
                         </a:rPr>
                         <a:t>成员函数</a:t>
                       </a:r>
-                      <a:endParaRPr lang="zh-CN" altLang="en-US" sz="3200" dirty="0">
-                        <a:solidFill>
-                          <a:schemeClr val="tx1">
-                            <a:lumMod val="75000"/>
-                            <a:lumOff val="25000"/>
-                          </a:schemeClr>
-                        </a:solidFill>
-                        <a:latin typeface="微软雅黑" panose="020B0503020204020204" pitchFamily="34" charset="-122"/>
-                        <a:ea typeface="微软雅黑" panose="020B0503020204020204" pitchFamily="34" charset="-122"/>
-                      </a:endParaRPr>
                     </a:p>
                   </a:txBody>
                   <a:tcPr marL="91439" marR="91439" marT="45694" marB="45694" anchor="ctr">
@@ -37283,7 +34497,7 @@
                     <a:p>
                       <a:pPr algn="ctr"/>
                       <a:r>
-                        <a:rPr lang="en-US" altLang="zh-CN" sz="3200" dirty="0" smtClean="0">
+                        <a:rPr lang="en-US" altLang="zh-CN" sz="3200" dirty="0">
                           <a:solidFill>
                             <a:schemeClr val="tx1">
                               <a:lumMod val="75000"/>
@@ -37296,7 +34510,7 @@
                         <a:t>const</a:t>
                       </a:r>
                       <a:r>
-                        <a:rPr lang="zh-CN" altLang="en-US" sz="3200" dirty="0" smtClean="0">
+                        <a:rPr lang="zh-CN" altLang="en-US" sz="3200" dirty="0">
                           <a:solidFill>
                             <a:schemeClr val="tx1">
                               <a:lumMod val="75000"/>
@@ -37308,16 +34522,6 @@
                         </a:rPr>
                         <a:t>成员函数</a:t>
                       </a:r>
-                      <a:endParaRPr lang="zh-CN" altLang="en-US" sz="3200" dirty="0">
-                        <a:solidFill>
-                          <a:schemeClr val="tx1">
-                            <a:lumMod val="75000"/>
-                            <a:lumOff val="25000"/>
-                          </a:schemeClr>
-                        </a:solidFill>
-                        <a:latin typeface="微软雅黑" panose="020B0503020204020204" pitchFamily="34" charset="-122"/>
-                        <a:ea typeface="微软雅黑" panose="020B0503020204020204" pitchFamily="34" charset="-122"/>
-                      </a:endParaRPr>
                     </a:p>
                   </a:txBody>
                   <a:tcPr marL="91439" marR="91439" marT="45694" marB="45694" anchor="ctr">
@@ -37375,7 +34579,7 @@
                 </a:tc>
                 <a:extLst>
                   <a:ext uri="{0D108BD9-81ED-4DB2-BD59-A6C34878D82A}">
-                    <a16:rowId xmlns="" xmlns:a16="http://schemas.microsoft.com/office/drawing/2014/main" val="10000"/>
+                    <a16:rowId xmlns:a16="http://schemas.microsoft.com/office/drawing/2014/main" val="10000"/>
                   </a:ext>
                 </a:extLst>
               </a:tr>
@@ -37387,7 +34591,7 @@
                     <a:p>
                       <a:pPr algn="ctr"/>
                       <a:r>
-                        <a:rPr lang="zh-CN" altLang="en-US" sz="2800" dirty="0" smtClean="0">
+                        <a:rPr lang="zh-CN" altLang="en-US" sz="2800" dirty="0">
                           <a:solidFill>
                             <a:schemeClr val="tx1">
                               <a:lumMod val="75000"/>
@@ -37400,7 +34604,7 @@
                         <a:t>非</a:t>
                       </a:r>
                       <a:r>
-                        <a:rPr lang="en-US" altLang="zh-CN" sz="2800" dirty="0" smtClean="0">
+                        <a:rPr lang="en-US" altLang="zh-CN" sz="2800" dirty="0">
                           <a:solidFill>
                             <a:schemeClr val="tx1">
                               <a:lumMod val="75000"/>
@@ -37413,7 +34617,7 @@
                         <a:t>const</a:t>
                       </a:r>
                       <a:r>
-                        <a:rPr lang="zh-CN" altLang="en-US" sz="2800" dirty="0" smtClean="0">
+                        <a:rPr lang="zh-CN" altLang="en-US" sz="2800" dirty="0">
                           <a:solidFill>
                             <a:schemeClr val="tx1">
                               <a:lumMod val="75000"/>
@@ -37425,16 +34629,6 @@
                         </a:rPr>
                         <a:t>数据成员</a:t>
                       </a:r>
-                      <a:endParaRPr lang="zh-CN" altLang="en-US" sz="2800" dirty="0">
-                        <a:solidFill>
-                          <a:schemeClr val="tx1">
-                            <a:lumMod val="75000"/>
-                            <a:lumOff val="25000"/>
-                          </a:schemeClr>
-                        </a:solidFill>
-                        <a:latin typeface="微软雅黑" panose="020B0503020204020204" pitchFamily="34" charset="-122"/>
-                        <a:ea typeface="微软雅黑" panose="020B0503020204020204" pitchFamily="34" charset="-122"/>
-                      </a:endParaRPr>
                     </a:p>
                   </a:txBody>
                   <a:tcPr marL="91439" marR="91439" marT="45694" marB="45694" anchor="ctr">
@@ -37497,7 +34691,7 @@
                     <a:p>
                       <a:pPr algn="ctr"/>
                       <a:r>
-                        <a:rPr lang="zh-CN" altLang="en-US" sz="2800" dirty="0" smtClean="0">
+                        <a:rPr lang="zh-CN" altLang="en-US" sz="2800" dirty="0">
                           <a:solidFill>
                             <a:schemeClr val="tx1">
                               <a:lumMod val="75000"/>
@@ -37509,7 +34703,7 @@
                         </a:rPr>
                         <a:t>可以引用，</a:t>
                       </a:r>
-                      <a:endParaRPr lang="en-US" altLang="zh-CN" sz="2800" dirty="0" smtClean="0">
+                      <a:endParaRPr lang="en-US" altLang="zh-CN" sz="2800" dirty="0">
                         <a:solidFill>
                           <a:schemeClr val="tx1">
                             <a:lumMod val="75000"/>
@@ -37523,7 +34717,7 @@
                     <a:p>
                       <a:pPr algn="ctr"/>
                       <a:r>
-                        <a:rPr lang="zh-CN" altLang="en-US" sz="2800" dirty="0" smtClean="0">
+                        <a:rPr lang="zh-CN" altLang="en-US" sz="2800" dirty="0">
                           <a:solidFill>
                             <a:schemeClr val="tx1">
                               <a:lumMod val="75000"/>
@@ -37535,16 +34729,6 @@
                         </a:rPr>
                         <a:t>也可以改变值</a:t>
                       </a:r>
-                      <a:endParaRPr lang="zh-CN" altLang="en-US" sz="2800" dirty="0">
-                        <a:solidFill>
-                          <a:schemeClr val="tx1">
-                            <a:lumMod val="75000"/>
-                            <a:lumOff val="25000"/>
-                          </a:schemeClr>
-                        </a:solidFill>
-                        <a:latin typeface="微软雅黑" panose="020B0503020204020204" pitchFamily="34" charset="-122"/>
-                        <a:ea typeface="微软雅黑" panose="020B0503020204020204" pitchFamily="34" charset="-122"/>
-                      </a:endParaRPr>
                     </a:p>
                   </a:txBody>
                   <a:tcPr marL="91439" marR="91439" marT="45694" marB="45694" anchor="ctr">
@@ -37607,7 +34791,7 @@
                     <a:p>
                       <a:pPr algn="ctr"/>
                       <a:r>
-                        <a:rPr lang="zh-CN" altLang="en-US" sz="2800" dirty="0" smtClean="0">
+                        <a:rPr lang="zh-CN" altLang="en-US" sz="2800" dirty="0">
                           <a:solidFill>
                             <a:schemeClr val="tx1">
                               <a:lumMod val="75000"/>
@@ -37619,7 +34803,7 @@
                         </a:rPr>
                         <a:t>可以引用，</a:t>
                       </a:r>
-                      <a:endParaRPr lang="en-US" altLang="zh-CN" sz="2800" dirty="0" smtClean="0">
+                      <a:endParaRPr lang="en-US" altLang="zh-CN" sz="2800" dirty="0">
                         <a:solidFill>
                           <a:schemeClr val="tx1">
                             <a:lumMod val="75000"/>
@@ -37633,7 +34817,7 @@
                     <a:p>
                       <a:pPr algn="ctr"/>
                       <a:r>
-                        <a:rPr lang="zh-CN" altLang="en-US" sz="2800" dirty="0" smtClean="0">
+                        <a:rPr lang="zh-CN" altLang="en-US" sz="2800" dirty="0">
                           <a:solidFill>
                             <a:schemeClr val="tx1">
                               <a:lumMod val="75000"/>
@@ -37702,7 +34886,7 @@
                 </a:tc>
                 <a:extLst>
                   <a:ext uri="{0D108BD9-81ED-4DB2-BD59-A6C34878D82A}">
-                    <a16:rowId xmlns="" xmlns:a16="http://schemas.microsoft.com/office/drawing/2014/main" val="10001"/>
+                    <a16:rowId xmlns:a16="http://schemas.microsoft.com/office/drawing/2014/main" val="10001"/>
                   </a:ext>
                 </a:extLst>
               </a:tr>
@@ -37714,7 +34898,7 @@
                     <a:p>
                       <a:pPr algn="ctr"/>
                       <a:r>
-                        <a:rPr lang="en-US" altLang="zh-CN" sz="2800" dirty="0" smtClean="0">
+                        <a:rPr lang="en-US" altLang="zh-CN" sz="2800" dirty="0">
                           <a:solidFill>
                             <a:schemeClr val="tx1">
                               <a:lumMod val="75000"/>
@@ -37727,7 +34911,7 @@
                         <a:t>const</a:t>
                       </a:r>
                       <a:r>
-                        <a:rPr lang="zh-CN" altLang="en-US" sz="2800" dirty="0" smtClean="0">
+                        <a:rPr lang="zh-CN" altLang="en-US" sz="2800" dirty="0">
                           <a:solidFill>
                             <a:schemeClr val="tx1">
                               <a:lumMod val="75000"/>
@@ -37739,16 +34923,6 @@
                         </a:rPr>
                         <a:t>数据成员</a:t>
                       </a:r>
-                      <a:endParaRPr lang="zh-CN" altLang="en-US" sz="2800" dirty="0">
-                        <a:solidFill>
-                          <a:schemeClr val="tx1">
-                            <a:lumMod val="75000"/>
-                            <a:lumOff val="25000"/>
-                          </a:schemeClr>
-                        </a:solidFill>
-                        <a:latin typeface="微软雅黑" panose="020B0503020204020204" pitchFamily="34" charset="-122"/>
-                        <a:ea typeface="微软雅黑" panose="020B0503020204020204" pitchFamily="34" charset="-122"/>
-                      </a:endParaRPr>
                     </a:p>
                   </a:txBody>
                   <a:tcPr marL="91439" marR="91439" marT="45694" marB="45694" anchor="ctr">
@@ -37811,7 +34985,7 @@
                     <a:p>
                       <a:pPr algn="ctr"/>
                       <a:r>
-                        <a:rPr lang="zh-CN" altLang="en-US" sz="2800" dirty="0" smtClean="0">
+                        <a:rPr lang="zh-CN" altLang="en-US" sz="2800" dirty="0">
                           <a:solidFill>
                             <a:schemeClr val="tx1">
                               <a:lumMod val="75000"/>
@@ -37823,21 +34997,8 @@
                         </a:rPr>
                         <a:t>可以引用，</a:t>
                       </a:r>
-                      <a:r>
-                        <a:rPr lang="en-US" altLang="zh-CN" sz="2800" dirty="0" smtClean="0">
-                          <a:solidFill>
-                            <a:schemeClr val="tx1">
-                              <a:lumMod val="75000"/>
-                              <a:lumOff val="25000"/>
-                            </a:schemeClr>
-                          </a:solidFill>
-                          <a:latin typeface="微软雅黑" panose="020B0503020204020204" pitchFamily="34" charset="-122"/>
-                          <a:ea typeface="微软雅黑" panose="020B0503020204020204" pitchFamily="34" charset="-122"/>
-                        </a:rPr>
-                        <a:t/>
-                      </a:r>
                       <a:br>
-                        <a:rPr lang="en-US" altLang="zh-CN" sz="2800" dirty="0" smtClean="0">
+                        <a:rPr lang="en-US" altLang="zh-CN" sz="2800" dirty="0">
                           <a:solidFill>
                             <a:schemeClr val="tx1">
                               <a:lumMod val="75000"/>
@@ -37849,7 +35010,7 @@
                         </a:rPr>
                       </a:br>
                       <a:r>
-                        <a:rPr lang="zh-CN" altLang="en-US" sz="2800" dirty="0" smtClean="0">
+                        <a:rPr lang="zh-CN" altLang="en-US" sz="2800" dirty="0">
                           <a:solidFill>
                             <a:schemeClr val="tx1">
                               <a:lumMod val="75000"/>
@@ -37861,16 +35022,6 @@
                         </a:rPr>
                         <a:t>不可以改变值</a:t>
                       </a:r>
-                      <a:endParaRPr lang="zh-CN" altLang="en-US" sz="2800" dirty="0">
-                        <a:solidFill>
-                          <a:schemeClr val="tx1">
-                            <a:lumMod val="75000"/>
-                            <a:lumOff val="25000"/>
-                          </a:schemeClr>
-                        </a:solidFill>
-                        <a:latin typeface="微软雅黑" panose="020B0503020204020204" pitchFamily="34" charset="-122"/>
-                        <a:ea typeface="微软雅黑" panose="020B0503020204020204" pitchFamily="34" charset="-122"/>
-                      </a:endParaRPr>
                     </a:p>
                   </a:txBody>
                   <a:tcPr marL="91439" marR="91439" marT="45694" marB="45694" anchor="ctr">
@@ -37933,7 +35084,7 @@
                     <a:p>
                       <a:pPr algn="ctr"/>
                       <a:r>
-                        <a:rPr lang="zh-CN" altLang="en-US" sz="2800" dirty="0" smtClean="0">
+                        <a:rPr lang="zh-CN" altLang="en-US" sz="2800" dirty="0">
                           <a:solidFill>
                             <a:schemeClr val="tx1">
                               <a:lumMod val="75000"/>
@@ -37945,21 +35096,8 @@
                         </a:rPr>
                         <a:t>可以引用</a:t>
                       </a:r>
-                      <a:r>
-                        <a:rPr lang="en-US" altLang="zh-CN" sz="2800" dirty="0" smtClean="0">
-                          <a:solidFill>
-                            <a:schemeClr val="tx1">
-                              <a:lumMod val="75000"/>
-                              <a:lumOff val="25000"/>
-                            </a:schemeClr>
-                          </a:solidFill>
-                          <a:latin typeface="微软雅黑" panose="020B0503020204020204" pitchFamily="34" charset="-122"/>
-                          <a:ea typeface="微软雅黑" panose="020B0503020204020204" pitchFamily="34" charset="-122"/>
-                        </a:rPr>
-                        <a:t/>
-                      </a:r>
                       <a:br>
-                        <a:rPr lang="en-US" altLang="zh-CN" sz="2800" dirty="0" smtClean="0">
+                        <a:rPr lang="en-US" altLang="zh-CN" sz="2800" dirty="0">
                           <a:solidFill>
                             <a:schemeClr val="tx1">
                               <a:lumMod val="75000"/>
@@ -37971,7 +35109,7 @@
                         </a:rPr>
                       </a:br>
                       <a:r>
-                        <a:rPr lang="zh-CN" altLang="en-US" sz="2800" dirty="0" smtClean="0">
+                        <a:rPr lang="zh-CN" altLang="en-US" sz="2800" dirty="0">
                           <a:solidFill>
                             <a:schemeClr val="tx1">
                               <a:lumMod val="75000"/>
@@ -37983,16 +35121,6 @@
                         </a:rPr>
                         <a:t>不可以改变值</a:t>
                       </a:r>
-                      <a:endParaRPr lang="zh-CN" altLang="en-US" sz="2800" dirty="0">
-                        <a:solidFill>
-                          <a:schemeClr val="tx1">
-                            <a:lumMod val="75000"/>
-                            <a:lumOff val="25000"/>
-                          </a:schemeClr>
-                        </a:solidFill>
-                        <a:latin typeface="微软雅黑" panose="020B0503020204020204" pitchFamily="34" charset="-122"/>
-                        <a:ea typeface="微软雅黑" panose="020B0503020204020204" pitchFamily="34" charset="-122"/>
-                      </a:endParaRPr>
                     </a:p>
                   </a:txBody>
                   <a:tcPr marL="91439" marR="91439" marT="45694" marB="45694" anchor="ctr">
@@ -38050,7 +35178,7 @@
                 </a:tc>
                 <a:extLst>
                   <a:ext uri="{0D108BD9-81ED-4DB2-BD59-A6C34878D82A}">
-                    <a16:rowId xmlns="" xmlns:a16="http://schemas.microsoft.com/office/drawing/2014/main" val="10002"/>
+                    <a16:rowId xmlns:a16="http://schemas.microsoft.com/office/drawing/2014/main" val="10002"/>
                   </a:ext>
                 </a:extLst>
               </a:tr>
@@ -38068,13 +35196,6 @@
   <p:clrMapOvr>
     <a:masterClrMapping/>
   </p:clrMapOvr>
-  <p:timing>
-    <p:tnLst>
-      <p:par>
-        <p:cTn id="1" dur="indefinite" restart="never" nodeType="tmRoot"/>
-      </p:par>
-    </p:tnLst>
-  </p:timing>
 </p:sld>
 </file>
 
@@ -38143,16 +35264,6 @@
             <a:lstStyle/>
             <a:p>
               <a:r>
-                <a:rPr lang="zh-CN" altLang="en-US" sz="2400" b="1" kern="0" smtClean="0">
-                  <a:solidFill>
-                    <a:schemeClr val="bg1"/>
-                  </a:solidFill>
-                  <a:latin typeface="微软雅黑" panose="020B0503020204020204" pitchFamily="34" charset="-122"/>
-                  <a:ea typeface="微软雅黑" panose="020B0503020204020204" pitchFamily="34" charset="-122"/>
-                </a:rPr>
-                <a:t>          静态</a:t>
-              </a:r>
-              <a:r>
                 <a:rPr lang="zh-CN" altLang="en-US" sz="2400" b="1" kern="0">
                   <a:solidFill>
                     <a:schemeClr val="bg1"/>
@@ -38160,7 +35271,7 @@
                   <a:latin typeface="微软雅黑" panose="020B0503020204020204" pitchFamily="34" charset="-122"/>
                   <a:ea typeface="微软雅黑" panose="020B0503020204020204" pitchFamily="34" charset="-122"/>
                 </a:rPr>
-                <a:t>成员</a:t>
+                <a:t>          静态成员</a:t>
               </a:r>
             </a:p>
           </p:txBody>
@@ -38385,7 +35496,7 @@
             <a:lstStyle/>
             <a:p>
               <a:r>
-                <a:rPr lang="en-US" altLang="zh-CN" sz="2400" b="1" kern="0" smtClean="0">
+                <a:rPr lang="en-US" altLang="zh-CN" sz="2400" b="1" kern="0">
                   <a:solidFill>
                     <a:schemeClr val="tx1">
                       <a:lumMod val="65000"/>
@@ -38639,19 +35750,6 @@
             <a:lstStyle/>
             <a:p>
               <a:r>
-                <a:rPr lang="zh-CN" altLang="en-US" sz="2400" b="1" kern="0" smtClean="0">
-                  <a:solidFill>
-                    <a:schemeClr val="tx1">
-                      <a:lumMod val="65000"/>
-                      <a:lumOff val="35000"/>
-                    </a:schemeClr>
-                  </a:solidFill>
-                  <a:latin typeface="微软雅黑" panose="020B0503020204020204" pitchFamily="34" charset="-122"/>
-                  <a:ea typeface="微软雅黑" panose="020B0503020204020204" pitchFamily="34" charset="-122"/>
-                </a:rPr>
-                <a:t>          对象</a:t>
-              </a:r>
-              <a:r>
                 <a:rPr lang="zh-CN" altLang="en-US" sz="2400" b="1" kern="0">
                   <a:solidFill>
                     <a:schemeClr val="tx1">
@@ -38662,7 +35760,7 @@
                   <a:latin typeface="微软雅黑" panose="020B0503020204020204" pitchFamily="34" charset="-122"/>
                   <a:ea typeface="微软雅黑" panose="020B0503020204020204" pitchFamily="34" charset="-122"/>
                 </a:rPr>
-                <a:t>成员</a:t>
+                <a:t>          对象成员</a:t>
               </a:r>
             </a:p>
           </p:txBody>
@@ -38853,13 +35951,6 @@
   <p:clrMapOvr>
     <a:masterClrMapping/>
   </p:clrMapOvr>
-  <p:timing>
-    <p:tnLst>
-      <p:par>
-        <p:cTn id="1" dur="indefinite" restart="never" nodeType="tmRoot"/>
-      </p:par>
-    </p:tnLst>
-  </p:timing>
 </p:sld>
 </file>
 
@@ -39085,13 +36176,6 @@
   <p:clrMapOvr>
     <a:masterClrMapping/>
   </p:clrMapOvr>
-  <p:timing>
-    <p:tnLst>
-      <p:par>
-        <p:cTn id="1" dur="indefinite" restart="never" nodeType="tmRoot"/>
-      </p:par>
-    </p:tnLst>
-  </p:timing>
 </p:sld>
 </file>
 
@@ -39122,13 +36206,6 @@
   <p:clrMapOvr>
     <a:masterClrMapping/>
   </p:clrMapOvr>
-  <p:timing>
-    <p:tnLst>
-      <p:par>
-        <p:cTn id="1" dur="indefinite" restart="never" nodeType="tmRoot"/>
-      </p:par>
-    </p:tnLst>
-  </p:timing>
 </p:sld>
 </file>
 
@@ -39752,13 +36829,6 @@
   <p:clrMapOvr>
     <a:masterClrMapping/>
   </p:clrMapOvr>
-  <p:timing>
-    <p:tnLst>
-      <p:par>
-        <p:cTn id="1" dur="indefinite" restart="never" nodeType="tmRoot"/>
-      </p:par>
-    </p:tnLst>
-  </p:timing>
 </p:sld>
 </file>
 
@@ -39798,29 +36868,16 @@
           <a:p>
             <a:r>
               <a:rPr lang="zh-CN" altLang="en-US"/>
-              <a:t>静态</a:t>
-            </a:r>
-            <a:r>
-              <a:rPr lang="zh-CN" altLang="en-US" smtClean="0"/>
-              <a:t>成员 </a:t>
-            </a:r>
-            <a:r>
-              <a:rPr lang="en-US" altLang="zh-CN" smtClean="0"/>
+              <a:t>静态成员 </a:t>
+            </a:r>
+            <a:r>
+              <a:rPr lang="en-US" altLang="zh-CN"/>
               <a:t>- </a:t>
             </a:r>
             <a:r>
-              <a:rPr lang="zh-CN" altLang="en-US" smtClean="0"/>
-              <a:t>静态</a:t>
-            </a:r>
-            <a:r>
               <a:rPr lang="zh-CN" altLang="en-US"/>
-              <a:t>数据</a:t>
-            </a:r>
-            <a:r>
-              <a:rPr lang="zh-CN" altLang="en-US" smtClean="0"/>
-              <a:t>成员</a:t>
-            </a:r>
-            <a:endParaRPr lang="zh-CN" altLang="en-US"/>
+              <a:t>静态数据成员</a:t>
+            </a:r>
           </a:p>
         </p:txBody>
       </p:sp>
@@ -39857,7 +36914,7 @@
               </a:buClr>
             </a:pPr>
             <a:r>
-              <a:rPr lang="zh-CN" altLang="en-US" sz="3200" smtClean="0">
+              <a:rPr lang="zh-CN" altLang="en-US" sz="3200" dirty="0">
                 <a:solidFill>
                   <a:schemeClr val="accent1">
                     <a:lumMod val="50000"/>
@@ -39867,7 +36924,7 @@
               <a:t>以关键字</a:t>
             </a:r>
             <a:r>
-              <a:rPr lang="en-US" altLang="zh-CN" sz="3200" smtClean="0">
+              <a:rPr lang="en-US" altLang="zh-CN" sz="3200" dirty="0">
                 <a:solidFill>
                   <a:schemeClr val="accent1">
                     <a:lumMod val="50000"/>
@@ -39877,22 +36934,15 @@
               <a:t>static</a:t>
             </a:r>
             <a:r>
-              <a:rPr lang="zh-CN" altLang="en-US" sz="3200" smtClean="0">
+              <a:rPr lang="zh-CN" altLang="en-US" sz="3200" dirty="0">
                 <a:solidFill>
                   <a:schemeClr val="accent1">
                     <a:lumMod val="50000"/>
                   </a:schemeClr>
                 </a:solidFill>
               </a:rPr>
-              <a:t>声明的数据成员</a:t>
-            </a:r>
-            <a:endParaRPr lang="zh-CN" altLang="en-US" sz="3200">
-              <a:solidFill>
-                <a:schemeClr val="accent1">
-                  <a:lumMod val="50000"/>
-                </a:schemeClr>
-              </a:solidFill>
-            </a:endParaRPr>
+              <a:t>声明的数据成员；</a:t>
+            </a:r>
           </a:p>
         </p:txBody>
       </p:sp>
@@ -40344,7 +37394,7 @@
               <a:defRPr/>
             </a:pPr>
             <a:r>
-              <a:rPr lang="en-US" altLang="zh-CN" sz="2800" b="1" dirty="0" smtClean="0">
+              <a:rPr lang="en-US" altLang="zh-CN" sz="2800" b="1" dirty="0">
                 <a:solidFill>
                   <a:schemeClr val="tx1">
                     <a:lumMod val="75000"/>
@@ -40356,16 +37406,6 @@
               </a:rPr>
               <a:t>};</a:t>
             </a:r>
-            <a:endParaRPr lang="en-US" altLang="zh-CN" sz="2800" b="1" dirty="0">
-              <a:solidFill>
-                <a:schemeClr val="tx1">
-                  <a:lumMod val="75000"/>
-                  <a:lumOff val="25000"/>
-                </a:schemeClr>
-              </a:solidFill>
-              <a:latin typeface="Consolas" panose="020B0609020204030204" pitchFamily="49" charset="0"/>
-              <a:cs typeface="Courier New" pitchFamily="49" charset="0"/>
-            </a:endParaRPr>
           </a:p>
         </p:txBody>
       </p:sp>
@@ -40379,13 +37419,6 @@
   <p:clrMapOvr>
     <a:masterClrMapping/>
   </p:clrMapOvr>
-  <p:timing>
-    <p:tnLst>
-      <p:par>
-        <p:cTn id="1" dur="indefinite" restart="never" nodeType="tmRoot"/>
-      </p:par>
-    </p:tnLst>
-  </p:timing>
 </p:sld>
 </file>
 
@@ -40466,7 +37499,7 @@
               </a:lnSpc>
             </a:pPr>
             <a:r>
-              <a:rPr lang="zh-CN" altLang="en-US" sz="3200">
+              <a:rPr lang="zh-CN" altLang="en-US" sz="3200" dirty="0">
                 <a:solidFill>
                   <a:schemeClr val="accent1">
                     <a:lumMod val="50000"/>
@@ -40476,12 +37509,12 @@
               <a:t>静态数据成员</a:t>
             </a:r>
             <a:r>
-              <a:rPr lang="zh-CN" altLang="en-US" sz="3200">
+              <a:rPr lang="zh-CN" altLang="en-US" sz="3200" dirty="0">
                 <a:solidFill>
                   <a:srgbClr val="C00000"/>
                 </a:solidFill>
               </a:rPr>
-              <a:t>必须初始化且只能在类外初始化</a:t>
+              <a:t>必须初始化且只能在类外初始化；</a:t>
             </a:r>
           </a:p>
           <a:p>
@@ -40491,7 +37524,7 @@
               </a:lnSpc>
             </a:pPr>
             <a:r>
-              <a:rPr lang="zh-CN" altLang="en-US" sz="3200">
+              <a:rPr lang="zh-CN" altLang="en-US" sz="3200" dirty="0">
                 <a:solidFill>
                   <a:srgbClr val="C00000"/>
                 </a:solidFill>
@@ -40499,13 +37532,26 @@
               <a:t>初始化时不能加</a:t>
             </a:r>
             <a:r>
-              <a:rPr lang="en-US" altLang="zh-CN" sz="3200">
+              <a:rPr lang="en-US" altLang="zh-CN" sz="3200" dirty="0">
                 <a:solidFill>
                   <a:srgbClr val="C00000"/>
                 </a:solidFill>
               </a:rPr>
               <a:t>static</a:t>
             </a:r>
+            <a:r>
+              <a:rPr lang="zh-CN" altLang="en-US" sz="3200" dirty="0">
+                <a:solidFill>
+                  <a:srgbClr val="C00000"/>
+                </a:solidFill>
+              </a:rPr>
+              <a:t>。</a:t>
+            </a:r>
+            <a:endParaRPr lang="en-US" altLang="zh-CN" sz="3200" dirty="0">
+              <a:solidFill>
+                <a:srgbClr val="C00000"/>
+              </a:solidFill>
+            </a:endParaRPr>
           </a:p>
         </p:txBody>
       </p:sp>
@@ -40719,7 +37765,7 @@
               <a:defRPr/>
             </a:pPr>
             <a:r>
-              <a:rPr lang="en-US" altLang="zh-CN" sz="2800" b="1" dirty="0" smtClean="0">
+              <a:rPr lang="en-US" altLang="zh-CN" sz="2800" b="1" dirty="0">
                 <a:solidFill>
                   <a:schemeClr val="tx1">
                     <a:lumMod val="75000"/>
@@ -40737,7 +37783,7 @@
               <a:defRPr/>
             </a:pPr>
             <a:r>
-              <a:rPr lang="en-US" altLang="zh-CN" sz="2800" b="1" dirty="0" smtClean="0">
+              <a:rPr lang="en-US" altLang="zh-CN" sz="2800" b="1" dirty="0">
                 <a:solidFill>
                   <a:schemeClr val="tx1">
                     <a:lumMod val="75000"/>
@@ -40755,7 +37801,7 @@
               <a:defRPr/>
             </a:pPr>
             <a:r>
-              <a:rPr lang="en-US" altLang="zh-CN" sz="2800" b="1" dirty="0" smtClean="0">
+              <a:rPr lang="en-US" altLang="zh-CN" sz="2800" b="1" dirty="0">
                 <a:solidFill>
                   <a:schemeClr val="tx1">
                     <a:lumMod val="75000"/>
@@ -40773,7 +37819,7 @@
               <a:defRPr/>
             </a:pPr>
             <a:r>
-              <a:rPr lang="en-US" altLang="zh-CN" sz="2800" b="1" dirty="0" smtClean="0">
+              <a:rPr lang="en-US" altLang="zh-CN" sz="2800" b="1" dirty="0">
                 <a:solidFill>
                   <a:schemeClr val="tx1">
                     <a:lumMod val="75000"/>
@@ -40786,7 +37832,7 @@
               <a:t>   </a:t>
             </a:r>
             <a:r>
-              <a:rPr lang="en-US" altLang="zh-CN" sz="2800" b="1" dirty="0" err="1" smtClean="0">
+              <a:rPr lang="en-US" altLang="zh-CN" sz="2800" b="1" dirty="0" err="1">
                 <a:solidFill>
                   <a:schemeClr val="tx1">
                     <a:lumMod val="75000"/>
@@ -40799,7 +37845,7 @@
               <a:t>int</a:t>
             </a:r>
             <a:r>
-              <a:rPr lang="en-US" altLang="zh-CN" sz="2800" b="1" dirty="0" smtClean="0">
+              <a:rPr lang="en-US" altLang="zh-CN" sz="2800" b="1" dirty="0">
                 <a:solidFill>
                   <a:schemeClr val="tx1">
                     <a:lumMod val="75000"/>
@@ -40812,7 +37858,7 @@
               <a:t> volume()</a:t>
             </a:r>
             <a:r>
-              <a:rPr lang="en-US" altLang="zh-CN" sz="2800" b="1" dirty="0" err="1" smtClean="0">
+              <a:rPr lang="en-US" altLang="zh-CN" sz="2800" b="1" dirty="0" err="1">
                 <a:solidFill>
                   <a:schemeClr val="tx1">
                     <a:lumMod val="75000"/>
@@ -40825,7 +37871,7 @@
               <a:t>const</a:t>
             </a:r>
             <a:r>
-              <a:rPr lang="en-US" altLang="zh-CN" sz="2800" b="1" dirty="0" smtClean="0">
+              <a:rPr lang="en-US" altLang="zh-CN" sz="2800" b="1" dirty="0">
                 <a:solidFill>
                   <a:schemeClr val="tx1">
                     <a:lumMod val="75000"/>
@@ -40843,7 +37889,7 @@
               <a:defRPr/>
             </a:pPr>
             <a:r>
-              <a:rPr lang="en-US" altLang="zh-CN" sz="2800" b="1" dirty="0" smtClean="0">
+              <a:rPr lang="en-US" altLang="zh-CN" sz="2800" b="1" dirty="0">
                 <a:solidFill>
                   <a:schemeClr val="tx1">
                     <a:lumMod val="75000"/>
@@ -40861,7 +37907,7 @@
               <a:defRPr/>
             </a:pPr>
             <a:r>
-              <a:rPr lang="en-US" altLang="zh-CN" sz="2800" b="1" dirty="0" smtClean="0">
+              <a:rPr lang="en-US" altLang="zh-CN" sz="2800" b="1" dirty="0">
                 <a:solidFill>
                   <a:schemeClr val="tx1">
                     <a:lumMod val="75000"/>
@@ -40874,7 +37920,7 @@
               <a:t>   </a:t>
             </a:r>
             <a:r>
-              <a:rPr lang="en-US" altLang="zh-CN" sz="2800" b="1" dirty="0" err="1" smtClean="0">
+              <a:rPr lang="en-US" altLang="zh-CN" sz="2800" b="1" dirty="0" err="1">
                 <a:solidFill>
                   <a:schemeClr val="tx1">
                     <a:lumMod val="75000"/>
@@ -40887,7 +37933,7 @@
               <a:t>int</a:t>
             </a:r>
             <a:r>
-              <a:rPr lang="en-US" altLang="zh-CN" sz="2800" b="1" dirty="0" smtClean="0">
+              <a:rPr lang="en-US" altLang="zh-CN" sz="2800" b="1" dirty="0">
                 <a:solidFill>
                   <a:schemeClr val="tx1">
                     <a:lumMod val="75000"/>
@@ -40900,7 +37946,7 @@
               <a:t> </a:t>
             </a:r>
             <a:r>
-              <a:rPr lang="en-US" altLang="zh-CN" sz="2800" b="1" dirty="0" err="1" smtClean="0">
+              <a:rPr lang="en-US" altLang="zh-CN" sz="2800" b="1" dirty="0" err="1">
                 <a:solidFill>
                   <a:schemeClr val="tx1">
                     <a:lumMod val="75000"/>
@@ -40913,7 +37959,7 @@
               <a:t>m_iWidth</a:t>
             </a:r>
             <a:r>
-              <a:rPr lang="en-US" altLang="zh-CN" sz="2800" b="1" dirty="0" smtClean="0">
+              <a:rPr lang="en-US" altLang="zh-CN" sz="2800" b="1" dirty="0">
                 <a:solidFill>
                   <a:schemeClr val="tx1">
                     <a:lumMod val="75000"/>
@@ -40931,7 +37977,7 @@
               <a:defRPr/>
             </a:pPr>
             <a:r>
-              <a:rPr lang="en-US" altLang="zh-CN" sz="2800" b="1" dirty="0" smtClean="0">
+              <a:rPr lang="en-US" altLang="zh-CN" sz="2800" b="1" dirty="0">
                 <a:solidFill>
                   <a:schemeClr val="tx1">
                     <a:lumMod val="75000"/>
@@ -40944,7 +37990,7 @@
               <a:t>   </a:t>
             </a:r>
             <a:r>
-              <a:rPr lang="en-US" altLang="zh-CN" sz="2800" b="1" dirty="0" err="1" smtClean="0">
+              <a:rPr lang="en-US" altLang="zh-CN" sz="2800" b="1" dirty="0" err="1">
                 <a:solidFill>
                   <a:schemeClr val="tx1">
                     <a:lumMod val="75000"/>
@@ -40957,7 +38003,7 @@
               <a:t>int</a:t>
             </a:r>
             <a:r>
-              <a:rPr lang="en-US" altLang="zh-CN" sz="2800" b="1" dirty="0" smtClean="0">
+              <a:rPr lang="en-US" altLang="zh-CN" sz="2800" b="1" dirty="0">
                 <a:solidFill>
                   <a:schemeClr val="tx1">
                     <a:lumMod val="75000"/>
@@ -40970,7 +38016,7 @@
               <a:t> </a:t>
             </a:r>
             <a:r>
-              <a:rPr lang="en-US" altLang="zh-CN" sz="2800" b="1" dirty="0" err="1" smtClean="0">
+              <a:rPr lang="en-US" altLang="zh-CN" sz="2800" b="1" dirty="0" err="1">
                 <a:solidFill>
                   <a:schemeClr val="tx1">
                     <a:lumMod val="75000"/>
@@ -40983,7 +38029,7 @@
               <a:t>m_iLength</a:t>
             </a:r>
             <a:r>
-              <a:rPr lang="en-US" altLang="zh-CN" sz="2800" b="1" dirty="0" smtClean="0">
+              <a:rPr lang="en-US" altLang="zh-CN" sz="2800" b="1" dirty="0">
                 <a:solidFill>
                   <a:schemeClr val="tx1">
                     <a:lumMod val="75000"/>
@@ -41001,7 +38047,7 @@
               <a:defRPr/>
             </a:pPr>
             <a:r>
-              <a:rPr lang="en-US" altLang="zh-CN" sz="2800" b="1" dirty="0" smtClean="0">
+              <a:rPr lang="en-US" altLang="zh-CN" sz="2800" b="1" dirty="0">
                 <a:solidFill>
                   <a:schemeClr val="tx1">
                     <a:lumMod val="75000"/>
@@ -41014,7 +38060,7 @@
               <a:t>   </a:t>
             </a:r>
             <a:r>
-              <a:rPr lang="en-US" altLang="zh-CN" sz="2800" b="1" dirty="0" err="1" smtClean="0">
+              <a:rPr lang="en-US" altLang="zh-CN" sz="2800" b="1" dirty="0" err="1">
                 <a:solidFill>
                   <a:schemeClr val="tx1">
                     <a:lumMod val="75000"/>
@@ -41027,7 +38073,7 @@
               <a:t>int</a:t>
             </a:r>
             <a:r>
-              <a:rPr lang="en-US" altLang="zh-CN" sz="2800" b="1" dirty="0" smtClean="0">
+              <a:rPr lang="en-US" altLang="zh-CN" sz="2800" b="1" dirty="0">
                 <a:solidFill>
                   <a:schemeClr val="tx1">
                     <a:lumMod val="75000"/>
@@ -41040,7 +38086,7 @@
               <a:t> </a:t>
             </a:r>
             <a:r>
-              <a:rPr lang="en-US" altLang="zh-CN" sz="2800" b="1" dirty="0" err="1" smtClean="0">
+              <a:rPr lang="en-US" altLang="zh-CN" sz="2800" b="1" dirty="0" err="1">
                 <a:solidFill>
                   <a:schemeClr val="tx1">
                     <a:lumMod val="75000"/>
@@ -41053,7 +38099,7 @@
               <a:t>m_iHeight</a:t>
             </a:r>
             <a:r>
-              <a:rPr lang="en-US" altLang="zh-CN" sz="2800" b="1" dirty="0" smtClean="0">
+              <a:rPr lang="en-US" altLang="zh-CN" sz="2800" b="1" dirty="0">
                 <a:solidFill>
                   <a:schemeClr val="tx1">
                     <a:lumMod val="75000"/>
@@ -41071,14 +38117,14 @@
               <a:defRPr/>
             </a:pPr>
             <a:r>
-              <a:rPr lang="en-US" altLang="zh-CN" sz="2800" b="1" dirty="0" smtClean="0">
+              <a:rPr lang="en-US" altLang="zh-CN" sz="2800" b="1" dirty="0">
                 <a:latin typeface="Consolas" panose="020B0609020204030204" pitchFamily="49" charset="0"/>
                 <a:cs typeface="Courier New" pitchFamily="49" charset="0"/>
               </a:rPr>
               <a:t>   </a:t>
             </a:r>
             <a:r>
-              <a:rPr lang="en-US" altLang="zh-CN" sz="2800" b="1" dirty="0" smtClean="0">
+              <a:rPr lang="en-US" altLang="zh-CN" sz="2800" b="1" dirty="0">
                 <a:solidFill>
                   <a:srgbClr val="C00000"/>
                 </a:solidFill>
@@ -41088,7 +38134,7 @@
               <a:t>static </a:t>
             </a:r>
             <a:r>
-              <a:rPr lang="en-US" altLang="zh-CN" sz="2800" b="1" dirty="0" err="1" smtClean="0">
+              <a:rPr lang="en-US" altLang="zh-CN" sz="2800" b="1" dirty="0" err="1">
                 <a:solidFill>
                   <a:srgbClr val="C00000"/>
                 </a:solidFill>
@@ -41098,7 +38144,7 @@
               <a:t>int</a:t>
             </a:r>
             <a:r>
-              <a:rPr lang="en-US" altLang="zh-CN" sz="2800" b="1" dirty="0" smtClean="0">
+              <a:rPr lang="en-US" altLang="zh-CN" sz="2800" b="1" dirty="0">
                 <a:solidFill>
                   <a:srgbClr val="C00000"/>
                 </a:solidFill>
@@ -41108,7 +38154,7 @@
               <a:t> </a:t>
             </a:r>
             <a:r>
-              <a:rPr lang="en-US" altLang="zh-CN" sz="2800" b="1" dirty="0" err="1" smtClean="0">
+              <a:rPr lang="en-US" altLang="zh-CN" sz="2800" b="1" dirty="0" err="1">
                 <a:solidFill>
                   <a:srgbClr val="C00000"/>
                 </a:solidFill>
@@ -41118,7 +38164,7 @@
               <a:t>s_iCount</a:t>
             </a:r>
             <a:r>
-              <a:rPr lang="en-US" altLang="zh-CN" sz="2800" b="1" dirty="0" smtClean="0">
+              <a:rPr lang="en-US" altLang="zh-CN" sz="2800" b="1" dirty="0">
                 <a:solidFill>
                   <a:srgbClr val="C00000"/>
                 </a:solidFill>
@@ -41133,7 +38179,7 @@
               <a:defRPr/>
             </a:pPr>
             <a:r>
-              <a:rPr lang="en-US" altLang="zh-CN" sz="2800" b="1" dirty="0" smtClean="0">
+              <a:rPr lang="en-US" altLang="zh-CN" sz="2800" b="1" dirty="0">
                 <a:solidFill>
                   <a:schemeClr val="tx1">
                     <a:lumMod val="75000"/>
@@ -41145,21 +38191,14 @@
               </a:rPr>
               <a:t>};</a:t>
             </a:r>
-            <a:r>
-              <a:rPr lang="en-US" altLang="zh-CN" sz="2800" b="1" dirty="0" smtClean="0">
-                <a:latin typeface="Consolas" panose="020B0609020204030204" pitchFamily="49" charset="0"/>
-                <a:cs typeface="Courier New" pitchFamily="49" charset="0"/>
-              </a:rPr>
-              <a:t/>
-            </a:r>
             <a:br>
-              <a:rPr lang="en-US" altLang="zh-CN" sz="2800" b="1" dirty="0" smtClean="0">
+              <a:rPr lang="en-US" altLang="zh-CN" sz="2800" b="1" dirty="0">
                 <a:latin typeface="Consolas" panose="020B0609020204030204" pitchFamily="49" charset="0"/>
                 <a:cs typeface="Courier New" pitchFamily="49" charset="0"/>
               </a:rPr>
             </a:br>
             <a:r>
-              <a:rPr lang="en-US" altLang="zh-CN" sz="2800" b="1" dirty="0" err="1" smtClean="0">
+              <a:rPr lang="en-US" altLang="zh-CN" sz="2800" b="1" dirty="0" err="1">
                 <a:solidFill>
                   <a:srgbClr val="C00000"/>
                 </a:solidFill>
@@ -41169,7 +38208,7 @@
               <a:t>int</a:t>
             </a:r>
             <a:r>
-              <a:rPr lang="en-US" altLang="zh-CN" sz="2800" b="1" dirty="0" smtClean="0">
+              <a:rPr lang="en-US" altLang="zh-CN" sz="2800" b="1" dirty="0">
                 <a:solidFill>
                   <a:srgbClr val="C00000"/>
                 </a:solidFill>
@@ -41179,7 +38218,7 @@
               <a:t> 	Box::</a:t>
             </a:r>
             <a:r>
-              <a:rPr lang="en-US" altLang="zh-CN" sz="2800" b="1" dirty="0" err="1" smtClean="0">
+              <a:rPr lang="en-US" altLang="zh-CN" sz="2800" b="1" dirty="0" err="1">
                 <a:solidFill>
                   <a:srgbClr val="C00000"/>
                 </a:solidFill>
@@ -41189,7 +38228,7 @@
               <a:t>s_iCount</a:t>
             </a:r>
             <a:r>
-              <a:rPr lang="en-US" altLang="zh-CN" sz="2800" b="1" dirty="0" smtClean="0">
+              <a:rPr lang="en-US" altLang="zh-CN" sz="2800" b="1" dirty="0">
                 <a:solidFill>
                   <a:srgbClr val="C00000"/>
                 </a:solidFill>
@@ -41198,13 +38237,6 @@
               </a:rPr>
               <a:t>;</a:t>
             </a:r>
-            <a:endParaRPr lang="en-US" altLang="zh-CN" sz="2800" b="1" dirty="0">
-              <a:solidFill>
-                <a:srgbClr val="C00000"/>
-              </a:solidFill>
-              <a:latin typeface="Consolas" panose="020B0609020204030204" pitchFamily="49" charset="0"/>
-              <a:cs typeface="Courier New" pitchFamily="49" charset="0"/>
-            </a:endParaRPr>
           </a:p>
         </p:txBody>
       </p:sp>
@@ -41271,7 +38303,7 @@
               <a:defRPr/>
             </a:pPr>
             <a:r>
-              <a:rPr lang="zh-CN" altLang="en-US" sz="2800" b="1" smtClean="0">
+              <a:rPr lang="zh-CN" altLang="en-US" sz="2800" b="1">
                 <a:solidFill>
                   <a:schemeClr val="tx1">
                     <a:lumMod val="75000"/>
@@ -41306,13 +38338,6 @@
   <p:clrMapOvr>
     <a:masterClrMapping/>
   </p:clrMapOvr>
-  <p:timing>
-    <p:tnLst>
-      <p:par>
-        <p:cTn id="1" dur="indefinite" restart="never" nodeType="tmRoot"/>
-      </p:par>
-    </p:tnLst>
-  </p:timing>
 </p:sld>
 </file>
 
@@ -41476,19 +38501,6 @@
               <a:defRPr/>
             </a:pPr>
             <a:r>
-              <a:rPr lang="en-US" altLang="zh-CN" sz="2800" b="1" dirty="0" smtClean="0">
-                <a:solidFill>
-                  <a:schemeClr val="tx1">
-                    <a:lumMod val="75000"/>
-                    <a:lumOff val="25000"/>
-                  </a:schemeClr>
-                </a:solidFill>
-                <a:latin typeface="Consolas" panose="020B0609020204030204" pitchFamily="49" charset="0"/>
-                <a:cs typeface="Courier New" pitchFamily="49" charset="0"/>
-              </a:rPr>
-              <a:t>class </a:t>
-            </a:r>
-            <a:r>
               <a:rPr lang="en-US" altLang="zh-CN" sz="2800" b="1" dirty="0">
                 <a:solidFill>
                   <a:schemeClr val="tx1">
@@ -41499,7 +38511,7 @@
                 <a:latin typeface="Consolas" panose="020B0609020204030204" pitchFamily="49" charset="0"/>
                 <a:cs typeface="Courier New" pitchFamily="49" charset="0"/>
               </a:rPr>
-              <a:t>Box</a:t>
+              <a:t>class Box</a:t>
             </a:r>
           </a:p>
           <a:p>
@@ -42151,13 +39163,6 @@
   <p:clrMapOvr>
     <a:masterClrMapping/>
   </p:clrMapOvr>
-  <p:timing>
-    <p:tnLst>
-      <p:par>
-        <p:cTn id="1" dur="indefinite" restart="never" nodeType="tmRoot"/>
-      </p:par>
-    </p:tnLst>
-  </p:timing>
 </p:sld>
 </file>
 
@@ -42321,19 +39326,6 @@
               <a:defRPr/>
             </a:pPr>
             <a:r>
-              <a:rPr lang="en-US" altLang="zh-CN" sz="2800" b="1" dirty="0" smtClean="0">
-                <a:solidFill>
-                  <a:schemeClr val="tx1">
-                    <a:lumMod val="75000"/>
-                    <a:lumOff val="25000"/>
-                  </a:schemeClr>
-                </a:solidFill>
-                <a:latin typeface="Consolas" panose="020B0609020204030204" pitchFamily="49" charset="0"/>
-                <a:cs typeface="Courier New" pitchFamily="49" charset="0"/>
-              </a:rPr>
-              <a:t>class </a:t>
-            </a:r>
-            <a:r>
               <a:rPr lang="en-US" altLang="zh-CN" sz="2800" b="1" dirty="0">
                 <a:solidFill>
                   <a:schemeClr val="tx1">
@@ -42344,7 +39336,7 @@
                 <a:latin typeface="Consolas" panose="020B0609020204030204" pitchFamily="49" charset="0"/>
                 <a:cs typeface="Courier New" pitchFamily="49" charset="0"/>
               </a:rPr>
-              <a:t>Box</a:t>
+              <a:t>class Box</a:t>
             </a:r>
           </a:p>
           <a:p>
@@ -42915,20 +39907,7 @@
                 <a:latin typeface="Consolas" panose="020B0609020204030204" pitchFamily="49" charset="0"/>
                 <a:cs typeface="Courier New" pitchFamily="49" charset="0"/>
               </a:rPr>
-              <a:t>Box::Box</a:t>
-            </a:r>
-            <a:r>
-              <a:rPr lang="en-US" altLang="zh-CN" sz="2800" b="1" smtClean="0">
-                <a:solidFill>
-                  <a:schemeClr val="tx1">
-                    <a:lumMod val="75000"/>
-                    <a:lumOff val="25000"/>
-                  </a:schemeClr>
-                </a:solidFill>
-                <a:latin typeface="Consolas" panose="020B0609020204030204" pitchFamily="49" charset="0"/>
-                <a:cs typeface="Courier New" pitchFamily="49" charset="0"/>
-              </a:rPr>
-              <a:t>()</a:t>
+              <a:t>Box::Box()</a:t>
             </a:r>
           </a:p>
           <a:p>
@@ -42946,23 +39925,10 @@
                 <a:latin typeface="Consolas" panose="020B0609020204030204" pitchFamily="49" charset="0"/>
                 <a:cs typeface="Courier New" pitchFamily="49" charset="0"/>
               </a:rPr>
-              <a:t> </a:t>
-            </a:r>
-            <a:r>
-              <a:rPr lang="en-US" altLang="zh-CN" sz="2800" b="1" smtClean="0">
-                <a:solidFill>
-                  <a:schemeClr val="tx1">
-                    <a:lumMod val="75000"/>
-                    <a:lumOff val="25000"/>
-                  </a:schemeClr>
-                </a:solidFill>
-                <a:latin typeface="Consolas" panose="020B0609020204030204" pitchFamily="49" charset="0"/>
-                <a:cs typeface="Courier New" pitchFamily="49" charset="0"/>
-              </a:rPr>
-              <a:t>   : </a:t>
-            </a:r>
-            <a:r>
-              <a:rPr lang="en-US" altLang="zh-CN" sz="2800" b="1" smtClean="0">
+              <a:t>    : </a:t>
+            </a:r>
+            <a:r>
+              <a:rPr lang="en-US" altLang="zh-CN" sz="2800" b="1">
                 <a:solidFill>
                   <a:srgbClr val="C00000"/>
                 </a:solidFill>
@@ -42971,13 +39937,6 @@
               </a:rPr>
               <a:t>s_iCount(8)</a:t>
             </a:r>
-            <a:endParaRPr lang="en-US" altLang="zh-CN" sz="2800" b="1">
-              <a:solidFill>
-                <a:srgbClr val="C00000"/>
-              </a:solidFill>
-              <a:latin typeface="Consolas" panose="020B0609020204030204" pitchFamily="49" charset="0"/>
-              <a:cs typeface="Courier New" pitchFamily="49" charset="0"/>
-            </a:endParaRPr>
           </a:p>
           <a:p>
             <a:pPr>
@@ -43002,19 +39961,6 @@
               <a:defRPr/>
             </a:pPr>
             <a:r>
-              <a:rPr lang="en-US" altLang="zh-CN" sz="2800" b="1" smtClean="0">
-                <a:solidFill>
-                  <a:schemeClr val="tx1">
-                    <a:lumMod val="75000"/>
-                    <a:lumOff val="25000"/>
-                  </a:schemeClr>
-                </a:solidFill>
-                <a:latin typeface="Consolas" panose="020B0609020204030204" pitchFamily="49" charset="0"/>
-                <a:cs typeface="Courier New" pitchFamily="49" charset="0"/>
-              </a:rPr>
-              <a:t>    … </a:t>
-            </a:r>
-            <a:r>
               <a:rPr lang="en-US" altLang="zh-CN" sz="2800" b="1">
                 <a:solidFill>
                   <a:schemeClr val="tx1">
@@ -43025,7 +39971,7 @@
                 <a:latin typeface="Consolas" panose="020B0609020204030204" pitchFamily="49" charset="0"/>
                 <a:cs typeface="Courier New" pitchFamily="49" charset="0"/>
               </a:rPr>
-              <a:t>…</a:t>
+              <a:t>    … …</a:t>
             </a:r>
           </a:p>
           <a:p>
@@ -43058,13 +40004,6 @@
   <p:clrMapOvr>
     <a:masterClrMapping/>
   </p:clrMapOvr>
-  <p:timing>
-    <p:tnLst>
-      <p:par>
-        <p:cTn id="1" dur="indefinite" restart="never" nodeType="tmRoot"/>
-      </p:par>
-    </p:tnLst>
-  </p:timing>
 </p:sld>
 </file>
 
@@ -43323,7 +40262,7 @@
   <a:extraClrSchemeLst/>
   <a:extLst>
     <a:ext uri="{05A4C25C-085E-4340-85A3-A5531E510DB2}">
-      <thm15:themeFamily xmlns="" xmlns:thm15="http://schemas.microsoft.com/office/thememl/2012/main" name="Office Theme" id="{62F939B6-93AF-4DB8-9C6B-D6C7DFDC589F}" vid="{4A3C46E8-61CC-4603-A589-7422A47A8E4A}"/>
+      <thm15:themeFamily xmlns:thm15="http://schemas.microsoft.com/office/thememl/2012/main" name="Office Theme" id="{62F939B6-93AF-4DB8-9C6B-D6C7DFDC589F}" vid="{4A3C46E8-61CC-4603-A589-7422A47A8E4A}"/>
     </a:ext>
   </a:extLst>
 </a:theme>
@@ -43584,7 +40523,7 @@
   <a:extraClrSchemeLst/>
   <a:extLst>
     <a:ext uri="{05A4C25C-085E-4340-85A3-A5531E510DB2}">
-      <thm15:themeFamily xmlns="" xmlns:thm15="http://schemas.microsoft.com/office/thememl/2012/main" name="Office Theme" id="{62F939B6-93AF-4DB8-9C6B-D6C7DFDC589F}" vid="{4A3C46E8-61CC-4603-A589-7422A47A8E4A}"/>
+      <thm15:themeFamily xmlns:thm15="http://schemas.microsoft.com/office/thememl/2012/main" name="Office Theme" id="{62F939B6-93AF-4DB8-9C6B-D6C7DFDC589F}" vid="{4A3C46E8-61CC-4603-A589-7422A47A8E4A}"/>
     </a:ext>
   </a:extLst>
 </a:theme>
